--- a/BennyChan/Kinect Block Diagram and Display Feedback Flowchart.pptx
+++ b/BennyChan/Kinect Block Diagram and Display Feedback Flowchart.pptx
@@ -5,11 +5,13 @@
     <p:sldMasterId id="2147483648" r:id="rId1"/>
   </p:sldMasterIdLst>
   <p:notesMasterIdLst>
-    <p:notesMasterId r:id="rId4"/>
+    <p:notesMasterId r:id="rId6"/>
   </p:notesMasterIdLst>
   <p:sldIdLst>
     <p:sldId id="256" r:id="rId2"/>
-    <p:sldId id="258" r:id="rId3"/>
+    <p:sldId id="260" r:id="rId3"/>
+    <p:sldId id="258" r:id="rId4"/>
+    <p:sldId id="259" r:id="rId5"/>
   </p:sldIdLst>
   <p:sldSz cx="12192000" cy="6858000"/>
   <p:notesSz cx="6858000" cy="9144000"/>
@@ -198,7 +200,7 @@
           <a:p>
             <a:fld id="{C4975860-743F-4EC7-A052-1D4991B8B613}" type="datetimeFigureOut">
               <a:rPr lang="en-US" smtClean="0"/>
-              <a:t>4/30/16</a:t>
+              <a:t>9/18/16</a:t>
             </a:fld>
             <a:endParaRPr lang="en-US"/>
           </a:p>
@@ -681,7 +683,7 @@
           <a:p>
             <a:fld id="{1DBA729F-FDA9-7448-91B8-071AA2C3EF62}" type="datetimeFigureOut">
               <a:rPr lang="en-US" smtClean="0"/>
-              <a:t>4/30/16</a:t>
+              <a:t>9/18/16</a:t>
             </a:fld>
             <a:endParaRPr lang="en-US"/>
           </a:p>
@@ -851,7 +853,7 @@
           <a:p>
             <a:fld id="{1DBA729F-FDA9-7448-91B8-071AA2C3EF62}" type="datetimeFigureOut">
               <a:rPr lang="en-US" smtClean="0"/>
-              <a:t>4/30/16</a:t>
+              <a:t>9/18/16</a:t>
             </a:fld>
             <a:endParaRPr lang="en-US"/>
           </a:p>
@@ -1031,7 +1033,7 @@
           <a:p>
             <a:fld id="{1DBA729F-FDA9-7448-91B8-071AA2C3EF62}" type="datetimeFigureOut">
               <a:rPr lang="en-US" smtClean="0"/>
-              <a:t>4/30/16</a:t>
+              <a:t>9/18/16</a:t>
             </a:fld>
             <a:endParaRPr lang="en-US"/>
           </a:p>
@@ -1201,7 +1203,7 @@
           <a:p>
             <a:fld id="{1DBA729F-FDA9-7448-91B8-071AA2C3EF62}" type="datetimeFigureOut">
               <a:rPr lang="en-US" smtClean="0"/>
-              <a:t>4/30/16</a:t>
+              <a:t>9/18/16</a:t>
             </a:fld>
             <a:endParaRPr lang="en-US"/>
           </a:p>
@@ -1447,7 +1449,7 @@
           <a:p>
             <a:fld id="{1DBA729F-FDA9-7448-91B8-071AA2C3EF62}" type="datetimeFigureOut">
               <a:rPr lang="en-US" smtClean="0"/>
-              <a:t>4/30/16</a:t>
+              <a:t>9/18/16</a:t>
             </a:fld>
             <a:endParaRPr lang="en-US"/>
           </a:p>
@@ -1679,7 +1681,7 @@
           <a:p>
             <a:fld id="{1DBA729F-FDA9-7448-91B8-071AA2C3EF62}" type="datetimeFigureOut">
               <a:rPr lang="en-US" smtClean="0"/>
-              <a:t>4/30/16</a:t>
+              <a:t>9/18/16</a:t>
             </a:fld>
             <a:endParaRPr lang="en-US"/>
           </a:p>
@@ -2046,7 +2048,7 @@
           <a:p>
             <a:fld id="{1DBA729F-FDA9-7448-91B8-071AA2C3EF62}" type="datetimeFigureOut">
               <a:rPr lang="en-US" smtClean="0"/>
-              <a:t>4/30/16</a:t>
+              <a:t>9/18/16</a:t>
             </a:fld>
             <a:endParaRPr lang="en-US"/>
           </a:p>
@@ -2164,7 +2166,7 @@
           <a:p>
             <a:fld id="{1DBA729F-FDA9-7448-91B8-071AA2C3EF62}" type="datetimeFigureOut">
               <a:rPr lang="en-US" smtClean="0"/>
-              <a:t>4/30/16</a:t>
+              <a:t>9/18/16</a:t>
             </a:fld>
             <a:endParaRPr lang="en-US"/>
           </a:p>
@@ -2259,7 +2261,7 @@
           <a:p>
             <a:fld id="{1DBA729F-FDA9-7448-91B8-071AA2C3EF62}" type="datetimeFigureOut">
               <a:rPr lang="en-US" smtClean="0"/>
-              <a:t>4/30/16</a:t>
+              <a:t>9/18/16</a:t>
             </a:fld>
             <a:endParaRPr lang="en-US"/>
           </a:p>
@@ -2536,7 +2538,7 @@
           <a:p>
             <a:fld id="{1DBA729F-FDA9-7448-91B8-071AA2C3EF62}" type="datetimeFigureOut">
               <a:rPr lang="en-US" smtClean="0"/>
-              <a:t>4/30/16</a:t>
+              <a:t>9/18/16</a:t>
             </a:fld>
             <a:endParaRPr lang="en-US"/>
           </a:p>
@@ -2789,7 +2791,7 @@
           <a:p>
             <a:fld id="{1DBA729F-FDA9-7448-91B8-071AA2C3EF62}" type="datetimeFigureOut">
               <a:rPr lang="en-US" smtClean="0"/>
-              <a:t>4/30/16</a:t>
+              <a:t>9/18/16</a:t>
             </a:fld>
             <a:endParaRPr lang="en-US"/>
           </a:p>
@@ -3002,7 +3004,7 @@
           <a:p>
             <a:fld id="{1DBA729F-FDA9-7448-91B8-071AA2C3EF62}" type="datetimeFigureOut">
               <a:rPr lang="en-US" smtClean="0"/>
-              <a:t>4/30/16</a:t>
+              <a:t>9/18/16</a:t>
             </a:fld>
             <a:endParaRPr lang="en-US"/>
           </a:p>
@@ -3393,24 +3395,6 @@
 <file path=ppt/slides/slide1.xml><?xml version="1.0" encoding="utf-8"?>
 <p:sld xmlns:a="http://schemas.openxmlformats.org/drawingml/2006/main" xmlns:r="http://schemas.openxmlformats.org/officeDocument/2006/relationships" xmlns:p="http://schemas.openxmlformats.org/presentationml/2006/main">
   <p:cSld>
-    <p:bg>
-      <p:bgPr>
-        <a:gradFill>
-          <a:gsLst>
-            <a:gs pos="84000">
-              <a:schemeClr val="accent1"/>
-            </a:gs>
-            <a:gs pos="49000">
-              <a:schemeClr val="accent1">
-                <a:lumMod val="75000"/>
-              </a:schemeClr>
-            </a:gs>
-          </a:gsLst>
-          <a:lin ang="5400000" scaled="1"/>
-        </a:gradFill>
-        <a:effectLst/>
-      </p:bgPr>
-    </p:bg>
     <p:spTree>
       <p:nvGrpSpPr>
         <p:cNvPr id="1" name=""/>
@@ -4281,7 +4265,7 @@
                   <a:schemeClr val="bg1"/>
                 </a:solidFill>
               </a:rPr>
-              <a:t>Send to Display </a:t>
+              <a:t>Send to </a:t>
             </a:r>
             <a:r>
               <a:rPr lang="en-US" sz="1600" dirty="0" smtClean="0">
@@ -4289,7 +4273,7 @@
                   <a:schemeClr val="bg1"/>
                 </a:solidFill>
               </a:rPr>
-              <a:t>Feedback</a:t>
+              <a:t>Feedback Display</a:t>
             </a:r>
             <a:endParaRPr lang="en-US" sz="1600" dirty="0">
               <a:solidFill>
@@ -7632,21 +7616,190 @@
 <file path=ppt/slides/slide2.xml><?xml version="1.0" encoding="utf-8"?>
 <p:sld xmlns:a="http://schemas.openxmlformats.org/drawingml/2006/main" xmlns:r="http://schemas.openxmlformats.org/officeDocument/2006/relationships" xmlns:p="http://schemas.openxmlformats.org/presentationml/2006/main">
   <p:cSld>
+    <p:spTree>
+      <p:nvGrpSpPr>
+        <p:cNvPr id="1" name=""/>
+        <p:cNvGrpSpPr/>
+        <p:nvPr/>
+      </p:nvGrpSpPr>
+      <p:grpSpPr>
+        <a:xfrm>
+          <a:off x="0" y="0"/>
+          <a:ext cx="0" cy="0"/>
+          <a:chOff x="0" y="0"/>
+          <a:chExt cx="0" cy="0"/>
+        </a:xfrm>
+      </p:grpSpPr>
+      <p:pic>
+        <p:nvPicPr>
+          <p:cNvPr id="2" name="Picture 1"/>
+          <p:cNvPicPr>
+            <a:picLocks noChangeAspect="1"/>
+          </p:cNvPicPr>
+          <p:nvPr/>
+        </p:nvPicPr>
+        <p:blipFill rotWithShape="1">
+          <a:blip r:embed="rId2"/>
+          <a:srcRect l="458" t="16635" r="741" b="571"/>
+          <a:stretch/>
+        </p:blipFill>
+        <p:spPr>
+          <a:xfrm>
+            <a:off x="2562534" y="1166949"/>
+            <a:ext cx="7542917" cy="5682346"/>
+          </a:xfrm>
+          <a:prstGeom prst="rect">
+            <a:avLst/>
+          </a:prstGeom>
+        </p:spPr>
+      </p:pic>
+      <p:sp>
+        <p:nvSpPr>
+          <p:cNvPr id="3" name="Rectangle 2"/>
+          <p:cNvSpPr/>
+          <p:nvPr/>
+        </p:nvSpPr>
+        <p:spPr>
+          <a:xfrm>
+            <a:off x="290650" y="520618"/>
+            <a:ext cx="6911379" cy="646331"/>
+          </a:xfrm>
+          <a:prstGeom prst="rect">
+            <a:avLst/>
+          </a:prstGeom>
+          <a:noFill/>
+        </p:spPr>
+        <p:txBody>
+          <a:bodyPr wrap="none" lIns="91440" tIns="45720" rIns="91440" bIns="45720">
+            <a:spAutoFit/>
+          </a:bodyPr>
+          <a:lstStyle/>
+          <a:p>
+            <a:pPr algn="ctr"/>
+            <a:r>
+              <a:rPr lang="en-US" sz="3600" b="0" cap="none" spc="0" dirty="0" smtClean="0">
+                <a:ln w="0"/>
+                <a:solidFill>
+                  <a:schemeClr val="tx1"/>
+                </a:solidFill>
+                <a:effectLst>
+                  <a:outerShdw blurRad="38100" dist="19050" dir="2700000" algn="tl" rotWithShape="0">
+                    <a:schemeClr val="dk1">
+                      <a:alpha val="40000"/>
+                    </a:schemeClr>
+                  </a:outerShdw>
+                </a:effectLst>
+              </a:rPr>
+              <a:t>Test – Flexion of Body at 30 Degrees</a:t>
+            </a:r>
+            <a:endParaRPr lang="en-US" sz="3600" b="0" cap="none" spc="0" dirty="0">
+              <a:ln w="0"/>
+              <a:solidFill>
+                <a:schemeClr val="tx1"/>
+              </a:solidFill>
+              <a:effectLst>
+                <a:outerShdw blurRad="38100" dist="19050" dir="2700000" algn="tl" rotWithShape="0">
+                  <a:schemeClr val="dk1">
+                    <a:alpha val="40000"/>
+                  </a:schemeClr>
+                </a:outerShdw>
+              </a:effectLst>
+            </a:endParaRPr>
+          </a:p>
+        </p:txBody>
+      </p:sp>
+      <p:sp>
+        <p:nvSpPr>
+          <p:cNvPr id="4" name="Rectangle 3"/>
+          <p:cNvSpPr/>
+          <p:nvPr/>
+        </p:nvSpPr>
+        <p:spPr>
+          <a:xfrm>
+            <a:off x="290650" y="5120730"/>
+            <a:ext cx="2463063" cy="1200329"/>
+          </a:xfrm>
+          <a:prstGeom prst="rect">
+            <a:avLst/>
+          </a:prstGeom>
+          <a:noFill/>
+        </p:spPr>
+        <p:txBody>
+          <a:bodyPr wrap="square" lIns="91440" tIns="45720" rIns="91440" bIns="45720">
+            <a:spAutoFit/>
+          </a:bodyPr>
+          <a:lstStyle/>
+          <a:p>
+            <a:pPr algn="ctr"/>
+            <a:r>
+              <a:rPr lang="en-US" sz="3600" b="0" cap="none" spc="0" dirty="0" smtClean="0">
+                <a:ln w="0"/>
+                <a:solidFill>
+                  <a:schemeClr val="tx1"/>
+                </a:solidFill>
+                <a:effectLst>
+                  <a:outerShdw blurRad="38100" dist="19050" dir="2700000" algn="tl" rotWithShape="0">
+                    <a:schemeClr val="dk1">
+                      <a:alpha val="40000"/>
+                    </a:schemeClr>
+                  </a:outerShdw>
+                </a:effectLst>
+              </a:rPr>
+              <a:t>2 – Tracked</a:t>
+            </a:r>
+          </a:p>
+          <a:p>
+            <a:pPr algn="ctr"/>
+            <a:r>
+              <a:rPr lang="en-US" sz="3600" dirty="0" smtClean="0">
+                <a:ln w="0"/>
+                <a:effectLst>
+                  <a:outerShdw blurRad="38100" dist="19050" dir="2700000" algn="tl" rotWithShape="0">
+                    <a:schemeClr val="dk1">
+                      <a:alpha val="40000"/>
+                    </a:schemeClr>
+                  </a:outerShdw>
+                </a:effectLst>
+              </a:rPr>
+              <a:t>1 - Inferred</a:t>
+            </a:r>
+            <a:endParaRPr lang="en-US" sz="3600" b="0" cap="none" spc="0" dirty="0">
+              <a:ln w="0"/>
+              <a:solidFill>
+                <a:schemeClr val="tx1"/>
+              </a:solidFill>
+              <a:effectLst>
+                <a:outerShdw blurRad="38100" dist="19050" dir="2700000" algn="tl" rotWithShape="0">
+                  <a:schemeClr val="dk1">
+                    <a:alpha val="40000"/>
+                  </a:schemeClr>
+                </a:outerShdw>
+              </a:effectLst>
+            </a:endParaRPr>
+          </a:p>
+        </p:txBody>
+      </p:sp>
+    </p:spTree>
+    <p:extLst>
+      <p:ext uri="{BB962C8B-B14F-4D97-AF65-F5344CB8AC3E}">
+        <p14:creationId xmlns:p14="http://schemas.microsoft.com/office/powerpoint/2010/main" val="1482532709"/>
+      </p:ext>
+    </p:extLst>
+  </p:cSld>
+  <p:clrMapOvr>
+    <a:masterClrMapping/>
+  </p:clrMapOvr>
+</p:sld>
+</file>
+
+<file path=ppt/slides/slide3.xml><?xml version="1.0" encoding="utf-8"?>
+<p:sld xmlns:a="http://schemas.openxmlformats.org/drawingml/2006/main" xmlns:r="http://schemas.openxmlformats.org/officeDocument/2006/relationships" xmlns:p="http://schemas.openxmlformats.org/presentationml/2006/main">
+  <p:cSld>
     <p:bg>
       <p:bgPr>
-        <a:gradFill>
-          <a:gsLst>
-            <a:gs pos="84000">
-              <a:schemeClr val="accent1"/>
-            </a:gs>
-            <a:gs pos="49000">
-              <a:schemeClr val="accent1">
-                <a:lumMod val="75000"/>
-              </a:schemeClr>
-            </a:gs>
-          </a:gsLst>
-          <a:lin ang="5400000" scaled="1"/>
-        </a:gradFill>
+        <a:solidFill>
+          <a:schemeClr val="bg1"/>
+        </a:solidFill>
         <a:effectLst/>
       </p:bgPr>
     </p:bg>
@@ -9710,8 +9863,8 @@
         </p:nvSpPr>
         <p:spPr>
           <a:xfrm>
-            <a:off x="76783" y="1449730"/>
-            <a:ext cx="5364802" cy="646331"/>
+            <a:off x="101343" y="1449730"/>
+            <a:ext cx="5315686" cy="646331"/>
           </a:xfrm>
           <a:prstGeom prst="rect">
             <a:avLst/>
@@ -9726,7 +9879,7 @@
           <a:p>
             <a:pPr algn="ctr"/>
             <a:r>
-              <a:rPr lang="en-US" sz="3600" dirty="0" smtClean="0">
+              <a:rPr lang="en-US" sz="3600" smtClean="0">
                 <a:ln w="0"/>
                 <a:effectLst>
                   <a:outerShdw blurRad="38100" dist="19050" dir="2700000" algn="tl" rotWithShape="0">
@@ -9736,7 +9889,7 @@
                   </a:outerShdw>
                 </a:effectLst>
               </a:rPr>
-              <a:t>Display Feedback Flowchart</a:t>
+              <a:t>Feedback Display Flowchart</a:t>
             </a:r>
             <a:endParaRPr lang="en-US" sz="3600" b="0" cap="none" spc="0" dirty="0">
               <a:ln w="0"/>
@@ -10116,6 +10269,151 @@
     <p:extLst>
       <p:ext uri="{BB962C8B-B14F-4D97-AF65-F5344CB8AC3E}">
         <p14:creationId xmlns:p14="http://schemas.microsoft.com/office/powerpoint/2010/main" val="772513849"/>
+      </p:ext>
+    </p:extLst>
+  </p:cSld>
+  <p:clrMapOvr>
+    <a:masterClrMapping/>
+  </p:clrMapOvr>
+</p:sld>
+</file>
+
+<file path=ppt/slides/slide4.xml><?xml version="1.0" encoding="utf-8"?>
+<p:sld xmlns:a="http://schemas.openxmlformats.org/drawingml/2006/main" xmlns:r="http://schemas.openxmlformats.org/officeDocument/2006/relationships" xmlns:p="http://schemas.openxmlformats.org/presentationml/2006/main">
+  <p:cSld>
+    <p:spTree>
+      <p:nvGrpSpPr>
+        <p:cNvPr id="1" name=""/>
+        <p:cNvGrpSpPr/>
+        <p:nvPr/>
+      </p:nvGrpSpPr>
+      <p:grpSpPr>
+        <a:xfrm>
+          <a:off x="0" y="0"/>
+          <a:ext cx="0" cy="0"/>
+          <a:chOff x="0" y="0"/>
+          <a:chExt cx="0" cy="0"/>
+        </a:xfrm>
+      </p:grpSpPr>
+      <p:pic>
+        <p:nvPicPr>
+          <p:cNvPr id="1028" name="Picture 4" descr="https://lh6.googleusercontent.com/nkdOJLxzeiNhYy-KUd9tLsWO05Z342ZMrGHZmjOYGmVjKvhD07xCOBehzQgoZO8CK-_ZeaqW5OlLpNcUUy_DN99WuUPZTes48kJMcaYVhbesqxjtAfMzBezobK13UwpcMjwsSsBTdnI"/>
+          <p:cNvPicPr>
+            <a:picLocks noChangeAspect="1" noChangeArrowheads="1"/>
+          </p:cNvPicPr>
+          <p:nvPr/>
+        </p:nvPicPr>
+        <p:blipFill>
+          <a:blip r:embed="rId2">
+            <a:extLst>
+              <a:ext uri="{28A0092B-C50C-407E-A947-70E740481C1C}">
+                <a14:useLocalDpi xmlns:a14="http://schemas.microsoft.com/office/drawing/2010/main" val="0"/>
+              </a:ext>
+            </a:extLst>
+          </a:blip>
+          <a:srcRect/>
+          <a:stretch>
+            <a:fillRect/>
+          </a:stretch>
+        </p:blipFill>
+        <p:spPr bwMode="auto">
+          <a:xfrm>
+            <a:off x="0" y="0"/>
+            <a:ext cx="12192000" cy="6858000"/>
+          </a:xfrm>
+          <a:prstGeom prst="rect">
+            <a:avLst/>
+          </a:prstGeom>
+          <a:noFill/>
+          <a:extLst>
+            <a:ext uri="{909E8E84-426E-40DD-AFC4-6F175D3DCCD1}">
+              <a14:hiddenFill xmlns:a14="http://schemas.microsoft.com/office/drawing/2010/main">
+                <a:solidFill>
+                  <a:srgbClr val="FFFFFF"/>
+                </a:solidFill>
+              </a14:hiddenFill>
+            </a:ext>
+          </a:extLst>
+        </p:spPr>
+      </p:pic>
+      <p:sp>
+        <p:nvSpPr>
+          <p:cNvPr id="3" name="Rectangle 2"/>
+          <p:cNvSpPr/>
+          <p:nvPr/>
+        </p:nvSpPr>
+        <p:spPr>
+          <a:xfrm>
+            <a:off x="5977217" y="3244334"/>
+            <a:ext cx="237566" cy="369332"/>
+          </a:xfrm>
+          <a:prstGeom prst="rect">
+            <a:avLst/>
+          </a:prstGeom>
+        </p:spPr>
+        <p:txBody>
+          <a:bodyPr wrap="none">
+            <a:spAutoFit/>
+          </a:bodyPr>
+          <a:lstStyle/>
+          <a:p>
+            <a:r>
+              <a:rPr lang="en-US" dirty="0"/>
+              <a:t> </a:t>
+            </a:r>
+          </a:p>
+        </p:txBody>
+      </p:sp>
+      <p:sp>
+        <p:nvSpPr>
+          <p:cNvPr id="4" name="Rectangle 3"/>
+          <p:cNvSpPr/>
+          <p:nvPr/>
+        </p:nvSpPr>
+        <p:spPr>
+          <a:xfrm>
+            <a:off x="26127" y="1097280"/>
+            <a:ext cx="1776549" cy="2882537"/>
+          </a:xfrm>
+          <a:prstGeom prst="rect">
+            <a:avLst/>
+          </a:prstGeom>
+          <a:noFill/>
+          <a:ln w="57150">
+            <a:solidFill>
+              <a:srgbClr val="FF0000"/>
+            </a:solidFill>
+          </a:ln>
+        </p:spPr>
+        <p:style>
+          <a:lnRef idx="2">
+            <a:schemeClr val="accent1">
+              <a:shade val="50000"/>
+            </a:schemeClr>
+          </a:lnRef>
+          <a:fillRef idx="1">
+            <a:schemeClr val="accent1"/>
+          </a:fillRef>
+          <a:effectRef idx="0">
+            <a:schemeClr val="accent1"/>
+          </a:effectRef>
+          <a:fontRef idx="minor">
+            <a:schemeClr val="lt1"/>
+          </a:fontRef>
+        </p:style>
+        <p:txBody>
+          <a:bodyPr rtlCol="0" anchor="ctr"/>
+          <a:lstStyle/>
+          <a:p>
+            <a:pPr algn="ctr"/>
+            <a:endParaRPr lang="en-US"/>
+          </a:p>
+        </p:txBody>
+      </p:sp>
+    </p:spTree>
+    <p:extLst>
+      <p:ext uri="{BB962C8B-B14F-4D97-AF65-F5344CB8AC3E}">
+        <p14:creationId xmlns:p14="http://schemas.microsoft.com/office/powerpoint/2010/main" val="780911734"/>
       </p:ext>
     </p:extLst>
   </p:cSld>

--- a/BennyChan/Kinect Block Diagram and Display Feedback Flowchart.pptx
+++ b/BennyChan/Kinect Block Diagram and Display Feedback Flowchart.pptx
@@ -5,13 +5,15 @@
     <p:sldMasterId id="2147483648" r:id="rId1"/>
   </p:sldMasterIdLst>
   <p:notesMasterIdLst>
-    <p:notesMasterId r:id="rId6"/>
+    <p:notesMasterId r:id="rId8"/>
   </p:notesMasterIdLst>
   <p:sldIdLst>
     <p:sldId id="256" r:id="rId2"/>
     <p:sldId id="260" r:id="rId3"/>
     <p:sldId id="258" r:id="rId4"/>
     <p:sldId id="259" r:id="rId5"/>
+    <p:sldId id="261" r:id="rId6"/>
+    <p:sldId id="262" r:id="rId7"/>
   </p:sldIdLst>
   <p:sldSz cx="12192000" cy="6858000"/>
   <p:notesSz cx="6858000" cy="9144000"/>
@@ -200,7 +202,7 @@
           <a:p>
             <a:fld id="{C4975860-743F-4EC7-A052-1D4991B8B613}" type="datetimeFigureOut">
               <a:rPr lang="en-US" smtClean="0"/>
-              <a:t>9/18/16</a:t>
+              <a:t>10/16/16</a:t>
             </a:fld>
             <a:endParaRPr lang="en-US"/>
           </a:p>
@@ -264,38 +266,37 @@
           <a:p>
             <a:pPr lvl="0"/>
             <a:r>
-              <a:rPr lang="en-US" smtClean="0"/>
+              <a:rPr lang="en-US"/>
               <a:t>Click to edit Master text styles</a:t>
             </a:r>
           </a:p>
           <a:p>
             <a:pPr lvl="1"/>
             <a:r>
-              <a:rPr lang="en-US" smtClean="0"/>
+              <a:rPr lang="en-US"/>
               <a:t>Second level</a:t>
             </a:r>
           </a:p>
           <a:p>
             <a:pPr lvl="2"/>
             <a:r>
-              <a:rPr lang="en-US" smtClean="0"/>
+              <a:rPr lang="en-US"/>
               <a:t>Third level</a:t>
             </a:r>
           </a:p>
           <a:p>
             <a:pPr lvl="3"/>
             <a:r>
-              <a:rPr lang="en-US" smtClean="0"/>
+              <a:rPr lang="en-US"/>
               <a:t>Fourth level</a:t>
             </a:r>
           </a:p>
           <a:p>
             <a:pPr lvl="4"/>
             <a:r>
-              <a:rPr lang="en-US" smtClean="0"/>
+              <a:rPr lang="en-US"/>
               <a:t>Fifth level</a:t>
             </a:r>
-            <a:endParaRPr lang="en-US"/>
           </a:p>
         </p:txBody>
       </p:sp>
@@ -552,6 +553,90 @@
 </p:notes>
 </file>
 
+<file path=ppt/notesSlides/notesSlide2.xml><?xml version="1.0" encoding="utf-8"?>
+<p:notes xmlns:a="http://schemas.openxmlformats.org/drawingml/2006/main" xmlns:r="http://schemas.openxmlformats.org/officeDocument/2006/relationships" xmlns:p="http://schemas.openxmlformats.org/presentationml/2006/main">
+  <p:cSld>
+    <p:spTree>
+      <p:nvGrpSpPr>
+        <p:cNvPr id="1" name=""/>
+        <p:cNvGrpSpPr/>
+        <p:nvPr/>
+      </p:nvGrpSpPr>
+      <p:grpSpPr>
+        <a:xfrm>
+          <a:off x="0" y="0"/>
+          <a:ext cx="0" cy="0"/>
+          <a:chOff x="0" y="0"/>
+          <a:chExt cx="0" cy="0"/>
+        </a:xfrm>
+      </p:grpSpPr>
+      <p:sp>
+        <p:nvSpPr>
+          <p:cNvPr id="2" name="Slide Image Placeholder 1"/>
+          <p:cNvSpPr>
+            <a:spLocks noGrp="1" noRot="1" noChangeAspect="1"/>
+          </p:cNvSpPr>
+          <p:nvPr>
+            <p:ph type="sldImg"/>
+          </p:nvPr>
+        </p:nvSpPr>
+        <p:spPr/>
+      </p:sp>
+      <p:sp>
+        <p:nvSpPr>
+          <p:cNvPr id="3" name="Notes Placeholder 2"/>
+          <p:cNvSpPr>
+            <a:spLocks noGrp="1"/>
+          </p:cNvSpPr>
+          <p:nvPr>
+            <p:ph type="body" idx="1"/>
+          </p:nvPr>
+        </p:nvSpPr>
+        <p:spPr/>
+        <p:txBody>
+          <a:bodyPr/>
+          <a:lstStyle/>
+          <a:p>
+            <a:endParaRPr lang="en-US" dirty="0"/>
+          </a:p>
+        </p:txBody>
+      </p:sp>
+      <p:sp>
+        <p:nvSpPr>
+          <p:cNvPr id="4" name="Slide Number Placeholder 3"/>
+          <p:cNvSpPr>
+            <a:spLocks noGrp="1"/>
+          </p:cNvSpPr>
+          <p:nvPr>
+            <p:ph type="sldNum" sz="quarter" idx="10"/>
+          </p:nvPr>
+        </p:nvSpPr>
+        <p:spPr/>
+        <p:txBody>
+          <a:bodyPr/>
+          <a:lstStyle/>
+          <a:p>
+            <a:fld id="{DAC5F4A2-9F6F-4ED2-A064-C07F767F9518}" type="slidenum">
+              <a:rPr lang="en-US" smtClean="0"/>
+              <a:t>5</a:t>
+            </a:fld>
+            <a:endParaRPr lang="en-US"/>
+          </a:p>
+        </p:txBody>
+      </p:sp>
+    </p:spTree>
+    <p:extLst>
+      <p:ext uri="{BB962C8B-B14F-4D97-AF65-F5344CB8AC3E}">
+        <p14:creationId xmlns:p14="http://schemas.microsoft.com/office/powerpoint/2010/main" val="64025833"/>
+      </p:ext>
+    </p:extLst>
+  </p:cSld>
+  <p:clrMapOvr>
+    <a:masterClrMapping/>
+  </p:clrMapOvr>
+</p:notes>
+</file>
+
 <file path=ppt/slideLayouts/slideLayout1.xml><?xml version="1.0" encoding="utf-8"?>
 <p:sldLayout xmlns:a="http://schemas.openxmlformats.org/drawingml/2006/main" xmlns:r="http://schemas.openxmlformats.org/officeDocument/2006/relationships" xmlns:p="http://schemas.openxmlformats.org/presentationml/2006/main" type="title" preserve="1">
   <p:cSld name="Title Slide">
@@ -594,10 +679,9 @@
           </a:lstStyle>
           <a:p>
             <a:r>
-              <a:rPr lang="en-US" smtClean="0"/>
+              <a:rPr lang="en-US"/>
               <a:t>Click to edit Master title style</a:t>
             </a:r>
-            <a:endParaRPr lang="en-US"/>
           </a:p>
         </p:txBody>
       </p:sp>
@@ -659,10 +743,9 @@
           </a:lstStyle>
           <a:p>
             <a:r>
-              <a:rPr lang="en-US" smtClean="0"/>
+              <a:rPr lang="en-US"/>
               <a:t>Click to edit Master subtitle style</a:t>
             </a:r>
-            <a:endParaRPr lang="en-US"/>
           </a:p>
         </p:txBody>
       </p:sp>
@@ -683,7 +766,7 @@
           <a:p>
             <a:fld id="{1DBA729F-FDA9-7448-91B8-071AA2C3EF62}" type="datetimeFigureOut">
               <a:rPr lang="en-US" smtClean="0"/>
-              <a:t>9/18/16</a:t>
+              <a:t>10/16/16</a:t>
             </a:fld>
             <a:endParaRPr lang="en-US"/>
           </a:p>
@@ -777,10 +860,9 @@
           <a:lstStyle/>
           <a:p>
             <a:r>
-              <a:rPr lang="en-US" smtClean="0"/>
+              <a:rPr lang="en-US"/>
               <a:t>Click to edit Master title style</a:t>
             </a:r>
-            <a:endParaRPr lang="en-US"/>
           </a:p>
         </p:txBody>
       </p:sp>
@@ -801,38 +883,37 @@
           <a:p>
             <a:pPr lvl="0"/>
             <a:r>
-              <a:rPr lang="en-US" smtClean="0"/>
+              <a:rPr lang="en-US"/>
               <a:t>Click to edit Master text styles</a:t>
             </a:r>
           </a:p>
           <a:p>
             <a:pPr lvl="1"/>
             <a:r>
-              <a:rPr lang="en-US" smtClean="0"/>
+              <a:rPr lang="en-US"/>
               <a:t>Second level</a:t>
             </a:r>
           </a:p>
           <a:p>
             <a:pPr lvl="2"/>
             <a:r>
-              <a:rPr lang="en-US" smtClean="0"/>
+              <a:rPr lang="en-US"/>
               <a:t>Third level</a:t>
             </a:r>
           </a:p>
           <a:p>
             <a:pPr lvl="3"/>
             <a:r>
-              <a:rPr lang="en-US" smtClean="0"/>
+              <a:rPr lang="en-US"/>
               <a:t>Fourth level</a:t>
             </a:r>
           </a:p>
           <a:p>
             <a:pPr lvl="4"/>
             <a:r>
-              <a:rPr lang="en-US" smtClean="0"/>
+              <a:rPr lang="en-US"/>
               <a:t>Fifth level</a:t>
             </a:r>
-            <a:endParaRPr lang="en-US"/>
           </a:p>
         </p:txBody>
       </p:sp>
@@ -853,7 +934,7 @@
           <a:p>
             <a:fld id="{1DBA729F-FDA9-7448-91B8-071AA2C3EF62}" type="datetimeFigureOut">
               <a:rPr lang="en-US" smtClean="0"/>
-              <a:t>9/18/16</a:t>
+              <a:t>10/16/16</a:t>
             </a:fld>
             <a:endParaRPr lang="en-US"/>
           </a:p>
@@ -952,10 +1033,9 @@
           <a:lstStyle/>
           <a:p>
             <a:r>
-              <a:rPr lang="en-US" smtClean="0"/>
+              <a:rPr lang="en-US"/>
               <a:t>Click to edit Master title style</a:t>
             </a:r>
-            <a:endParaRPr lang="en-US"/>
           </a:p>
         </p:txBody>
       </p:sp>
@@ -981,38 +1061,37 @@
           <a:p>
             <a:pPr lvl="0"/>
             <a:r>
-              <a:rPr lang="en-US" smtClean="0"/>
+              <a:rPr lang="en-US"/>
               <a:t>Click to edit Master text styles</a:t>
             </a:r>
           </a:p>
           <a:p>
             <a:pPr lvl="1"/>
             <a:r>
-              <a:rPr lang="en-US" smtClean="0"/>
+              <a:rPr lang="en-US"/>
               <a:t>Second level</a:t>
             </a:r>
           </a:p>
           <a:p>
             <a:pPr lvl="2"/>
             <a:r>
-              <a:rPr lang="en-US" smtClean="0"/>
+              <a:rPr lang="en-US"/>
               <a:t>Third level</a:t>
             </a:r>
           </a:p>
           <a:p>
             <a:pPr lvl="3"/>
             <a:r>
-              <a:rPr lang="en-US" smtClean="0"/>
+              <a:rPr lang="en-US"/>
               <a:t>Fourth level</a:t>
             </a:r>
           </a:p>
           <a:p>
             <a:pPr lvl="4"/>
             <a:r>
-              <a:rPr lang="en-US" smtClean="0"/>
+              <a:rPr lang="en-US"/>
               <a:t>Fifth level</a:t>
             </a:r>
-            <a:endParaRPr lang="en-US"/>
           </a:p>
         </p:txBody>
       </p:sp>
@@ -1033,7 +1112,7 @@
           <a:p>
             <a:fld id="{1DBA729F-FDA9-7448-91B8-071AA2C3EF62}" type="datetimeFigureOut">
               <a:rPr lang="en-US" smtClean="0"/>
-              <a:t>9/18/16</a:t>
+              <a:t>10/16/16</a:t>
             </a:fld>
             <a:endParaRPr lang="en-US"/>
           </a:p>
@@ -1127,10 +1206,9 @@
           <a:lstStyle/>
           <a:p>
             <a:r>
-              <a:rPr lang="en-US" smtClean="0"/>
+              <a:rPr lang="en-US"/>
               <a:t>Click to edit Master title style</a:t>
             </a:r>
-            <a:endParaRPr lang="en-US"/>
           </a:p>
         </p:txBody>
       </p:sp>
@@ -1151,38 +1229,37 @@
           <a:p>
             <a:pPr lvl="0"/>
             <a:r>
-              <a:rPr lang="en-US" smtClean="0"/>
+              <a:rPr lang="en-US"/>
               <a:t>Click to edit Master text styles</a:t>
             </a:r>
           </a:p>
           <a:p>
             <a:pPr lvl="1"/>
             <a:r>
-              <a:rPr lang="en-US" smtClean="0"/>
+              <a:rPr lang="en-US"/>
               <a:t>Second level</a:t>
             </a:r>
           </a:p>
           <a:p>
             <a:pPr lvl="2"/>
             <a:r>
-              <a:rPr lang="en-US" smtClean="0"/>
+              <a:rPr lang="en-US"/>
               <a:t>Third level</a:t>
             </a:r>
           </a:p>
           <a:p>
             <a:pPr lvl="3"/>
             <a:r>
-              <a:rPr lang="en-US" smtClean="0"/>
+              <a:rPr lang="en-US"/>
               <a:t>Fourth level</a:t>
             </a:r>
           </a:p>
           <a:p>
             <a:pPr lvl="4"/>
             <a:r>
-              <a:rPr lang="en-US" smtClean="0"/>
+              <a:rPr lang="en-US"/>
               <a:t>Fifth level</a:t>
             </a:r>
-            <a:endParaRPr lang="en-US"/>
           </a:p>
         </p:txBody>
       </p:sp>
@@ -1203,7 +1280,7 @@
           <a:p>
             <a:fld id="{1DBA729F-FDA9-7448-91B8-071AA2C3EF62}" type="datetimeFigureOut">
               <a:rPr lang="en-US" smtClean="0"/>
-              <a:t>9/18/16</a:t>
+              <a:t>10/16/16</a:t>
             </a:fld>
             <a:endParaRPr lang="en-US"/>
           </a:p>
@@ -1306,10 +1383,9 @@
           </a:lstStyle>
           <a:p>
             <a:r>
-              <a:rPr lang="en-US" smtClean="0"/>
+              <a:rPr lang="en-US"/>
               <a:t>Click to edit Master title style</a:t>
             </a:r>
-            <a:endParaRPr lang="en-US"/>
           </a:p>
         </p:txBody>
       </p:sp>
@@ -1426,7 +1502,7 @@
           <a:p>
             <a:pPr lvl="0"/>
             <a:r>
-              <a:rPr lang="en-US" smtClean="0"/>
+              <a:rPr lang="en-US"/>
               <a:t>Click to edit Master text styles</a:t>
             </a:r>
           </a:p>
@@ -1449,7 +1525,7 @@
           <a:p>
             <a:fld id="{1DBA729F-FDA9-7448-91B8-071AA2C3EF62}" type="datetimeFigureOut">
               <a:rPr lang="en-US" smtClean="0"/>
-              <a:t>9/18/16</a:t>
+              <a:t>10/16/16</a:t>
             </a:fld>
             <a:endParaRPr lang="en-US"/>
           </a:p>
@@ -1543,10 +1619,9 @@
           <a:lstStyle/>
           <a:p>
             <a:r>
-              <a:rPr lang="en-US" smtClean="0"/>
+              <a:rPr lang="en-US"/>
               <a:t>Click to edit Master title style</a:t>
             </a:r>
-            <a:endParaRPr lang="en-US"/>
           </a:p>
         </p:txBody>
       </p:sp>
@@ -1572,38 +1647,37 @@
           <a:p>
             <a:pPr lvl="0"/>
             <a:r>
-              <a:rPr lang="en-US" smtClean="0"/>
+              <a:rPr lang="en-US"/>
               <a:t>Click to edit Master text styles</a:t>
             </a:r>
           </a:p>
           <a:p>
             <a:pPr lvl="1"/>
             <a:r>
-              <a:rPr lang="en-US" smtClean="0"/>
+              <a:rPr lang="en-US"/>
               <a:t>Second level</a:t>
             </a:r>
           </a:p>
           <a:p>
             <a:pPr lvl="2"/>
             <a:r>
-              <a:rPr lang="en-US" smtClean="0"/>
+              <a:rPr lang="en-US"/>
               <a:t>Third level</a:t>
             </a:r>
           </a:p>
           <a:p>
             <a:pPr lvl="3"/>
             <a:r>
-              <a:rPr lang="en-US" smtClean="0"/>
+              <a:rPr lang="en-US"/>
               <a:t>Fourth level</a:t>
             </a:r>
           </a:p>
           <a:p>
             <a:pPr lvl="4"/>
             <a:r>
-              <a:rPr lang="en-US" smtClean="0"/>
+              <a:rPr lang="en-US"/>
               <a:t>Fifth level</a:t>
             </a:r>
-            <a:endParaRPr lang="en-US"/>
           </a:p>
         </p:txBody>
       </p:sp>
@@ -1629,38 +1703,37 @@
           <a:p>
             <a:pPr lvl="0"/>
             <a:r>
-              <a:rPr lang="en-US" smtClean="0"/>
+              <a:rPr lang="en-US"/>
               <a:t>Click to edit Master text styles</a:t>
             </a:r>
           </a:p>
           <a:p>
             <a:pPr lvl="1"/>
             <a:r>
-              <a:rPr lang="en-US" smtClean="0"/>
+              <a:rPr lang="en-US"/>
               <a:t>Second level</a:t>
             </a:r>
           </a:p>
           <a:p>
             <a:pPr lvl="2"/>
             <a:r>
-              <a:rPr lang="en-US" smtClean="0"/>
+              <a:rPr lang="en-US"/>
               <a:t>Third level</a:t>
             </a:r>
           </a:p>
           <a:p>
             <a:pPr lvl="3"/>
             <a:r>
-              <a:rPr lang="en-US" smtClean="0"/>
+              <a:rPr lang="en-US"/>
               <a:t>Fourth level</a:t>
             </a:r>
           </a:p>
           <a:p>
             <a:pPr lvl="4"/>
             <a:r>
-              <a:rPr lang="en-US" smtClean="0"/>
+              <a:rPr lang="en-US"/>
               <a:t>Fifth level</a:t>
             </a:r>
-            <a:endParaRPr lang="en-US"/>
           </a:p>
         </p:txBody>
       </p:sp>
@@ -1681,7 +1754,7 @@
           <a:p>
             <a:fld id="{1DBA729F-FDA9-7448-91B8-071AA2C3EF62}" type="datetimeFigureOut">
               <a:rPr lang="en-US" smtClean="0"/>
-              <a:t>9/18/16</a:t>
+              <a:t>10/16/16</a:t>
             </a:fld>
             <a:endParaRPr lang="en-US"/>
           </a:p>
@@ -1780,10 +1853,9 @@
           <a:lstStyle/>
           <a:p>
             <a:r>
-              <a:rPr lang="en-US" smtClean="0"/>
+              <a:rPr lang="en-US"/>
               <a:t>Click to edit Master title style</a:t>
             </a:r>
-            <a:endParaRPr lang="en-US"/>
           </a:p>
         </p:txBody>
       </p:sp>
@@ -1846,7 +1918,7 @@
           <a:p>
             <a:pPr lvl="0"/>
             <a:r>
-              <a:rPr lang="en-US" smtClean="0"/>
+              <a:rPr lang="en-US"/>
               <a:t>Click to edit Master text styles</a:t>
             </a:r>
           </a:p>
@@ -1874,38 +1946,37 @@
           <a:p>
             <a:pPr lvl="0"/>
             <a:r>
-              <a:rPr lang="en-US" smtClean="0"/>
+              <a:rPr lang="en-US"/>
               <a:t>Click to edit Master text styles</a:t>
             </a:r>
           </a:p>
           <a:p>
             <a:pPr lvl="1"/>
             <a:r>
-              <a:rPr lang="en-US" smtClean="0"/>
+              <a:rPr lang="en-US"/>
               <a:t>Second level</a:t>
             </a:r>
           </a:p>
           <a:p>
             <a:pPr lvl="2"/>
             <a:r>
-              <a:rPr lang="en-US" smtClean="0"/>
+              <a:rPr lang="en-US"/>
               <a:t>Third level</a:t>
             </a:r>
           </a:p>
           <a:p>
             <a:pPr lvl="3"/>
             <a:r>
-              <a:rPr lang="en-US" smtClean="0"/>
+              <a:rPr lang="en-US"/>
               <a:t>Fourth level</a:t>
             </a:r>
           </a:p>
           <a:p>
             <a:pPr lvl="4"/>
             <a:r>
-              <a:rPr lang="en-US" smtClean="0"/>
+              <a:rPr lang="en-US"/>
               <a:t>Fifth level</a:t>
             </a:r>
-            <a:endParaRPr lang="en-US"/>
           </a:p>
         </p:txBody>
       </p:sp>
@@ -1968,7 +2039,7 @@
           <a:p>
             <a:pPr lvl="0"/>
             <a:r>
-              <a:rPr lang="en-US" smtClean="0"/>
+              <a:rPr lang="en-US"/>
               <a:t>Click to edit Master text styles</a:t>
             </a:r>
           </a:p>
@@ -1996,38 +2067,37 @@
           <a:p>
             <a:pPr lvl="0"/>
             <a:r>
-              <a:rPr lang="en-US" smtClean="0"/>
+              <a:rPr lang="en-US"/>
               <a:t>Click to edit Master text styles</a:t>
             </a:r>
           </a:p>
           <a:p>
             <a:pPr lvl="1"/>
             <a:r>
-              <a:rPr lang="en-US" smtClean="0"/>
+              <a:rPr lang="en-US"/>
               <a:t>Second level</a:t>
             </a:r>
           </a:p>
           <a:p>
             <a:pPr lvl="2"/>
             <a:r>
-              <a:rPr lang="en-US" smtClean="0"/>
+              <a:rPr lang="en-US"/>
               <a:t>Third level</a:t>
             </a:r>
           </a:p>
           <a:p>
             <a:pPr lvl="3"/>
             <a:r>
-              <a:rPr lang="en-US" smtClean="0"/>
+              <a:rPr lang="en-US"/>
               <a:t>Fourth level</a:t>
             </a:r>
           </a:p>
           <a:p>
             <a:pPr lvl="4"/>
             <a:r>
-              <a:rPr lang="en-US" smtClean="0"/>
+              <a:rPr lang="en-US"/>
               <a:t>Fifth level</a:t>
             </a:r>
-            <a:endParaRPr lang="en-US"/>
           </a:p>
         </p:txBody>
       </p:sp>
@@ -2048,7 +2118,7 @@
           <a:p>
             <a:fld id="{1DBA729F-FDA9-7448-91B8-071AA2C3EF62}" type="datetimeFigureOut">
               <a:rPr lang="en-US" smtClean="0"/>
-              <a:t>9/18/16</a:t>
+              <a:t>10/16/16</a:t>
             </a:fld>
             <a:endParaRPr lang="en-US"/>
           </a:p>
@@ -2142,10 +2212,9 @@
           <a:lstStyle/>
           <a:p>
             <a:r>
-              <a:rPr lang="en-US" smtClean="0"/>
+              <a:rPr lang="en-US"/>
               <a:t>Click to edit Master title style</a:t>
             </a:r>
-            <a:endParaRPr lang="en-US"/>
           </a:p>
         </p:txBody>
       </p:sp>
@@ -2166,7 +2235,7 @@
           <a:p>
             <a:fld id="{1DBA729F-FDA9-7448-91B8-071AA2C3EF62}" type="datetimeFigureOut">
               <a:rPr lang="en-US" smtClean="0"/>
-              <a:t>9/18/16</a:t>
+              <a:t>10/16/16</a:t>
             </a:fld>
             <a:endParaRPr lang="en-US"/>
           </a:p>
@@ -2261,7 +2330,7 @@
           <a:p>
             <a:fld id="{1DBA729F-FDA9-7448-91B8-071AA2C3EF62}" type="datetimeFigureOut">
               <a:rPr lang="en-US" smtClean="0"/>
-              <a:t>9/18/16</a:t>
+              <a:t>10/16/16</a:t>
             </a:fld>
             <a:endParaRPr lang="en-US"/>
           </a:p>
@@ -2364,10 +2433,9 @@
           </a:lstStyle>
           <a:p>
             <a:r>
-              <a:rPr lang="en-US" smtClean="0"/>
+              <a:rPr lang="en-US"/>
               <a:t>Click to edit Master title style</a:t>
             </a:r>
-            <a:endParaRPr lang="en-US"/>
           </a:p>
         </p:txBody>
       </p:sp>
@@ -2421,38 +2489,37 @@
           <a:p>
             <a:pPr lvl="0"/>
             <a:r>
-              <a:rPr lang="en-US" smtClean="0"/>
+              <a:rPr lang="en-US"/>
               <a:t>Click to edit Master text styles</a:t>
             </a:r>
           </a:p>
           <a:p>
             <a:pPr lvl="1"/>
             <a:r>
-              <a:rPr lang="en-US" smtClean="0"/>
+              <a:rPr lang="en-US"/>
               <a:t>Second level</a:t>
             </a:r>
           </a:p>
           <a:p>
             <a:pPr lvl="2"/>
             <a:r>
-              <a:rPr lang="en-US" smtClean="0"/>
+              <a:rPr lang="en-US"/>
               <a:t>Third level</a:t>
             </a:r>
           </a:p>
           <a:p>
             <a:pPr lvl="3"/>
             <a:r>
-              <a:rPr lang="en-US" smtClean="0"/>
+              <a:rPr lang="en-US"/>
               <a:t>Fourth level</a:t>
             </a:r>
           </a:p>
           <a:p>
             <a:pPr lvl="4"/>
             <a:r>
-              <a:rPr lang="en-US" smtClean="0"/>
+              <a:rPr lang="en-US"/>
               <a:t>Fifth level</a:t>
             </a:r>
-            <a:endParaRPr lang="en-US"/>
           </a:p>
         </p:txBody>
       </p:sp>
@@ -2515,7 +2582,7 @@
           <a:p>
             <a:pPr lvl="0"/>
             <a:r>
-              <a:rPr lang="en-US" smtClean="0"/>
+              <a:rPr lang="en-US"/>
               <a:t>Click to edit Master text styles</a:t>
             </a:r>
           </a:p>
@@ -2538,7 +2605,7 @@
           <a:p>
             <a:fld id="{1DBA729F-FDA9-7448-91B8-071AA2C3EF62}" type="datetimeFigureOut">
               <a:rPr lang="en-US" smtClean="0"/>
-              <a:t>9/18/16</a:t>
+              <a:t>10/16/16</a:t>
             </a:fld>
             <a:endParaRPr lang="en-US"/>
           </a:p>
@@ -2641,10 +2708,9 @@
           </a:lstStyle>
           <a:p>
             <a:r>
-              <a:rPr lang="en-US" smtClean="0"/>
+              <a:rPr lang="en-US"/>
               <a:t>Click to edit Master title style</a:t>
             </a:r>
-            <a:endParaRPr lang="en-US"/>
           </a:p>
         </p:txBody>
       </p:sp>
@@ -2768,7 +2834,7 @@
           <a:p>
             <a:pPr lvl="0"/>
             <a:r>
-              <a:rPr lang="en-US" smtClean="0"/>
+              <a:rPr lang="en-US"/>
               <a:t>Click to edit Master text styles</a:t>
             </a:r>
           </a:p>
@@ -2791,7 +2857,7 @@
           <a:p>
             <a:fld id="{1DBA729F-FDA9-7448-91B8-071AA2C3EF62}" type="datetimeFigureOut">
               <a:rPr lang="en-US" smtClean="0"/>
-              <a:t>9/18/16</a:t>
+              <a:t>10/16/16</a:t>
             </a:fld>
             <a:endParaRPr lang="en-US"/>
           </a:p>
@@ -2900,10 +2966,9 @@
           <a:lstStyle/>
           <a:p>
             <a:r>
-              <a:rPr lang="en-US" smtClean="0"/>
+              <a:rPr lang="en-US"/>
               <a:t>Click to edit Master title style</a:t>
             </a:r>
-            <a:endParaRPr lang="en-US"/>
           </a:p>
         </p:txBody>
       </p:sp>
@@ -2934,38 +2999,37 @@
           <a:p>
             <a:pPr lvl="0"/>
             <a:r>
-              <a:rPr lang="en-US" smtClean="0"/>
+              <a:rPr lang="en-US"/>
               <a:t>Click to edit Master text styles</a:t>
             </a:r>
           </a:p>
           <a:p>
             <a:pPr lvl="1"/>
             <a:r>
-              <a:rPr lang="en-US" smtClean="0"/>
+              <a:rPr lang="en-US"/>
               <a:t>Second level</a:t>
             </a:r>
           </a:p>
           <a:p>
             <a:pPr lvl="2"/>
             <a:r>
-              <a:rPr lang="en-US" smtClean="0"/>
+              <a:rPr lang="en-US"/>
               <a:t>Third level</a:t>
             </a:r>
           </a:p>
           <a:p>
             <a:pPr lvl="3"/>
             <a:r>
-              <a:rPr lang="en-US" smtClean="0"/>
+              <a:rPr lang="en-US"/>
               <a:t>Fourth level</a:t>
             </a:r>
           </a:p>
           <a:p>
             <a:pPr lvl="4"/>
             <a:r>
-              <a:rPr lang="en-US" smtClean="0"/>
+              <a:rPr lang="en-US"/>
               <a:t>Fifth level</a:t>
             </a:r>
-            <a:endParaRPr lang="en-US"/>
           </a:p>
         </p:txBody>
       </p:sp>
@@ -3004,7 +3068,7 @@
           <a:p>
             <a:fld id="{1DBA729F-FDA9-7448-91B8-071AA2C3EF62}" type="datetimeFigureOut">
               <a:rPr lang="en-US" smtClean="0"/>
-              <a:t>9/18/16</a:t>
+              <a:t>10/16/16</a:t>
             </a:fld>
             <a:endParaRPr lang="en-US"/>
           </a:p>
@@ -3752,7 +3816,7 @@
           <a:lstStyle/>
           <a:p>
             <a:r>
-              <a:rPr lang="en-US" sz="1600" dirty="0" smtClean="0">
+              <a:rPr lang="en-US" sz="1600" dirty="0">
                 <a:solidFill>
                   <a:schemeClr val="bg1"/>
                 </a:solidFill>
@@ -3792,18 +3856,13 @@
           <a:lstStyle/>
           <a:p>
             <a:r>
-              <a:rPr lang="en-US" sz="1600" dirty="0" smtClean="0">
+              <a:rPr lang="en-US" sz="1600" dirty="0">
                 <a:solidFill>
                   <a:schemeClr val="bg1"/>
                 </a:solidFill>
               </a:rPr>
               <a:t>Compute Sagittal and Flex angle</a:t>
             </a:r>
-            <a:endParaRPr lang="en-US" sz="1600" dirty="0">
-              <a:solidFill>
-                <a:schemeClr val="bg1"/>
-              </a:solidFill>
-            </a:endParaRPr>
           </a:p>
         </p:txBody>
       </p:sp>
@@ -3839,18 +3898,13 @@
           <a:lstStyle/>
           <a:p>
             <a:r>
-              <a:rPr lang="en-US" sz="1600" dirty="0" smtClean="0">
+              <a:rPr lang="en-US" sz="1600" dirty="0">
                 <a:solidFill>
                   <a:schemeClr val="bg1"/>
                 </a:solidFill>
               </a:rPr>
               <a:t>3D position</a:t>
             </a:r>
-            <a:endParaRPr lang="en-US" sz="1600" dirty="0">
-              <a:solidFill>
-                <a:schemeClr val="bg1"/>
-              </a:solidFill>
-            </a:endParaRPr>
           </a:p>
         </p:txBody>
       </p:sp>
@@ -3886,18 +3940,13 @@
           <a:lstStyle/>
           <a:p>
             <a:r>
-              <a:rPr lang="en-US" sz="1600" dirty="0" smtClean="0">
+              <a:rPr lang="en-US" sz="1600" dirty="0">
                 <a:solidFill>
                   <a:schemeClr val="bg1"/>
                 </a:solidFill>
               </a:rPr>
               <a:t>Posture estimation</a:t>
             </a:r>
-            <a:endParaRPr lang="en-US" sz="1600" dirty="0">
-              <a:solidFill>
-                <a:schemeClr val="bg1"/>
-              </a:solidFill>
-            </a:endParaRPr>
           </a:p>
         </p:txBody>
       </p:sp>
@@ -4177,18 +4226,13 @@
           <a:lstStyle/>
           <a:p>
             <a:r>
-              <a:rPr lang="en-US" sz="1600" dirty="0" smtClean="0">
+              <a:rPr lang="en-US" sz="1600" dirty="0">
                 <a:solidFill>
                   <a:schemeClr val="bg1"/>
                 </a:solidFill>
               </a:rPr>
               <a:t>Send to Signal Correction Unit</a:t>
             </a:r>
-            <a:endParaRPr lang="en-US" sz="1600" dirty="0">
-              <a:solidFill>
-                <a:schemeClr val="bg1"/>
-              </a:solidFill>
-            </a:endParaRPr>
           </a:p>
         </p:txBody>
       </p:sp>
@@ -4260,26 +4304,13 @@
           <a:lstStyle/>
           <a:p>
             <a:r>
-              <a:rPr lang="en-US" sz="1600" dirty="0" smtClean="0">
+              <a:rPr lang="en-US" sz="1600" dirty="0">
                 <a:solidFill>
                   <a:schemeClr val="bg1"/>
                 </a:solidFill>
               </a:rPr>
-              <a:t>Send to </a:t>
+              <a:t>Send to Feedback Display</a:t>
             </a:r>
-            <a:r>
-              <a:rPr lang="en-US" sz="1600" dirty="0" smtClean="0">
-                <a:solidFill>
-                  <a:schemeClr val="bg1"/>
-                </a:solidFill>
-              </a:rPr>
-              <a:t>Feedback Display</a:t>
-            </a:r>
-            <a:endParaRPr lang="en-US" sz="1600" dirty="0">
-              <a:solidFill>
-                <a:schemeClr val="bg1"/>
-              </a:solidFill>
-            </a:endParaRPr>
           </a:p>
         </p:txBody>
       </p:sp>
@@ -4322,58 +4353,6 @@
           </a:fontRef>
         </p:style>
       </p:cxnSp>
-      <p:sp>
-        <p:nvSpPr>
-          <p:cNvPr id="7" name="Rectangle 6"/>
-          <p:cNvSpPr/>
-          <p:nvPr/>
-        </p:nvSpPr>
-        <p:spPr>
-          <a:xfrm>
-            <a:off x="97077" y="96925"/>
-            <a:ext cx="4136197" cy="646331"/>
-          </a:xfrm>
-          <a:prstGeom prst="rect">
-            <a:avLst/>
-          </a:prstGeom>
-          <a:noFill/>
-        </p:spPr>
-        <p:txBody>
-          <a:bodyPr wrap="none" lIns="91440" tIns="45720" rIns="91440" bIns="45720">
-            <a:spAutoFit/>
-          </a:bodyPr>
-          <a:lstStyle/>
-          <a:p>
-            <a:pPr algn="ctr"/>
-            <a:r>
-              <a:rPr lang="en-US" sz="3600" dirty="0" smtClean="0">
-                <a:ln w="0"/>
-                <a:effectLst>
-                  <a:outerShdw blurRad="38100" dist="19050" dir="2700000" algn="tl" rotWithShape="0">
-                    <a:schemeClr val="dk1">
-                      <a:alpha val="40000"/>
-                    </a:schemeClr>
-                  </a:outerShdw>
-                </a:effectLst>
-              </a:rPr>
-              <a:t>Kinect Block Diagram</a:t>
-            </a:r>
-            <a:endParaRPr lang="en-US" sz="3600" b="0" cap="none" spc="0" dirty="0">
-              <a:ln w="0"/>
-              <a:solidFill>
-                <a:schemeClr val="tx1"/>
-              </a:solidFill>
-              <a:effectLst>
-                <a:outerShdw blurRad="38100" dist="19050" dir="2700000" algn="tl" rotWithShape="0">
-                  <a:schemeClr val="dk1">
-                    <a:alpha val="40000"/>
-                  </a:schemeClr>
-                </a:outerShdw>
-              </a:effectLst>
-            </a:endParaRPr>
-          </a:p>
-        </p:txBody>
-      </p:sp>
       <p:grpSp>
         <p:nvGrpSpPr>
           <p:cNvPr id="14" name="Group 13"/>
@@ -7179,18 +7158,13 @@
           <a:lstStyle/>
           <a:p>
             <a:r>
-              <a:rPr lang="en-US" sz="1600" dirty="0" smtClean="0">
+              <a:rPr lang="en-US" sz="1600" dirty="0">
                 <a:solidFill>
                   <a:schemeClr val="bg1"/>
                 </a:solidFill>
               </a:rPr>
               <a:t>Capture Local Timestamp</a:t>
             </a:r>
-            <a:endParaRPr lang="en-US" sz="1600" dirty="0">
-              <a:solidFill>
-                <a:schemeClr val="bg1"/>
-              </a:solidFill>
-            </a:endParaRPr>
           </a:p>
         </p:txBody>
       </p:sp>
@@ -7297,7 +7271,7 @@
           <a:noFill/>
           <a:ln w="76200">
             <a:solidFill>
-              <a:srgbClr val="C00000"/>
+              <a:schemeClr val="accent4"/>
             </a:solidFill>
           </a:ln>
         </p:spPr>
@@ -7402,18 +7376,13 @@
           <a:lstStyle/>
           <a:p>
             <a:r>
-              <a:rPr lang="en-US" sz="1600" dirty="0" smtClean="0">
+              <a:rPr lang="en-US" sz="1600" dirty="0">
                 <a:solidFill>
                   <a:schemeClr val="bg1"/>
                 </a:solidFill>
               </a:rPr>
               <a:t>Completed</a:t>
             </a:r>
-            <a:endParaRPr lang="en-US" sz="1600" dirty="0">
-              <a:solidFill>
-                <a:schemeClr val="bg1"/>
-              </a:solidFill>
-            </a:endParaRPr>
           </a:p>
         </p:txBody>
       </p:sp>
@@ -7447,18 +7416,13 @@
           <a:lstStyle/>
           <a:p>
             <a:r>
-              <a:rPr lang="en-US" sz="1600" dirty="0" smtClean="0">
+              <a:rPr lang="en-US" sz="1600" dirty="0">
                 <a:solidFill>
                   <a:schemeClr val="bg1"/>
                 </a:solidFill>
               </a:rPr>
               <a:t>Requires Refinement</a:t>
             </a:r>
-            <a:endParaRPr lang="en-US" sz="1600" dirty="0">
-              <a:solidFill>
-                <a:schemeClr val="bg1"/>
-              </a:solidFill>
-            </a:endParaRPr>
           </a:p>
         </p:txBody>
       </p:sp>
@@ -7492,18 +7456,13 @@
           <a:lstStyle/>
           <a:p>
             <a:r>
-              <a:rPr lang="en-US" sz="1600" dirty="0" smtClean="0">
+              <a:rPr lang="en-US" sz="1600" dirty="0">
                 <a:solidFill>
                   <a:schemeClr val="bg1"/>
                 </a:solidFill>
               </a:rPr>
               <a:t>Not yet Implemented</a:t>
             </a:r>
-            <a:endParaRPr lang="en-US" sz="1600" dirty="0">
-              <a:solidFill>
-                <a:schemeClr val="bg1"/>
-              </a:solidFill>
-            </a:endParaRPr>
           </a:p>
         </p:txBody>
       </p:sp>
@@ -7539,7 +7498,7 @@
           <a:lstStyle/>
           <a:p>
             <a:r>
-              <a:rPr lang="en-US" sz="1600" dirty="0" err="1" smtClean="0">
+              <a:rPr lang="en-US" sz="1600" dirty="0" err="1">
                 <a:solidFill>
                   <a:schemeClr val="bg1"/>
                 </a:solidFill>
@@ -7571,7 +7530,7 @@
           <a:noFill/>
           <a:ln w="76200">
             <a:solidFill>
-              <a:srgbClr val="C00000"/>
+              <a:schemeClr val="accent6"/>
             </a:solidFill>
           </a:ln>
         </p:spPr>
@@ -7677,7 +7636,7 @@
           <a:p>
             <a:pPr algn="ctr"/>
             <a:r>
-              <a:rPr lang="en-US" sz="3600" b="0" cap="none" spc="0" dirty="0" smtClean="0">
+              <a:rPr lang="en-US" sz="3600" b="0" cap="none" spc="0" dirty="0">
                 <a:ln w="0"/>
                 <a:solidFill>
                   <a:schemeClr val="tx1"/>
@@ -7692,19 +7651,6 @@
               </a:rPr>
               <a:t>Test – Flexion of Body at 30 Degrees</a:t>
             </a:r>
-            <a:endParaRPr lang="en-US" sz="3600" b="0" cap="none" spc="0" dirty="0">
-              <a:ln w="0"/>
-              <a:solidFill>
-                <a:schemeClr val="tx1"/>
-              </a:solidFill>
-              <a:effectLst>
-                <a:outerShdw blurRad="38100" dist="19050" dir="2700000" algn="tl" rotWithShape="0">
-                  <a:schemeClr val="dk1">
-                    <a:alpha val="40000"/>
-                  </a:schemeClr>
-                </a:outerShdw>
-              </a:effectLst>
-            </a:endParaRPr>
           </a:p>
         </p:txBody>
       </p:sp>
@@ -7732,7 +7678,7 @@
           <a:p>
             <a:pPr algn="ctr"/>
             <a:r>
-              <a:rPr lang="en-US" sz="3600" b="0" cap="none" spc="0" dirty="0" smtClean="0">
+              <a:rPr lang="en-US" sz="3600" b="0" cap="none" spc="0" dirty="0">
                 <a:ln w="0"/>
                 <a:solidFill>
                   <a:schemeClr val="tx1"/>
@@ -7751,7 +7697,7 @@
           <a:p>
             <a:pPr algn="ctr"/>
             <a:r>
-              <a:rPr lang="en-US" sz="3600" dirty="0" smtClean="0">
+              <a:rPr lang="en-US" sz="3600" dirty="0">
                 <a:ln w="0"/>
                 <a:effectLst>
                   <a:outerShdw blurRad="38100" dist="19050" dir="2700000" algn="tl" rotWithShape="0">
@@ -7864,7 +7810,7 @@
           <a:p>
             <a:pPr algn="ctr"/>
             <a:r>
-              <a:rPr lang="en-US" dirty="0" smtClean="0">
+              <a:rPr lang="en-US" dirty="0">
                 <a:solidFill>
                   <a:schemeClr val="bg1"/>
                 </a:solidFill>
@@ -7926,18 +7872,13 @@
           <a:p>
             <a:pPr algn="ctr"/>
             <a:r>
-              <a:rPr lang="en-US" dirty="0" smtClean="0">
+              <a:rPr lang="en-US" dirty="0">
                 <a:solidFill>
                   <a:schemeClr val="bg1"/>
                 </a:solidFill>
               </a:rPr>
               <a:t>Tracked Body?</a:t>
             </a:r>
-            <a:endParaRPr lang="en-US" dirty="0">
-              <a:solidFill>
-                <a:schemeClr val="bg1"/>
-              </a:solidFill>
-            </a:endParaRPr>
           </a:p>
         </p:txBody>
       </p:sp>
@@ -8026,18 +7967,13 @@
           <a:p>
             <a:pPr algn="ctr"/>
             <a:r>
-              <a:rPr lang="en-US" dirty="0" smtClean="0">
+              <a:rPr lang="en-US" dirty="0">
                 <a:solidFill>
                   <a:schemeClr val="bg1"/>
                 </a:solidFill>
               </a:rPr>
               <a:t>Render Initial View</a:t>
             </a:r>
-            <a:endParaRPr lang="en-US" dirty="0">
-              <a:solidFill>
-                <a:schemeClr val="bg1"/>
-              </a:solidFill>
-            </a:endParaRPr>
           </a:p>
         </p:txBody>
       </p:sp>
@@ -8164,18 +8100,13 @@
           <a:p>
             <a:pPr algn="ctr"/>
             <a:r>
-              <a:rPr lang="en-US" dirty="0" smtClean="0">
+              <a:rPr lang="en-US" dirty="0">
                 <a:solidFill>
                   <a:schemeClr val="bg1"/>
                 </a:solidFill>
               </a:rPr>
               <a:t>Error? </a:t>
             </a:r>
-            <a:endParaRPr lang="en-US" dirty="0">
-              <a:solidFill>
-                <a:schemeClr val="bg1"/>
-              </a:solidFill>
-            </a:endParaRPr>
           </a:p>
         </p:txBody>
       </p:sp>
@@ -8226,18 +8157,13 @@
           <a:p>
             <a:pPr algn="ctr"/>
             <a:r>
-              <a:rPr lang="en-US" dirty="0" smtClean="0">
+              <a:rPr lang="en-US" dirty="0">
                 <a:solidFill>
                   <a:schemeClr val="bg1"/>
                 </a:solidFill>
               </a:rPr>
               <a:t>Go back to standby</a:t>
             </a:r>
-            <a:endParaRPr lang="en-US" dirty="0">
-              <a:solidFill>
-                <a:schemeClr val="bg1"/>
-              </a:solidFill>
-            </a:endParaRPr>
           </a:p>
         </p:txBody>
       </p:sp>
@@ -8325,18 +8251,13 @@
           <a:p>
             <a:pPr algn="ctr"/>
             <a:r>
-              <a:rPr lang="en-US" dirty="0" smtClean="0">
+              <a:rPr lang="en-US" dirty="0">
                 <a:solidFill>
                   <a:schemeClr val="bg1"/>
                 </a:solidFill>
               </a:rPr>
               <a:t>Parse Error Code</a:t>
             </a:r>
-            <a:endParaRPr lang="en-US" dirty="0">
-              <a:solidFill>
-                <a:schemeClr val="bg1"/>
-              </a:solidFill>
-            </a:endParaRPr>
           </a:p>
         </p:txBody>
       </p:sp>
@@ -8674,18 +8595,13 @@
           <a:p>
             <a:pPr algn="ctr"/>
             <a:r>
-              <a:rPr lang="en-US" dirty="0" smtClean="0">
+              <a:rPr lang="en-US" dirty="0">
                 <a:solidFill>
                   <a:schemeClr val="bg1"/>
                 </a:solidFill>
               </a:rPr>
               <a:t>Compute Sagittal &amp; Flex Angle</a:t>
             </a:r>
-            <a:endParaRPr lang="en-US" dirty="0">
-              <a:solidFill>
-                <a:schemeClr val="bg1"/>
-              </a:solidFill>
-            </a:endParaRPr>
           </a:p>
         </p:txBody>
       </p:sp>
@@ -8790,18 +8706,13 @@
           <a:lstStyle/>
           <a:p>
             <a:r>
-              <a:rPr lang="en-US" dirty="0" smtClean="0">
+              <a:rPr lang="en-US" dirty="0">
                 <a:solidFill>
                   <a:schemeClr val="bg1"/>
                 </a:solidFill>
               </a:rPr>
               <a:t>Gesture Database</a:t>
             </a:r>
-            <a:endParaRPr lang="en-US" dirty="0">
-              <a:solidFill>
-                <a:schemeClr val="bg1"/>
-              </a:solidFill>
-            </a:endParaRPr>
           </a:p>
         </p:txBody>
       </p:sp>
@@ -8852,18 +8763,13 @@
           <a:p>
             <a:pPr algn="ctr"/>
             <a:r>
-              <a:rPr lang="en-US" dirty="0" smtClean="0">
+              <a:rPr lang="en-US" dirty="0">
                 <a:solidFill>
                   <a:schemeClr val="bg1"/>
                 </a:solidFill>
               </a:rPr>
               <a:t>No</a:t>
             </a:r>
-            <a:endParaRPr lang="en-US" dirty="0">
-              <a:solidFill>
-                <a:schemeClr val="bg1"/>
-              </a:solidFill>
-            </a:endParaRPr>
           </a:p>
         </p:txBody>
       </p:sp>
@@ -8958,21 +8864,8 @@
                   <a:schemeClr val="bg1"/>
                 </a:solidFill>
               </a:rPr>
-              <a:t>Update </a:t>
+              <a:t>Update Message</a:t>
             </a:r>
-            <a:r>
-              <a:rPr lang="en-US" dirty="0" smtClean="0">
-                <a:solidFill>
-                  <a:schemeClr val="bg1"/>
-                </a:solidFill>
-              </a:rPr>
-              <a:t>Message</a:t>
-            </a:r>
-            <a:endParaRPr lang="en-US" dirty="0">
-              <a:solidFill>
-                <a:schemeClr val="bg1"/>
-              </a:solidFill>
-            </a:endParaRPr>
           </a:p>
         </p:txBody>
       </p:sp>
@@ -9164,18 +9057,13 @@
           <a:p>
             <a:pPr algn="ctr"/>
             <a:r>
-              <a:rPr lang="en-US" dirty="0" smtClean="0">
+              <a:rPr lang="en-US" dirty="0">
                 <a:solidFill>
                   <a:schemeClr val="bg1"/>
                 </a:solidFill>
               </a:rPr>
               <a:t>Visual Gesture Builder</a:t>
             </a:r>
-            <a:endParaRPr lang="en-US" dirty="0">
-              <a:solidFill>
-                <a:schemeClr val="bg1"/>
-              </a:solidFill>
-            </a:endParaRPr>
           </a:p>
         </p:txBody>
       </p:sp>
@@ -9224,18 +9112,13 @@
           <a:p>
             <a:pPr algn="ctr"/>
             <a:r>
-              <a:rPr lang="en-US" dirty="0" smtClean="0">
+              <a:rPr lang="en-US" dirty="0">
                 <a:solidFill>
                   <a:schemeClr val="bg1"/>
                 </a:solidFill>
               </a:rPr>
               <a:t>Recorded Clips</a:t>
             </a:r>
-            <a:endParaRPr lang="en-US" dirty="0">
-              <a:solidFill>
-                <a:schemeClr val="bg1"/>
-              </a:solidFill>
-            </a:endParaRPr>
           </a:p>
         </p:txBody>
       </p:sp>
@@ -9284,18 +9167,13 @@
           <a:p>
             <a:pPr algn="ctr"/>
             <a:r>
-              <a:rPr lang="en-US" dirty="0" smtClean="0">
+              <a:rPr lang="en-US" dirty="0">
                 <a:solidFill>
                   <a:schemeClr val="bg1"/>
                 </a:solidFill>
               </a:rPr>
               <a:t>Kinect Studio</a:t>
             </a:r>
-            <a:endParaRPr lang="en-US" dirty="0">
-              <a:solidFill>
-                <a:schemeClr val="bg1"/>
-              </a:solidFill>
-            </a:endParaRPr>
           </a:p>
         </p:txBody>
       </p:sp>
@@ -9541,18 +9419,13 @@
           <a:p>
             <a:pPr algn="ctr"/>
             <a:r>
-              <a:rPr lang="en-US" dirty="0" smtClean="0">
+              <a:rPr lang="en-US" dirty="0">
                 <a:solidFill>
                   <a:schemeClr val="bg1"/>
                 </a:solidFill>
               </a:rPr>
               <a:t>Yes</a:t>
             </a:r>
-            <a:endParaRPr lang="en-US" dirty="0">
-              <a:solidFill>
-                <a:schemeClr val="bg1"/>
-              </a:solidFill>
-            </a:endParaRPr>
           </a:p>
         </p:txBody>
       </p:sp>
@@ -9601,18 +9474,13 @@
           <a:p>
             <a:pPr algn="ctr"/>
             <a:r>
-              <a:rPr lang="en-US" dirty="0" smtClean="0">
+              <a:rPr lang="en-US" dirty="0">
                 <a:solidFill>
                   <a:schemeClr val="bg1"/>
                 </a:solidFill>
               </a:rPr>
               <a:t>No</a:t>
             </a:r>
-            <a:endParaRPr lang="en-US" dirty="0">
-              <a:solidFill>
-                <a:schemeClr val="bg1"/>
-              </a:solidFill>
-            </a:endParaRPr>
           </a:p>
         </p:txBody>
       </p:sp>
@@ -9857,58 +9725,6 @@
       </p:sp>
       <p:sp>
         <p:nvSpPr>
-          <p:cNvPr id="64" name="Rectangle 63"/>
-          <p:cNvSpPr/>
-          <p:nvPr/>
-        </p:nvSpPr>
-        <p:spPr>
-          <a:xfrm>
-            <a:off x="101343" y="1449730"/>
-            <a:ext cx="5315686" cy="646331"/>
-          </a:xfrm>
-          <a:prstGeom prst="rect">
-            <a:avLst/>
-          </a:prstGeom>
-          <a:noFill/>
-        </p:spPr>
-        <p:txBody>
-          <a:bodyPr wrap="none" lIns="91440" tIns="45720" rIns="91440" bIns="45720">
-            <a:spAutoFit/>
-          </a:bodyPr>
-          <a:lstStyle/>
-          <a:p>
-            <a:pPr algn="ctr"/>
-            <a:r>
-              <a:rPr lang="en-US" sz="3600" smtClean="0">
-                <a:ln w="0"/>
-                <a:effectLst>
-                  <a:outerShdw blurRad="38100" dist="19050" dir="2700000" algn="tl" rotWithShape="0">
-                    <a:schemeClr val="dk1">
-                      <a:alpha val="40000"/>
-                    </a:schemeClr>
-                  </a:outerShdw>
-                </a:effectLst>
-              </a:rPr>
-              <a:t>Feedback Display Flowchart</a:t>
-            </a:r>
-            <a:endParaRPr lang="en-US" sz="3600" b="0" cap="none" spc="0" dirty="0">
-              <a:ln w="0"/>
-              <a:solidFill>
-                <a:schemeClr val="tx1"/>
-              </a:solidFill>
-              <a:effectLst>
-                <a:outerShdw blurRad="38100" dist="19050" dir="2700000" algn="tl" rotWithShape="0">
-                  <a:schemeClr val="dk1">
-                    <a:alpha val="40000"/>
-                  </a:schemeClr>
-                </a:outerShdw>
-              </a:effectLst>
-            </a:endParaRPr>
-          </a:p>
-        </p:txBody>
-      </p:sp>
-      <p:sp>
-        <p:nvSpPr>
           <p:cNvPr id="47" name="Rounded Rectangle 46"/>
           <p:cNvSpPr/>
           <p:nvPr/>
@@ -10075,18 +9891,13 @@
           <a:lstStyle/>
           <a:p>
             <a:r>
-              <a:rPr lang="en-US" sz="1600" dirty="0" smtClean="0">
+              <a:rPr lang="en-US" sz="1600" dirty="0">
                 <a:solidFill>
                   <a:schemeClr val="bg1"/>
                 </a:solidFill>
               </a:rPr>
               <a:t>Completed</a:t>
             </a:r>
-            <a:endParaRPr lang="en-US" sz="1600" dirty="0">
-              <a:solidFill>
-                <a:schemeClr val="bg1"/>
-              </a:solidFill>
-            </a:endParaRPr>
           </a:p>
         </p:txBody>
       </p:sp>
@@ -10120,18 +9931,13 @@
           <a:lstStyle/>
           <a:p>
             <a:r>
-              <a:rPr lang="en-US" sz="1600" dirty="0" smtClean="0">
+              <a:rPr lang="en-US" sz="1600" dirty="0">
                 <a:solidFill>
                   <a:schemeClr val="bg1"/>
                 </a:solidFill>
               </a:rPr>
               <a:t>Requires Refinement</a:t>
             </a:r>
-            <a:endParaRPr lang="en-US" sz="1600" dirty="0">
-              <a:solidFill>
-                <a:schemeClr val="bg1"/>
-              </a:solidFill>
-            </a:endParaRPr>
           </a:p>
         </p:txBody>
       </p:sp>
@@ -10165,18 +9971,13 @@
           <a:lstStyle/>
           <a:p>
             <a:r>
-              <a:rPr lang="en-US" sz="1600" dirty="0" smtClean="0">
+              <a:rPr lang="en-US" sz="1600" dirty="0">
                 <a:solidFill>
                   <a:schemeClr val="bg1"/>
                 </a:solidFill>
               </a:rPr>
               <a:t>Not yet Implemented</a:t>
             </a:r>
-            <a:endParaRPr lang="en-US" sz="1600" dirty="0">
-              <a:solidFill>
-                <a:schemeClr val="bg1"/>
-              </a:solidFill>
-            </a:endParaRPr>
           </a:p>
         </p:txBody>
       </p:sp>
@@ -10236,7 +10037,7 @@
           <a:noFill/>
           <a:ln w="76200">
             <a:solidFill>
-              <a:schemeClr val="accent4"/>
+              <a:schemeClr val="accent6"/>
             </a:solidFill>
           </a:ln>
         </p:spPr>
@@ -10414,6 +10215,4264 @@
     <p:extLst>
       <p:ext uri="{BB962C8B-B14F-4D97-AF65-F5344CB8AC3E}">
         <p14:creationId xmlns:p14="http://schemas.microsoft.com/office/powerpoint/2010/main" val="780911734"/>
+      </p:ext>
+    </p:extLst>
+  </p:cSld>
+  <p:clrMapOvr>
+    <a:masterClrMapping/>
+  </p:clrMapOvr>
+</p:sld>
+</file>
+
+<file path=ppt/slides/slide5.xml><?xml version="1.0" encoding="utf-8"?>
+<p:sld xmlns:a="http://schemas.openxmlformats.org/drawingml/2006/main" xmlns:r="http://schemas.openxmlformats.org/officeDocument/2006/relationships" xmlns:p="http://schemas.openxmlformats.org/presentationml/2006/main">
+  <p:cSld>
+    <p:spTree>
+      <p:nvGrpSpPr>
+        <p:cNvPr id="1" name=""/>
+        <p:cNvGrpSpPr/>
+        <p:nvPr/>
+      </p:nvGrpSpPr>
+      <p:grpSpPr>
+        <a:xfrm>
+          <a:off x="0" y="0"/>
+          <a:ext cx="0" cy="0"/>
+          <a:chOff x="0" y="0"/>
+          <a:chExt cx="0" cy="0"/>
+        </a:xfrm>
+      </p:grpSpPr>
+      <p:pic>
+        <p:nvPicPr>
+          <p:cNvPr id="4" name="Picture 3"/>
+          <p:cNvPicPr>
+            <a:picLocks noChangeAspect="1"/>
+          </p:cNvPicPr>
+          <p:nvPr/>
+        </p:nvPicPr>
+        <p:blipFill>
+          <a:blip r:embed="rId3"/>
+          <a:stretch>
+            <a:fillRect/>
+          </a:stretch>
+        </p:blipFill>
+        <p:spPr>
+          <a:xfrm>
+            <a:off x="1029978" y="1247649"/>
+            <a:ext cx="2076423" cy="1911582"/>
+          </a:xfrm>
+          <a:prstGeom prst="rect">
+            <a:avLst/>
+          </a:prstGeom>
+        </p:spPr>
+      </p:pic>
+      <p:pic>
+        <p:nvPicPr>
+          <p:cNvPr id="1026" name="Picture 2" descr="https://lh6.googleusercontent.com/sEYRf14SSgeYR_-AZ5tAR6viJkQYERWxuxivaEf7o1GZ6EpGg30f0lZi8A4PnpOoUvqIMACBRafYA-U0szdaj2XzpPnF-rriI3997St1uKssYmqfXfuFcbA1ezXuyJ3NqtO-Z0dFIh4"/>
+          <p:cNvPicPr>
+            <a:picLocks noChangeAspect="1" noChangeArrowheads="1"/>
+          </p:cNvPicPr>
+          <p:nvPr/>
+        </p:nvPicPr>
+        <p:blipFill rotWithShape="1">
+          <a:blip r:embed="rId4">
+            <a:extLst>
+              <a:ext uri="{28A0092B-C50C-407E-A947-70E740481C1C}">
+                <a14:useLocalDpi xmlns:a14="http://schemas.microsoft.com/office/drawing/2010/main" val="0"/>
+              </a:ext>
+            </a:extLst>
+          </a:blip>
+          <a:srcRect t="701"/>
+          <a:stretch/>
+        </p:blipFill>
+        <p:spPr bwMode="auto">
+          <a:xfrm>
+            <a:off x="4060521" y="1247649"/>
+            <a:ext cx="2488798" cy="1718415"/>
+          </a:xfrm>
+          <a:prstGeom prst="rect">
+            <a:avLst/>
+          </a:prstGeom>
+          <a:noFill/>
+          <a:ln>
+            <a:solidFill>
+              <a:schemeClr val="tx1"/>
+            </a:solidFill>
+          </a:ln>
+          <a:extLst>
+            <a:ext uri="{909E8E84-426E-40DD-AFC4-6F175D3DCCD1}">
+              <a14:hiddenFill xmlns:a14="http://schemas.microsoft.com/office/drawing/2010/main">
+                <a:solidFill>
+                  <a:srgbClr val="FFFFFF"/>
+                </a:solidFill>
+              </a14:hiddenFill>
+            </a:ext>
+          </a:extLst>
+        </p:spPr>
+      </p:pic>
+      <p:cxnSp>
+        <p:nvCxnSpPr>
+          <p:cNvPr id="6" name="Straight Connector 5"/>
+          <p:cNvCxnSpPr>
+            <a:stCxn id="1026" idx="1"/>
+            <a:endCxn id="4" idx="2"/>
+          </p:cNvCxnSpPr>
+          <p:nvPr/>
+        </p:nvCxnSpPr>
+        <p:spPr>
+          <a:xfrm flipH="1">
+            <a:off x="2068190" y="2106857"/>
+            <a:ext cx="1992331" cy="1052374"/>
+          </a:xfrm>
+          <a:prstGeom prst="line">
+            <a:avLst/>
+          </a:prstGeom>
+          <a:ln>
+            <a:solidFill>
+              <a:schemeClr val="tx1"/>
+            </a:solidFill>
+          </a:ln>
+        </p:spPr>
+        <p:style>
+          <a:lnRef idx="1">
+            <a:schemeClr val="accent1"/>
+          </a:lnRef>
+          <a:fillRef idx="0">
+            <a:schemeClr val="accent1"/>
+          </a:fillRef>
+          <a:effectRef idx="0">
+            <a:schemeClr val="accent1"/>
+          </a:effectRef>
+          <a:fontRef idx="minor">
+            <a:schemeClr val="tx1"/>
+          </a:fontRef>
+        </p:style>
+      </p:cxnSp>
+      <p:cxnSp>
+        <p:nvCxnSpPr>
+          <p:cNvPr id="8" name="Straight Connector 7"/>
+          <p:cNvCxnSpPr>
+            <a:stCxn id="1026" idx="1"/>
+            <a:endCxn id="4" idx="0"/>
+          </p:cNvCxnSpPr>
+          <p:nvPr/>
+        </p:nvCxnSpPr>
+        <p:spPr>
+          <a:xfrm flipH="1" flipV="1">
+            <a:off x="2068190" y="1247649"/>
+            <a:ext cx="1992331" cy="859208"/>
+          </a:xfrm>
+          <a:prstGeom prst="line">
+            <a:avLst/>
+          </a:prstGeom>
+          <a:ln>
+            <a:solidFill>
+              <a:schemeClr val="tx1"/>
+            </a:solidFill>
+          </a:ln>
+        </p:spPr>
+        <p:style>
+          <a:lnRef idx="1">
+            <a:schemeClr val="accent1"/>
+          </a:lnRef>
+          <a:fillRef idx="0">
+            <a:schemeClr val="accent1"/>
+          </a:fillRef>
+          <a:effectRef idx="0">
+            <a:schemeClr val="accent1"/>
+          </a:effectRef>
+          <a:fontRef idx="minor">
+            <a:schemeClr val="tx1"/>
+          </a:fontRef>
+        </p:style>
+      </p:cxnSp>
+      <p:pic>
+        <p:nvPicPr>
+          <p:cNvPr id="9" name="Picture 8"/>
+          <p:cNvPicPr>
+            <a:picLocks noChangeAspect="1"/>
+          </p:cNvPicPr>
+          <p:nvPr/>
+        </p:nvPicPr>
+        <p:blipFill>
+          <a:blip r:embed="rId5"/>
+          <a:stretch>
+            <a:fillRect/>
+          </a:stretch>
+        </p:blipFill>
+        <p:spPr>
+          <a:xfrm>
+            <a:off x="2768416" y="1834411"/>
+            <a:ext cx="591877" cy="544890"/>
+          </a:xfrm>
+          <a:prstGeom prst="rect">
+            <a:avLst/>
+          </a:prstGeom>
+        </p:spPr>
+      </p:pic>
+      <p:cxnSp>
+        <p:nvCxnSpPr>
+          <p:cNvPr id="11" name="Straight Arrow Connector 10"/>
+          <p:cNvCxnSpPr>
+            <a:stCxn id="1026" idx="3"/>
+          </p:cNvCxnSpPr>
+          <p:nvPr/>
+        </p:nvCxnSpPr>
+        <p:spPr>
+          <a:xfrm>
+            <a:off x="6549319" y="2106857"/>
+            <a:ext cx="2341815" cy="9214"/>
+          </a:xfrm>
+          <a:prstGeom prst="straightConnector1">
+            <a:avLst/>
+          </a:prstGeom>
+          <a:ln>
+            <a:solidFill>
+              <a:schemeClr val="tx1"/>
+            </a:solidFill>
+            <a:tailEnd type="triangle"/>
+          </a:ln>
+        </p:spPr>
+        <p:style>
+          <a:lnRef idx="1">
+            <a:schemeClr val="accent1"/>
+          </a:lnRef>
+          <a:fillRef idx="0">
+            <a:schemeClr val="accent1"/>
+          </a:fillRef>
+          <a:effectRef idx="0">
+            <a:schemeClr val="accent1"/>
+          </a:effectRef>
+          <a:fontRef idx="minor">
+            <a:schemeClr val="tx1"/>
+          </a:fontRef>
+        </p:style>
+      </p:cxnSp>
+      <p:cxnSp>
+        <p:nvCxnSpPr>
+          <p:cNvPr id="20" name="Straight Arrow Connector 19"/>
+          <p:cNvCxnSpPr>
+            <a:stCxn id="34" idx="2"/>
+          </p:cNvCxnSpPr>
+          <p:nvPr/>
+        </p:nvCxnSpPr>
+        <p:spPr>
+          <a:xfrm flipH="1">
+            <a:off x="9558682" y="2874143"/>
+            <a:ext cx="8900" cy="635379"/>
+          </a:xfrm>
+          <a:prstGeom prst="straightConnector1">
+            <a:avLst/>
+          </a:prstGeom>
+          <a:ln>
+            <a:solidFill>
+              <a:schemeClr val="tx1"/>
+            </a:solidFill>
+            <a:tailEnd type="triangle"/>
+          </a:ln>
+        </p:spPr>
+        <p:style>
+          <a:lnRef idx="1">
+            <a:schemeClr val="accent1"/>
+          </a:lnRef>
+          <a:fillRef idx="0">
+            <a:schemeClr val="accent1"/>
+          </a:fillRef>
+          <a:effectRef idx="0">
+            <a:schemeClr val="accent1"/>
+          </a:effectRef>
+          <a:fontRef idx="minor">
+            <a:schemeClr val="tx1"/>
+          </a:fontRef>
+        </p:style>
+      </p:cxnSp>
+      <p:pic>
+        <p:nvPicPr>
+          <p:cNvPr id="21" name="Picture 20"/>
+          <p:cNvPicPr>
+            <a:picLocks noChangeAspect="1"/>
+          </p:cNvPicPr>
+          <p:nvPr/>
+        </p:nvPicPr>
+        <p:blipFill>
+          <a:blip r:embed="rId6"/>
+          <a:stretch>
+            <a:fillRect/>
+          </a:stretch>
+        </p:blipFill>
+        <p:spPr>
+          <a:xfrm>
+            <a:off x="8628530" y="3424666"/>
+            <a:ext cx="1860300" cy="1230943"/>
+          </a:xfrm>
+          <a:prstGeom prst="rect">
+            <a:avLst/>
+          </a:prstGeom>
+          <a:noFill/>
+          <a:ln>
+            <a:solidFill>
+              <a:schemeClr val="tx1"/>
+            </a:solidFill>
+          </a:ln>
+        </p:spPr>
+      </p:pic>
+      <p:cxnSp>
+        <p:nvCxnSpPr>
+          <p:cNvPr id="31" name="Straight Arrow Connector 30"/>
+          <p:cNvCxnSpPr>
+            <a:stCxn id="21" idx="1"/>
+            <a:endCxn id="18" idx="3"/>
+          </p:cNvCxnSpPr>
+          <p:nvPr/>
+        </p:nvCxnSpPr>
+        <p:spPr>
+          <a:xfrm flipH="1" flipV="1">
+            <a:off x="8058452" y="4039386"/>
+            <a:ext cx="570078" cy="752"/>
+          </a:xfrm>
+          <a:prstGeom prst="straightConnector1">
+            <a:avLst/>
+          </a:prstGeom>
+          <a:ln>
+            <a:solidFill>
+              <a:schemeClr val="tx1"/>
+            </a:solidFill>
+            <a:tailEnd type="triangle"/>
+          </a:ln>
+        </p:spPr>
+        <p:style>
+          <a:lnRef idx="1">
+            <a:schemeClr val="accent1"/>
+          </a:lnRef>
+          <a:fillRef idx="0">
+            <a:schemeClr val="accent1"/>
+          </a:fillRef>
+          <a:effectRef idx="0">
+            <a:schemeClr val="accent1"/>
+          </a:effectRef>
+          <a:fontRef idx="minor">
+            <a:schemeClr val="tx1"/>
+          </a:fontRef>
+        </p:style>
+      </p:cxnSp>
+      <p:sp>
+        <p:nvSpPr>
+          <p:cNvPr id="1025" name="TextBox 1024"/>
+          <p:cNvSpPr txBox="1"/>
+          <p:nvPr/>
+        </p:nvSpPr>
+        <p:spPr>
+          <a:xfrm>
+            <a:off x="2932675" y="4694537"/>
+            <a:ext cx="2827734" cy="338554"/>
+          </a:xfrm>
+          <a:prstGeom prst="rect">
+            <a:avLst/>
+          </a:prstGeom>
+          <a:solidFill>
+            <a:srgbClr val="7030A0"/>
+          </a:solidFill>
+          <a:ln>
+            <a:solidFill>
+              <a:schemeClr val="tx1"/>
+            </a:solidFill>
+          </a:ln>
+        </p:spPr>
+        <p:txBody>
+          <a:bodyPr wrap="square" rtlCol="0">
+            <a:spAutoFit/>
+          </a:bodyPr>
+          <a:lstStyle/>
+          <a:p>
+            <a:r>
+              <a:rPr lang="en-US" sz="1600" dirty="0">
+                <a:solidFill>
+                  <a:schemeClr val="bg1"/>
+                </a:solidFill>
+              </a:rPr>
+              <a:t>Compute Sagittal and Flex angle</a:t>
+            </a:r>
+          </a:p>
+        </p:txBody>
+      </p:sp>
+      <p:sp>
+        <p:nvSpPr>
+          <p:cNvPr id="36" name="TextBox 35"/>
+          <p:cNvSpPr txBox="1"/>
+          <p:nvPr/>
+        </p:nvSpPr>
+        <p:spPr>
+          <a:xfrm>
+            <a:off x="2725624" y="4000970"/>
+            <a:ext cx="1405820" cy="338554"/>
+          </a:xfrm>
+          <a:prstGeom prst="rect">
+            <a:avLst/>
+          </a:prstGeom>
+          <a:solidFill>
+            <a:schemeClr val="accent6">
+              <a:lumMod val="50000"/>
+            </a:schemeClr>
+          </a:solidFill>
+          <a:ln>
+            <a:solidFill>
+              <a:schemeClr val="tx1"/>
+            </a:solidFill>
+          </a:ln>
+        </p:spPr>
+        <p:txBody>
+          <a:bodyPr wrap="square" rtlCol="0">
+            <a:spAutoFit/>
+          </a:bodyPr>
+          <a:lstStyle/>
+          <a:p>
+            <a:r>
+              <a:rPr lang="en-US" sz="1600" dirty="0">
+                <a:solidFill>
+                  <a:schemeClr val="bg1"/>
+                </a:solidFill>
+              </a:rPr>
+              <a:t>3D position</a:t>
+            </a:r>
+          </a:p>
+        </p:txBody>
+      </p:sp>
+      <p:sp>
+        <p:nvSpPr>
+          <p:cNvPr id="37" name="TextBox 36"/>
+          <p:cNvSpPr txBox="1"/>
+          <p:nvPr/>
+        </p:nvSpPr>
+        <p:spPr>
+          <a:xfrm>
+            <a:off x="4248668" y="4004608"/>
+            <a:ext cx="1798601" cy="338554"/>
+          </a:xfrm>
+          <a:prstGeom prst="rect">
+            <a:avLst/>
+          </a:prstGeom>
+          <a:solidFill>
+            <a:schemeClr val="accent6">
+              <a:lumMod val="50000"/>
+            </a:schemeClr>
+          </a:solidFill>
+          <a:ln>
+            <a:solidFill>
+              <a:schemeClr val="tx1"/>
+            </a:solidFill>
+          </a:ln>
+        </p:spPr>
+        <p:txBody>
+          <a:bodyPr wrap="square" rtlCol="0">
+            <a:spAutoFit/>
+          </a:bodyPr>
+          <a:lstStyle/>
+          <a:p>
+            <a:r>
+              <a:rPr lang="en-US" sz="1600" dirty="0">
+                <a:solidFill>
+                  <a:schemeClr val="bg1"/>
+                </a:solidFill>
+              </a:rPr>
+              <a:t>Posture estimation</a:t>
+            </a:r>
+          </a:p>
+        </p:txBody>
+      </p:sp>
+      <p:cxnSp>
+        <p:nvCxnSpPr>
+          <p:cNvPr id="1032" name="Straight Arrow Connector 1031"/>
+          <p:cNvCxnSpPr>
+            <a:stCxn id="36" idx="2"/>
+            <a:endCxn id="1025" idx="0"/>
+          </p:cNvCxnSpPr>
+          <p:nvPr/>
+        </p:nvCxnSpPr>
+        <p:spPr>
+          <a:xfrm>
+            <a:off x="3428534" y="4339524"/>
+            <a:ext cx="918008" cy="355013"/>
+          </a:xfrm>
+          <a:prstGeom prst="straightConnector1">
+            <a:avLst/>
+          </a:prstGeom>
+          <a:ln>
+            <a:solidFill>
+              <a:schemeClr val="tx1"/>
+            </a:solidFill>
+            <a:tailEnd type="triangle"/>
+          </a:ln>
+        </p:spPr>
+        <p:style>
+          <a:lnRef idx="1">
+            <a:schemeClr val="accent1"/>
+          </a:lnRef>
+          <a:fillRef idx="0">
+            <a:schemeClr val="accent1"/>
+          </a:fillRef>
+          <a:effectRef idx="0">
+            <a:schemeClr val="accent1"/>
+          </a:effectRef>
+          <a:fontRef idx="minor">
+            <a:schemeClr val="tx1"/>
+          </a:fontRef>
+        </p:style>
+      </p:cxnSp>
+      <p:cxnSp>
+        <p:nvCxnSpPr>
+          <p:cNvPr id="1034" name="Straight Arrow Connector 1033"/>
+          <p:cNvCxnSpPr>
+            <a:stCxn id="37" idx="2"/>
+            <a:endCxn id="1025" idx="0"/>
+          </p:cNvCxnSpPr>
+          <p:nvPr/>
+        </p:nvCxnSpPr>
+        <p:spPr>
+          <a:xfrm flipH="1">
+            <a:off x="4346542" y="4343162"/>
+            <a:ext cx="801427" cy="351375"/>
+          </a:xfrm>
+          <a:prstGeom prst="straightConnector1">
+            <a:avLst/>
+          </a:prstGeom>
+          <a:ln>
+            <a:solidFill>
+              <a:schemeClr val="tx1"/>
+            </a:solidFill>
+            <a:tailEnd type="triangle"/>
+          </a:ln>
+        </p:spPr>
+        <p:style>
+          <a:lnRef idx="1">
+            <a:schemeClr val="accent1"/>
+          </a:lnRef>
+          <a:fillRef idx="0">
+            <a:schemeClr val="accent1"/>
+          </a:fillRef>
+          <a:effectRef idx="0">
+            <a:schemeClr val="accent1"/>
+          </a:effectRef>
+          <a:fontRef idx="minor">
+            <a:schemeClr val="tx1"/>
+          </a:fontRef>
+        </p:style>
+      </p:cxnSp>
+      <p:sp>
+        <p:nvSpPr>
+          <p:cNvPr id="1051" name="Rounded Rectangle 1050"/>
+          <p:cNvSpPr/>
+          <p:nvPr/>
+        </p:nvSpPr>
+        <p:spPr>
+          <a:xfrm>
+            <a:off x="2672121" y="2986783"/>
+            <a:ext cx="3420932" cy="2116441"/>
+          </a:xfrm>
+          <a:prstGeom prst="roundRect">
+            <a:avLst/>
+          </a:prstGeom>
+          <a:noFill/>
+          <a:ln>
+            <a:solidFill>
+              <a:schemeClr val="bg1"/>
+            </a:solidFill>
+            <a:prstDash val="dash"/>
+          </a:ln>
+        </p:spPr>
+        <p:style>
+          <a:lnRef idx="2">
+            <a:schemeClr val="accent1">
+              <a:shade val="50000"/>
+            </a:schemeClr>
+          </a:lnRef>
+          <a:fillRef idx="1">
+            <a:schemeClr val="accent1"/>
+          </a:fillRef>
+          <a:effectRef idx="0">
+            <a:schemeClr val="accent1"/>
+          </a:effectRef>
+          <a:fontRef idx="minor">
+            <a:schemeClr val="lt1"/>
+          </a:fontRef>
+        </p:style>
+        <p:txBody>
+          <a:bodyPr rtlCol="0" anchor="ctr"/>
+          <a:lstStyle/>
+          <a:p>
+            <a:pPr algn="ctr"/>
+            <a:endParaRPr lang="en-US">
+              <a:solidFill>
+                <a:schemeClr val="bg1"/>
+              </a:solidFill>
+            </a:endParaRPr>
+          </a:p>
+        </p:txBody>
+      </p:sp>
+      <p:cxnSp>
+        <p:nvCxnSpPr>
+          <p:cNvPr id="1054" name="Straight Arrow Connector 1053"/>
+          <p:cNvCxnSpPr>
+            <a:stCxn id="1051" idx="1"/>
+            <a:endCxn id="66" idx="3"/>
+          </p:cNvCxnSpPr>
+          <p:nvPr/>
+        </p:nvCxnSpPr>
+        <p:spPr>
+          <a:xfrm flipH="1" flipV="1">
+            <a:off x="1870523" y="4043189"/>
+            <a:ext cx="801598" cy="1815"/>
+          </a:xfrm>
+          <a:prstGeom prst="straightConnector1">
+            <a:avLst/>
+          </a:prstGeom>
+          <a:ln>
+            <a:solidFill>
+              <a:schemeClr val="tx1"/>
+            </a:solidFill>
+            <a:tailEnd type="triangle"/>
+          </a:ln>
+        </p:spPr>
+        <p:style>
+          <a:lnRef idx="1">
+            <a:schemeClr val="accent1"/>
+          </a:lnRef>
+          <a:fillRef idx="0">
+            <a:schemeClr val="accent1"/>
+          </a:fillRef>
+          <a:effectRef idx="0">
+            <a:schemeClr val="accent1"/>
+          </a:effectRef>
+          <a:fontRef idx="minor">
+            <a:schemeClr val="tx1"/>
+          </a:fontRef>
+        </p:style>
+      </p:cxnSp>
+      <p:sp>
+        <p:nvSpPr>
+          <p:cNvPr id="66" name="TextBox 65"/>
+          <p:cNvSpPr txBox="1"/>
+          <p:nvPr/>
+        </p:nvSpPr>
+        <p:spPr>
+          <a:xfrm>
+            <a:off x="410266" y="3750801"/>
+            <a:ext cx="1460257" cy="584775"/>
+          </a:xfrm>
+          <a:prstGeom prst="rect">
+            <a:avLst/>
+          </a:prstGeom>
+          <a:solidFill>
+            <a:srgbClr val="7030A0"/>
+          </a:solidFill>
+          <a:ln>
+            <a:solidFill>
+              <a:schemeClr val="tx1"/>
+            </a:solidFill>
+          </a:ln>
+        </p:spPr>
+        <p:txBody>
+          <a:bodyPr wrap="square" rtlCol="0">
+            <a:spAutoFit/>
+          </a:bodyPr>
+          <a:lstStyle/>
+          <a:p>
+            <a:r>
+              <a:rPr lang="en-US" sz="1600" dirty="0">
+                <a:solidFill>
+                  <a:schemeClr val="bg1"/>
+                </a:solidFill>
+              </a:rPr>
+              <a:t>Send to Signal Correction Unit</a:t>
+            </a:r>
+          </a:p>
+        </p:txBody>
+      </p:sp>
+      <p:cxnSp>
+        <p:nvCxnSpPr>
+          <p:cNvPr id="29" name="Straight Arrow Connector 28"/>
+          <p:cNvCxnSpPr/>
+          <p:nvPr/>
+        </p:nvCxnSpPr>
+        <p:spPr>
+          <a:xfrm>
+            <a:off x="3986018" y="5045912"/>
+            <a:ext cx="1" cy="1003607"/>
+          </a:xfrm>
+          <a:prstGeom prst="straightConnector1">
+            <a:avLst/>
+          </a:prstGeom>
+          <a:ln>
+            <a:solidFill>
+              <a:schemeClr val="tx1"/>
+            </a:solidFill>
+            <a:tailEnd type="triangle"/>
+          </a:ln>
+        </p:spPr>
+        <p:style>
+          <a:lnRef idx="1">
+            <a:schemeClr val="accent1"/>
+          </a:lnRef>
+          <a:fillRef idx="0">
+            <a:schemeClr val="accent1"/>
+          </a:fillRef>
+          <a:effectRef idx="0">
+            <a:schemeClr val="accent1"/>
+          </a:effectRef>
+          <a:fontRef idx="minor">
+            <a:schemeClr val="tx1"/>
+          </a:fontRef>
+        </p:style>
+      </p:cxnSp>
+      <p:sp>
+        <p:nvSpPr>
+          <p:cNvPr id="32" name="TextBox 31"/>
+          <p:cNvSpPr txBox="1"/>
+          <p:nvPr/>
+        </p:nvSpPr>
+        <p:spPr>
+          <a:xfrm>
+            <a:off x="2897375" y="6058586"/>
+            <a:ext cx="2281037" cy="338554"/>
+          </a:xfrm>
+          <a:prstGeom prst="rect">
+            <a:avLst/>
+          </a:prstGeom>
+          <a:solidFill>
+            <a:schemeClr val="accent1">
+              <a:lumMod val="50000"/>
+            </a:schemeClr>
+          </a:solidFill>
+          <a:ln>
+            <a:solidFill>
+              <a:schemeClr val="tx1"/>
+            </a:solidFill>
+          </a:ln>
+        </p:spPr>
+        <p:txBody>
+          <a:bodyPr wrap="square" rtlCol="0">
+            <a:spAutoFit/>
+          </a:bodyPr>
+          <a:lstStyle/>
+          <a:p>
+            <a:r>
+              <a:rPr lang="en-US" sz="1600" dirty="0">
+                <a:solidFill>
+                  <a:schemeClr val="bg1"/>
+                </a:solidFill>
+              </a:rPr>
+              <a:t>Send to Feedback Display</a:t>
+            </a:r>
+          </a:p>
+        </p:txBody>
+      </p:sp>
+      <p:cxnSp>
+        <p:nvCxnSpPr>
+          <p:cNvPr id="41" name="Straight Arrow Connector 40"/>
+          <p:cNvCxnSpPr>
+            <a:stCxn id="18" idx="1"/>
+            <a:endCxn id="1051" idx="3"/>
+          </p:cNvCxnSpPr>
+          <p:nvPr/>
+        </p:nvCxnSpPr>
+        <p:spPr>
+          <a:xfrm flipH="1">
+            <a:off x="6093053" y="4039386"/>
+            <a:ext cx="612502" cy="5618"/>
+          </a:xfrm>
+          <a:prstGeom prst="straightConnector1">
+            <a:avLst/>
+          </a:prstGeom>
+          <a:ln>
+            <a:solidFill>
+              <a:schemeClr val="tx1"/>
+            </a:solidFill>
+            <a:tailEnd type="triangle"/>
+          </a:ln>
+        </p:spPr>
+        <p:style>
+          <a:lnRef idx="1">
+            <a:schemeClr val="accent1"/>
+          </a:lnRef>
+          <a:fillRef idx="0">
+            <a:schemeClr val="accent1"/>
+          </a:fillRef>
+          <a:effectRef idx="0">
+            <a:schemeClr val="accent1"/>
+          </a:effectRef>
+          <a:fontRef idx="minor">
+            <a:schemeClr val="tx1"/>
+          </a:fontRef>
+        </p:style>
+      </p:cxnSp>
+      <p:grpSp>
+        <p:nvGrpSpPr>
+          <p:cNvPr id="13" name="Group 12"/>
+          <p:cNvGrpSpPr>
+            <a:grpSpLocks noChangeAspect="1"/>
+          </p:cNvGrpSpPr>
+          <p:nvPr/>
+        </p:nvGrpSpPr>
+        <p:grpSpPr>
+          <a:xfrm>
+            <a:off x="8891134" y="1131457"/>
+            <a:ext cx="1352896" cy="1742686"/>
+            <a:chOff x="9558682" y="763539"/>
+            <a:chExt cx="1352896" cy="1742686"/>
+          </a:xfrm>
+        </p:grpSpPr>
+        <p:pic>
+          <p:nvPicPr>
+            <p:cNvPr id="34" name="Picture 33"/>
+            <p:cNvPicPr>
+              <a:picLocks noChangeAspect="1"/>
+            </p:cNvPicPr>
+            <p:nvPr/>
+          </p:nvPicPr>
+          <p:blipFill>
+            <a:blip r:embed="rId7">
+              <a:extLst>
+                <a:ext uri="{28A0092B-C50C-407E-A947-70E740481C1C}">
+                  <a14:useLocalDpi xmlns:a14="http://schemas.microsoft.com/office/drawing/2010/main" val="0"/>
+                </a:ext>
+              </a:extLst>
+            </a:blip>
+            <a:stretch>
+              <a:fillRect/>
+            </a:stretch>
+          </p:blipFill>
+          <p:spPr>
+            <a:xfrm>
+              <a:off x="9558682" y="763539"/>
+              <a:ext cx="1352896" cy="1742686"/>
+            </a:xfrm>
+            <a:prstGeom prst="rect">
+              <a:avLst/>
+            </a:prstGeom>
+            <a:ln>
+              <a:solidFill>
+                <a:schemeClr val="tx1"/>
+              </a:solidFill>
+            </a:ln>
+          </p:spPr>
+        </p:pic>
+        <p:sp>
+          <p:nvSpPr>
+            <p:cNvPr id="53" name="Oval 52"/>
+            <p:cNvSpPr/>
+            <p:nvPr/>
+          </p:nvSpPr>
+          <p:spPr>
+            <a:xfrm>
+              <a:off x="10094591" y="1979178"/>
+              <a:ext cx="45719" cy="45719"/>
+            </a:xfrm>
+            <a:prstGeom prst="ellipse">
+              <a:avLst/>
+            </a:prstGeom>
+            <a:solidFill>
+              <a:schemeClr val="accent6"/>
+            </a:solidFill>
+            <a:ln>
+              <a:solidFill>
+                <a:schemeClr val="tx1"/>
+              </a:solidFill>
+            </a:ln>
+          </p:spPr>
+          <p:style>
+            <a:lnRef idx="2">
+              <a:schemeClr val="accent1">
+                <a:shade val="50000"/>
+              </a:schemeClr>
+            </a:lnRef>
+            <a:fillRef idx="1">
+              <a:schemeClr val="accent1"/>
+            </a:fillRef>
+            <a:effectRef idx="0">
+              <a:schemeClr val="accent1"/>
+            </a:effectRef>
+            <a:fontRef idx="minor">
+              <a:schemeClr val="lt1"/>
+            </a:fontRef>
+          </p:style>
+          <p:txBody>
+            <a:bodyPr rtlCol="0" anchor="ctr"/>
+            <a:lstStyle/>
+            <a:p>
+              <a:pPr algn="ctr"/>
+              <a:endParaRPr lang="en-US">
+                <a:solidFill>
+                  <a:schemeClr val="bg1"/>
+                </a:solidFill>
+              </a:endParaRPr>
+            </a:p>
+          </p:txBody>
+        </p:sp>
+        <p:sp>
+          <p:nvSpPr>
+            <p:cNvPr id="54" name="Oval 53"/>
+            <p:cNvSpPr/>
+            <p:nvPr/>
+          </p:nvSpPr>
+          <p:spPr>
+            <a:xfrm>
+              <a:off x="10230794" y="1979178"/>
+              <a:ext cx="45719" cy="45719"/>
+            </a:xfrm>
+            <a:prstGeom prst="ellipse">
+              <a:avLst/>
+            </a:prstGeom>
+            <a:solidFill>
+              <a:schemeClr val="accent6"/>
+            </a:solidFill>
+            <a:ln>
+              <a:solidFill>
+                <a:schemeClr val="tx1"/>
+              </a:solidFill>
+            </a:ln>
+          </p:spPr>
+          <p:style>
+            <a:lnRef idx="2">
+              <a:schemeClr val="accent1">
+                <a:shade val="50000"/>
+              </a:schemeClr>
+            </a:lnRef>
+            <a:fillRef idx="1">
+              <a:schemeClr val="accent1"/>
+            </a:fillRef>
+            <a:effectRef idx="0">
+              <a:schemeClr val="accent1"/>
+            </a:effectRef>
+            <a:fontRef idx="minor">
+              <a:schemeClr val="lt1"/>
+            </a:fontRef>
+          </p:style>
+          <p:txBody>
+            <a:bodyPr rtlCol="0" anchor="ctr"/>
+            <a:lstStyle/>
+            <a:p>
+              <a:pPr algn="ctr"/>
+              <a:endParaRPr lang="en-US">
+                <a:solidFill>
+                  <a:schemeClr val="bg1"/>
+                </a:solidFill>
+              </a:endParaRPr>
+            </a:p>
+          </p:txBody>
+        </p:sp>
+        <p:sp>
+          <p:nvSpPr>
+            <p:cNvPr id="55" name="Oval 54"/>
+            <p:cNvSpPr/>
+            <p:nvPr/>
+          </p:nvSpPr>
+          <p:spPr>
+            <a:xfrm>
+              <a:off x="10201272" y="2360230"/>
+              <a:ext cx="45719" cy="45719"/>
+            </a:xfrm>
+            <a:prstGeom prst="ellipse">
+              <a:avLst/>
+            </a:prstGeom>
+            <a:solidFill>
+              <a:schemeClr val="accent6"/>
+            </a:solidFill>
+            <a:ln>
+              <a:solidFill>
+                <a:schemeClr val="tx1"/>
+              </a:solidFill>
+            </a:ln>
+          </p:spPr>
+          <p:style>
+            <a:lnRef idx="2">
+              <a:schemeClr val="accent1">
+                <a:shade val="50000"/>
+              </a:schemeClr>
+            </a:lnRef>
+            <a:fillRef idx="1">
+              <a:schemeClr val="accent1"/>
+            </a:fillRef>
+            <a:effectRef idx="0">
+              <a:schemeClr val="accent1"/>
+            </a:effectRef>
+            <a:fontRef idx="minor">
+              <a:schemeClr val="lt1"/>
+            </a:fontRef>
+          </p:style>
+          <p:txBody>
+            <a:bodyPr rtlCol="0" anchor="ctr"/>
+            <a:lstStyle/>
+            <a:p>
+              <a:pPr algn="ctr"/>
+              <a:endParaRPr lang="en-US">
+                <a:solidFill>
+                  <a:schemeClr val="bg1"/>
+                </a:solidFill>
+              </a:endParaRPr>
+            </a:p>
+          </p:txBody>
+        </p:sp>
+        <p:sp>
+          <p:nvSpPr>
+            <p:cNvPr id="56" name="Oval 55"/>
+            <p:cNvSpPr/>
+            <p:nvPr/>
+          </p:nvSpPr>
+          <p:spPr>
+            <a:xfrm>
+              <a:off x="10269850" y="2426853"/>
+              <a:ext cx="45719" cy="45719"/>
+            </a:xfrm>
+            <a:prstGeom prst="ellipse">
+              <a:avLst/>
+            </a:prstGeom>
+            <a:solidFill>
+              <a:schemeClr val="accent6"/>
+            </a:solidFill>
+            <a:ln>
+              <a:solidFill>
+                <a:schemeClr val="tx1"/>
+              </a:solidFill>
+            </a:ln>
+          </p:spPr>
+          <p:style>
+            <a:lnRef idx="2">
+              <a:schemeClr val="accent1">
+                <a:shade val="50000"/>
+              </a:schemeClr>
+            </a:lnRef>
+            <a:fillRef idx="1">
+              <a:schemeClr val="accent1"/>
+            </a:fillRef>
+            <a:effectRef idx="0">
+              <a:schemeClr val="accent1"/>
+            </a:effectRef>
+            <a:fontRef idx="minor">
+              <a:schemeClr val="lt1"/>
+            </a:fontRef>
+          </p:style>
+          <p:txBody>
+            <a:bodyPr rtlCol="0" anchor="ctr"/>
+            <a:lstStyle/>
+            <a:p>
+              <a:pPr algn="ctr"/>
+              <a:endParaRPr lang="en-US">
+                <a:solidFill>
+                  <a:schemeClr val="bg1"/>
+                </a:solidFill>
+              </a:endParaRPr>
+            </a:p>
+          </p:txBody>
+        </p:sp>
+        <p:sp>
+          <p:nvSpPr>
+            <p:cNvPr id="57" name="Oval 56"/>
+            <p:cNvSpPr/>
+            <p:nvPr/>
+          </p:nvSpPr>
+          <p:spPr>
+            <a:xfrm>
+              <a:off x="10117450" y="2360229"/>
+              <a:ext cx="45719" cy="45719"/>
+            </a:xfrm>
+            <a:prstGeom prst="ellipse">
+              <a:avLst/>
+            </a:prstGeom>
+            <a:solidFill>
+              <a:schemeClr val="accent6"/>
+            </a:solidFill>
+            <a:ln>
+              <a:solidFill>
+                <a:schemeClr val="tx1"/>
+              </a:solidFill>
+            </a:ln>
+          </p:spPr>
+          <p:style>
+            <a:lnRef idx="2">
+              <a:schemeClr val="accent1">
+                <a:shade val="50000"/>
+              </a:schemeClr>
+            </a:lnRef>
+            <a:fillRef idx="1">
+              <a:schemeClr val="accent1"/>
+            </a:fillRef>
+            <a:effectRef idx="0">
+              <a:schemeClr val="accent1"/>
+            </a:effectRef>
+            <a:fontRef idx="minor">
+              <a:schemeClr val="lt1"/>
+            </a:fontRef>
+          </p:style>
+          <p:txBody>
+            <a:bodyPr rtlCol="0" anchor="ctr"/>
+            <a:lstStyle/>
+            <a:p>
+              <a:pPr algn="ctr"/>
+              <a:endParaRPr lang="en-US">
+                <a:solidFill>
+                  <a:schemeClr val="bg1"/>
+                </a:solidFill>
+              </a:endParaRPr>
+            </a:p>
+          </p:txBody>
+        </p:sp>
+        <p:sp>
+          <p:nvSpPr>
+            <p:cNvPr id="58" name="Oval 57"/>
+            <p:cNvSpPr/>
+            <p:nvPr/>
+          </p:nvSpPr>
+          <p:spPr>
+            <a:xfrm>
+              <a:off x="10048872" y="2420622"/>
+              <a:ext cx="45719" cy="45719"/>
+            </a:xfrm>
+            <a:prstGeom prst="ellipse">
+              <a:avLst/>
+            </a:prstGeom>
+            <a:solidFill>
+              <a:schemeClr val="accent6"/>
+            </a:solidFill>
+            <a:ln>
+              <a:solidFill>
+                <a:schemeClr val="tx1"/>
+              </a:solidFill>
+            </a:ln>
+          </p:spPr>
+          <p:style>
+            <a:lnRef idx="2">
+              <a:schemeClr val="accent1">
+                <a:shade val="50000"/>
+              </a:schemeClr>
+            </a:lnRef>
+            <a:fillRef idx="1">
+              <a:schemeClr val="accent1"/>
+            </a:fillRef>
+            <a:effectRef idx="0">
+              <a:schemeClr val="accent1"/>
+            </a:effectRef>
+            <a:fontRef idx="minor">
+              <a:schemeClr val="lt1"/>
+            </a:fontRef>
+          </p:style>
+          <p:txBody>
+            <a:bodyPr rtlCol="0" anchor="ctr"/>
+            <a:lstStyle/>
+            <a:p>
+              <a:pPr algn="ctr"/>
+              <a:endParaRPr lang="en-US">
+                <a:solidFill>
+                  <a:schemeClr val="bg1"/>
+                </a:solidFill>
+              </a:endParaRPr>
+            </a:p>
+          </p:txBody>
+        </p:sp>
+        <p:sp>
+          <p:nvSpPr>
+            <p:cNvPr id="59" name="Oval 58"/>
+            <p:cNvSpPr/>
+            <p:nvPr/>
+          </p:nvSpPr>
+          <p:spPr>
+            <a:xfrm>
+              <a:off x="10544647" y="1642411"/>
+              <a:ext cx="45719" cy="45719"/>
+            </a:xfrm>
+            <a:prstGeom prst="ellipse">
+              <a:avLst/>
+            </a:prstGeom>
+            <a:solidFill>
+              <a:schemeClr val="accent6"/>
+            </a:solidFill>
+            <a:ln>
+              <a:solidFill>
+                <a:schemeClr val="tx1"/>
+              </a:solidFill>
+            </a:ln>
+          </p:spPr>
+          <p:style>
+            <a:lnRef idx="2">
+              <a:schemeClr val="accent1">
+                <a:shade val="50000"/>
+              </a:schemeClr>
+            </a:lnRef>
+            <a:fillRef idx="1">
+              <a:schemeClr val="accent1"/>
+            </a:fillRef>
+            <a:effectRef idx="0">
+              <a:schemeClr val="accent1"/>
+            </a:effectRef>
+            <a:fontRef idx="minor">
+              <a:schemeClr val="lt1"/>
+            </a:fontRef>
+          </p:style>
+          <p:txBody>
+            <a:bodyPr rtlCol="0" anchor="ctr"/>
+            <a:lstStyle/>
+            <a:p>
+              <a:pPr algn="ctr"/>
+              <a:endParaRPr lang="en-US">
+                <a:solidFill>
+                  <a:schemeClr val="bg1"/>
+                </a:solidFill>
+              </a:endParaRPr>
+            </a:p>
+          </p:txBody>
+        </p:sp>
+        <p:sp>
+          <p:nvSpPr>
+            <p:cNvPr id="60" name="Oval 59"/>
+            <p:cNvSpPr/>
+            <p:nvPr/>
+          </p:nvSpPr>
+          <p:spPr>
+            <a:xfrm>
+              <a:off x="10528449" y="1582511"/>
+              <a:ext cx="45719" cy="45719"/>
+            </a:xfrm>
+            <a:prstGeom prst="ellipse">
+              <a:avLst/>
+            </a:prstGeom>
+            <a:solidFill>
+              <a:schemeClr val="accent6"/>
+            </a:solidFill>
+            <a:ln>
+              <a:solidFill>
+                <a:schemeClr val="tx1"/>
+              </a:solidFill>
+            </a:ln>
+          </p:spPr>
+          <p:style>
+            <a:lnRef idx="2">
+              <a:schemeClr val="accent1">
+                <a:shade val="50000"/>
+              </a:schemeClr>
+            </a:lnRef>
+            <a:fillRef idx="1">
+              <a:schemeClr val="accent1"/>
+            </a:fillRef>
+            <a:effectRef idx="0">
+              <a:schemeClr val="accent1"/>
+            </a:effectRef>
+            <a:fontRef idx="minor">
+              <a:schemeClr val="lt1"/>
+            </a:fontRef>
+          </p:style>
+          <p:txBody>
+            <a:bodyPr rtlCol="0" anchor="ctr"/>
+            <a:lstStyle/>
+            <a:p>
+              <a:pPr algn="ctr"/>
+              <a:endParaRPr lang="en-US">
+                <a:solidFill>
+                  <a:schemeClr val="bg1"/>
+                </a:solidFill>
+              </a:endParaRPr>
+            </a:p>
+          </p:txBody>
+        </p:sp>
+        <p:sp>
+          <p:nvSpPr>
+            <p:cNvPr id="61" name="Oval 60"/>
+            <p:cNvSpPr/>
+            <p:nvPr/>
+          </p:nvSpPr>
+          <p:spPr>
+            <a:xfrm>
+              <a:off x="10435110" y="1345765"/>
+              <a:ext cx="45719" cy="45719"/>
+            </a:xfrm>
+            <a:prstGeom prst="ellipse">
+              <a:avLst/>
+            </a:prstGeom>
+            <a:solidFill>
+              <a:schemeClr val="accent6"/>
+            </a:solidFill>
+            <a:ln>
+              <a:solidFill>
+                <a:schemeClr val="tx1"/>
+              </a:solidFill>
+            </a:ln>
+          </p:spPr>
+          <p:style>
+            <a:lnRef idx="2">
+              <a:schemeClr val="accent1">
+                <a:shade val="50000"/>
+              </a:schemeClr>
+            </a:lnRef>
+            <a:fillRef idx="1">
+              <a:schemeClr val="accent1"/>
+            </a:fillRef>
+            <a:effectRef idx="0">
+              <a:schemeClr val="accent1"/>
+            </a:effectRef>
+            <a:fontRef idx="minor">
+              <a:schemeClr val="lt1"/>
+            </a:fontRef>
+          </p:style>
+          <p:txBody>
+            <a:bodyPr rtlCol="0" anchor="ctr"/>
+            <a:lstStyle/>
+            <a:p>
+              <a:pPr algn="ctr"/>
+              <a:endParaRPr lang="en-US">
+                <a:solidFill>
+                  <a:schemeClr val="bg1"/>
+                </a:solidFill>
+              </a:endParaRPr>
+            </a:p>
+          </p:txBody>
+        </p:sp>
+        <p:sp>
+          <p:nvSpPr>
+            <p:cNvPr id="62" name="Oval 61"/>
+            <p:cNvSpPr/>
+            <p:nvPr/>
+          </p:nvSpPr>
+          <p:spPr>
+            <a:xfrm>
+              <a:off x="9868372" y="1605370"/>
+              <a:ext cx="45719" cy="45719"/>
+            </a:xfrm>
+            <a:prstGeom prst="ellipse">
+              <a:avLst/>
+            </a:prstGeom>
+            <a:solidFill>
+              <a:schemeClr val="accent6"/>
+            </a:solidFill>
+            <a:ln>
+              <a:solidFill>
+                <a:schemeClr val="tx1"/>
+              </a:solidFill>
+            </a:ln>
+          </p:spPr>
+          <p:style>
+            <a:lnRef idx="2">
+              <a:schemeClr val="accent1">
+                <a:shade val="50000"/>
+              </a:schemeClr>
+            </a:lnRef>
+            <a:fillRef idx="1">
+              <a:schemeClr val="accent1"/>
+            </a:fillRef>
+            <a:effectRef idx="0">
+              <a:schemeClr val="accent1"/>
+            </a:effectRef>
+            <a:fontRef idx="minor">
+              <a:schemeClr val="lt1"/>
+            </a:fontRef>
+          </p:style>
+          <p:txBody>
+            <a:bodyPr rtlCol="0" anchor="ctr"/>
+            <a:lstStyle/>
+            <a:p>
+              <a:pPr algn="ctr"/>
+              <a:endParaRPr lang="en-US">
+                <a:solidFill>
+                  <a:schemeClr val="bg1"/>
+                </a:solidFill>
+              </a:endParaRPr>
+            </a:p>
+          </p:txBody>
+        </p:sp>
+        <p:sp>
+          <p:nvSpPr>
+            <p:cNvPr id="63" name="Oval 62"/>
+            <p:cNvSpPr/>
+            <p:nvPr/>
+          </p:nvSpPr>
+          <p:spPr>
+            <a:xfrm>
+              <a:off x="9875034" y="1671873"/>
+              <a:ext cx="45719" cy="45719"/>
+            </a:xfrm>
+            <a:prstGeom prst="ellipse">
+              <a:avLst/>
+            </a:prstGeom>
+            <a:solidFill>
+              <a:schemeClr val="accent6"/>
+            </a:solidFill>
+            <a:ln>
+              <a:solidFill>
+                <a:schemeClr val="tx1"/>
+              </a:solidFill>
+            </a:ln>
+          </p:spPr>
+          <p:style>
+            <a:lnRef idx="2">
+              <a:schemeClr val="accent1">
+                <a:shade val="50000"/>
+              </a:schemeClr>
+            </a:lnRef>
+            <a:fillRef idx="1">
+              <a:schemeClr val="accent1"/>
+            </a:fillRef>
+            <a:effectRef idx="0">
+              <a:schemeClr val="accent1"/>
+            </a:effectRef>
+            <a:fontRef idx="minor">
+              <a:schemeClr val="lt1"/>
+            </a:fontRef>
+          </p:style>
+          <p:txBody>
+            <a:bodyPr rtlCol="0" anchor="ctr"/>
+            <a:lstStyle/>
+            <a:p>
+              <a:pPr algn="ctr"/>
+              <a:endParaRPr lang="en-US">
+                <a:solidFill>
+                  <a:schemeClr val="bg1"/>
+                </a:solidFill>
+              </a:endParaRPr>
+            </a:p>
+          </p:txBody>
+        </p:sp>
+        <p:sp>
+          <p:nvSpPr>
+            <p:cNvPr id="64" name="Oval 63"/>
+            <p:cNvSpPr/>
+            <p:nvPr/>
+          </p:nvSpPr>
+          <p:spPr>
+            <a:xfrm>
+              <a:off x="9875033" y="1345764"/>
+              <a:ext cx="45719" cy="45719"/>
+            </a:xfrm>
+            <a:prstGeom prst="ellipse">
+              <a:avLst/>
+            </a:prstGeom>
+            <a:solidFill>
+              <a:schemeClr val="accent6"/>
+            </a:solidFill>
+            <a:ln>
+              <a:solidFill>
+                <a:schemeClr val="tx1"/>
+              </a:solidFill>
+            </a:ln>
+          </p:spPr>
+          <p:style>
+            <a:lnRef idx="2">
+              <a:schemeClr val="accent1">
+                <a:shade val="50000"/>
+              </a:schemeClr>
+            </a:lnRef>
+            <a:fillRef idx="1">
+              <a:schemeClr val="accent1"/>
+            </a:fillRef>
+            <a:effectRef idx="0">
+              <a:schemeClr val="accent1"/>
+            </a:effectRef>
+            <a:fontRef idx="minor">
+              <a:schemeClr val="lt1"/>
+            </a:fontRef>
+          </p:style>
+          <p:txBody>
+            <a:bodyPr rtlCol="0" anchor="ctr"/>
+            <a:lstStyle/>
+            <a:p>
+              <a:pPr algn="ctr"/>
+              <a:endParaRPr lang="en-US">
+                <a:solidFill>
+                  <a:schemeClr val="bg1"/>
+                </a:solidFill>
+              </a:endParaRPr>
+            </a:p>
+          </p:txBody>
+        </p:sp>
+        <p:sp>
+          <p:nvSpPr>
+            <p:cNvPr id="65" name="Oval 64"/>
+            <p:cNvSpPr/>
+            <p:nvPr/>
+          </p:nvSpPr>
+          <p:spPr>
+            <a:xfrm>
+              <a:off x="10347004" y="1062397"/>
+              <a:ext cx="45719" cy="45719"/>
+            </a:xfrm>
+            <a:prstGeom prst="ellipse">
+              <a:avLst/>
+            </a:prstGeom>
+            <a:solidFill>
+              <a:schemeClr val="accent6"/>
+            </a:solidFill>
+            <a:ln>
+              <a:solidFill>
+                <a:schemeClr val="tx1"/>
+              </a:solidFill>
+            </a:ln>
+          </p:spPr>
+          <p:style>
+            <a:lnRef idx="2">
+              <a:schemeClr val="accent1">
+                <a:shade val="50000"/>
+              </a:schemeClr>
+            </a:lnRef>
+            <a:fillRef idx="1">
+              <a:schemeClr val="accent1"/>
+            </a:fillRef>
+            <a:effectRef idx="0">
+              <a:schemeClr val="accent1"/>
+            </a:effectRef>
+            <a:fontRef idx="minor">
+              <a:schemeClr val="lt1"/>
+            </a:fontRef>
+          </p:style>
+          <p:txBody>
+            <a:bodyPr rtlCol="0" anchor="ctr"/>
+            <a:lstStyle/>
+            <a:p>
+              <a:pPr algn="ctr"/>
+              <a:endParaRPr lang="en-US">
+                <a:solidFill>
+                  <a:schemeClr val="bg1"/>
+                </a:solidFill>
+              </a:endParaRPr>
+            </a:p>
+          </p:txBody>
+        </p:sp>
+        <p:sp>
+          <p:nvSpPr>
+            <p:cNvPr id="67" name="Oval 66"/>
+            <p:cNvSpPr/>
+            <p:nvPr/>
+          </p:nvSpPr>
+          <p:spPr>
+            <a:xfrm>
+              <a:off x="9985054" y="1062396"/>
+              <a:ext cx="45719" cy="45719"/>
+            </a:xfrm>
+            <a:prstGeom prst="ellipse">
+              <a:avLst/>
+            </a:prstGeom>
+            <a:solidFill>
+              <a:schemeClr val="accent6"/>
+            </a:solidFill>
+            <a:ln>
+              <a:solidFill>
+                <a:schemeClr val="tx1"/>
+              </a:solidFill>
+            </a:ln>
+          </p:spPr>
+          <p:style>
+            <a:lnRef idx="2">
+              <a:schemeClr val="accent1">
+                <a:shade val="50000"/>
+              </a:schemeClr>
+            </a:lnRef>
+            <a:fillRef idx="1">
+              <a:schemeClr val="accent1"/>
+            </a:fillRef>
+            <a:effectRef idx="0">
+              <a:schemeClr val="accent1"/>
+            </a:effectRef>
+            <a:fontRef idx="minor">
+              <a:schemeClr val="lt1"/>
+            </a:fontRef>
+          </p:style>
+          <p:txBody>
+            <a:bodyPr rtlCol="0" anchor="ctr"/>
+            <a:lstStyle/>
+            <a:p>
+              <a:pPr algn="ctr"/>
+              <a:endParaRPr lang="en-US">
+                <a:solidFill>
+                  <a:schemeClr val="bg1"/>
+                </a:solidFill>
+              </a:endParaRPr>
+            </a:p>
+          </p:txBody>
+        </p:sp>
+        <p:sp>
+          <p:nvSpPr>
+            <p:cNvPr id="68" name="Oval 67"/>
+            <p:cNvSpPr/>
+            <p:nvPr/>
+          </p:nvSpPr>
+          <p:spPr>
+            <a:xfrm>
+              <a:off x="10553528" y="1713316"/>
+              <a:ext cx="80026" cy="70897"/>
+            </a:xfrm>
+            <a:prstGeom prst="ellipse">
+              <a:avLst/>
+            </a:prstGeom>
+            <a:solidFill>
+              <a:schemeClr val="accent6"/>
+            </a:solidFill>
+            <a:ln>
+              <a:solidFill>
+                <a:schemeClr val="tx1"/>
+              </a:solidFill>
+            </a:ln>
+          </p:spPr>
+          <p:style>
+            <a:lnRef idx="2">
+              <a:schemeClr val="accent1">
+                <a:shade val="50000"/>
+              </a:schemeClr>
+            </a:lnRef>
+            <a:fillRef idx="1">
+              <a:schemeClr val="accent1"/>
+            </a:fillRef>
+            <a:effectRef idx="0">
+              <a:schemeClr val="accent1"/>
+            </a:effectRef>
+            <a:fontRef idx="minor">
+              <a:schemeClr val="lt1"/>
+            </a:fontRef>
+          </p:style>
+          <p:txBody>
+            <a:bodyPr rtlCol="0" anchor="ctr"/>
+            <a:lstStyle/>
+            <a:p>
+              <a:pPr algn="ctr"/>
+              <a:endParaRPr lang="en-US">
+                <a:solidFill>
+                  <a:schemeClr val="bg1"/>
+                </a:solidFill>
+              </a:endParaRPr>
+            </a:p>
+          </p:txBody>
+        </p:sp>
+        <p:sp>
+          <p:nvSpPr>
+            <p:cNvPr id="69" name="Oval 68"/>
+            <p:cNvSpPr/>
+            <p:nvPr/>
+          </p:nvSpPr>
+          <p:spPr>
+            <a:xfrm>
+              <a:off x="10622834" y="1615640"/>
+              <a:ext cx="80026" cy="70897"/>
+            </a:xfrm>
+            <a:prstGeom prst="ellipse">
+              <a:avLst/>
+            </a:prstGeom>
+            <a:solidFill>
+              <a:schemeClr val="accent6"/>
+            </a:solidFill>
+            <a:ln>
+              <a:solidFill>
+                <a:schemeClr val="tx1"/>
+              </a:solidFill>
+            </a:ln>
+          </p:spPr>
+          <p:style>
+            <a:lnRef idx="2">
+              <a:schemeClr val="accent1">
+                <a:shade val="50000"/>
+              </a:schemeClr>
+            </a:lnRef>
+            <a:fillRef idx="1">
+              <a:schemeClr val="accent1"/>
+            </a:fillRef>
+            <a:effectRef idx="0">
+              <a:schemeClr val="accent1"/>
+            </a:effectRef>
+            <a:fontRef idx="minor">
+              <a:schemeClr val="lt1"/>
+            </a:fontRef>
+          </p:style>
+          <p:txBody>
+            <a:bodyPr rtlCol="0" anchor="ctr"/>
+            <a:lstStyle/>
+            <a:p>
+              <a:pPr algn="ctr"/>
+              <a:endParaRPr lang="en-US">
+                <a:solidFill>
+                  <a:schemeClr val="bg1"/>
+                </a:solidFill>
+              </a:endParaRPr>
+            </a:p>
+          </p:txBody>
+        </p:sp>
+        <p:sp>
+          <p:nvSpPr>
+            <p:cNvPr id="70" name="Oval 69"/>
+            <p:cNvSpPr/>
+            <p:nvPr/>
+          </p:nvSpPr>
+          <p:spPr>
+            <a:xfrm>
+              <a:off x="9857879" y="1748153"/>
+              <a:ext cx="80026" cy="70897"/>
+            </a:xfrm>
+            <a:prstGeom prst="ellipse">
+              <a:avLst/>
+            </a:prstGeom>
+            <a:solidFill>
+              <a:schemeClr val="accent6"/>
+            </a:solidFill>
+            <a:ln>
+              <a:solidFill>
+                <a:schemeClr val="tx1"/>
+              </a:solidFill>
+            </a:ln>
+          </p:spPr>
+          <p:style>
+            <a:lnRef idx="2">
+              <a:schemeClr val="accent1">
+                <a:shade val="50000"/>
+              </a:schemeClr>
+            </a:lnRef>
+            <a:fillRef idx="1">
+              <a:schemeClr val="accent1"/>
+            </a:fillRef>
+            <a:effectRef idx="0">
+              <a:schemeClr val="accent1"/>
+            </a:effectRef>
+            <a:fontRef idx="minor">
+              <a:schemeClr val="lt1"/>
+            </a:fontRef>
+          </p:style>
+          <p:txBody>
+            <a:bodyPr rtlCol="0" anchor="ctr"/>
+            <a:lstStyle/>
+            <a:p>
+              <a:pPr algn="ctr"/>
+              <a:endParaRPr lang="en-US">
+                <a:solidFill>
+                  <a:schemeClr val="bg1"/>
+                </a:solidFill>
+              </a:endParaRPr>
+            </a:p>
+          </p:txBody>
+        </p:sp>
+        <p:sp>
+          <p:nvSpPr>
+            <p:cNvPr id="71" name="Oval 70"/>
+            <p:cNvSpPr/>
+            <p:nvPr/>
+          </p:nvSpPr>
+          <p:spPr>
+            <a:xfrm>
+              <a:off x="9749528" y="1651088"/>
+              <a:ext cx="80026" cy="70897"/>
+            </a:xfrm>
+            <a:prstGeom prst="ellipse">
+              <a:avLst/>
+            </a:prstGeom>
+            <a:solidFill>
+              <a:schemeClr val="accent6"/>
+            </a:solidFill>
+            <a:ln>
+              <a:solidFill>
+                <a:schemeClr val="tx1"/>
+              </a:solidFill>
+            </a:ln>
+          </p:spPr>
+          <p:style>
+            <a:lnRef idx="2">
+              <a:schemeClr val="accent1">
+                <a:shade val="50000"/>
+              </a:schemeClr>
+            </a:lnRef>
+            <a:fillRef idx="1">
+              <a:schemeClr val="accent1"/>
+            </a:fillRef>
+            <a:effectRef idx="0">
+              <a:schemeClr val="accent1"/>
+            </a:effectRef>
+            <a:fontRef idx="minor">
+              <a:schemeClr val="lt1"/>
+            </a:fontRef>
+          </p:style>
+          <p:txBody>
+            <a:bodyPr rtlCol="0" anchor="ctr"/>
+            <a:lstStyle/>
+            <a:p>
+              <a:pPr algn="ctr"/>
+              <a:endParaRPr lang="en-US">
+                <a:solidFill>
+                  <a:schemeClr val="bg1"/>
+                </a:solidFill>
+              </a:endParaRPr>
+            </a:p>
+          </p:txBody>
+        </p:sp>
+        <p:sp>
+          <p:nvSpPr>
+            <p:cNvPr id="72" name="Oval 71"/>
+            <p:cNvSpPr/>
+            <p:nvPr/>
+          </p:nvSpPr>
+          <p:spPr>
+            <a:xfrm>
+              <a:off x="10150768" y="1511614"/>
+              <a:ext cx="80026" cy="70897"/>
+            </a:xfrm>
+            <a:prstGeom prst="ellipse">
+              <a:avLst/>
+            </a:prstGeom>
+            <a:solidFill>
+              <a:schemeClr val="accent6"/>
+            </a:solidFill>
+            <a:ln>
+              <a:solidFill>
+                <a:schemeClr val="tx1"/>
+              </a:solidFill>
+            </a:ln>
+          </p:spPr>
+          <p:style>
+            <a:lnRef idx="2">
+              <a:schemeClr val="accent1">
+                <a:shade val="50000"/>
+              </a:schemeClr>
+            </a:lnRef>
+            <a:fillRef idx="1">
+              <a:schemeClr val="accent1"/>
+            </a:fillRef>
+            <a:effectRef idx="0">
+              <a:schemeClr val="accent1"/>
+            </a:effectRef>
+            <a:fontRef idx="minor">
+              <a:schemeClr val="lt1"/>
+            </a:fontRef>
+          </p:style>
+          <p:txBody>
+            <a:bodyPr rtlCol="0" anchor="ctr"/>
+            <a:lstStyle/>
+            <a:p>
+              <a:pPr algn="ctr"/>
+              <a:endParaRPr lang="en-US">
+                <a:solidFill>
+                  <a:schemeClr val="bg1"/>
+                </a:solidFill>
+              </a:endParaRPr>
+            </a:p>
+          </p:txBody>
+        </p:sp>
+        <p:sp>
+          <p:nvSpPr>
+            <p:cNvPr id="73" name="Oval 72"/>
+            <p:cNvSpPr/>
+            <p:nvPr/>
+          </p:nvSpPr>
+          <p:spPr>
+            <a:xfrm>
+              <a:off x="10246991" y="1514640"/>
+              <a:ext cx="80026" cy="70897"/>
+            </a:xfrm>
+            <a:prstGeom prst="ellipse">
+              <a:avLst/>
+            </a:prstGeom>
+            <a:solidFill>
+              <a:schemeClr val="accent6"/>
+            </a:solidFill>
+            <a:ln>
+              <a:solidFill>
+                <a:schemeClr val="tx1"/>
+              </a:solidFill>
+            </a:ln>
+          </p:spPr>
+          <p:style>
+            <a:lnRef idx="2">
+              <a:schemeClr val="accent1">
+                <a:shade val="50000"/>
+              </a:schemeClr>
+            </a:lnRef>
+            <a:fillRef idx="1">
+              <a:schemeClr val="accent1"/>
+            </a:fillRef>
+            <a:effectRef idx="0">
+              <a:schemeClr val="accent1"/>
+            </a:effectRef>
+            <a:fontRef idx="minor">
+              <a:schemeClr val="lt1"/>
+            </a:fontRef>
+          </p:style>
+          <p:txBody>
+            <a:bodyPr rtlCol="0" anchor="ctr"/>
+            <a:lstStyle/>
+            <a:p>
+              <a:pPr algn="ctr"/>
+              <a:endParaRPr lang="en-US">
+                <a:solidFill>
+                  <a:schemeClr val="bg1"/>
+                </a:solidFill>
+              </a:endParaRPr>
+            </a:p>
+          </p:txBody>
+        </p:sp>
+        <p:sp>
+          <p:nvSpPr>
+            <p:cNvPr id="74" name="Oval 73"/>
+            <p:cNvSpPr/>
+            <p:nvPr/>
+          </p:nvSpPr>
+          <p:spPr>
+            <a:xfrm>
+              <a:off x="10054545" y="1511613"/>
+              <a:ext cx="80026" cy="70897"/>
+            </a:xfrm>
+            <a:prstGeom prst="ellipse">
+              <a:avLst/>
+            </a:prstGeom>
+            <a:solidFill>
+              <a:schemeClr val="accent6"/>
+            </a:solidFill>
+            <a:ln>
+              <a:solidFill>
+                <a:schemeClr val="tx1"/>
+              </a:solidFill>
+            </a:ln>
+          </p:spPr>
+          <p:style>
+            <a:lnRef idx="2">
+              <a:schemeClr val="accent1">
+                <a:shade val="50000"/>
+              </a:schemeClr>
+            </a:lnRef>
+            <a:fillRef idx="1">
+              <a:schemeClr val="accent1"/>
+            </a:fillRef>
+            <a:effectRef idx="0">
+              <a:schemeClr val="accent1"/>
+            </a:effectRef>
+            <a:fontRef idx="minor">
+              <a:schemeClr val="lt1"/>
+            </a:fontRef>
+          </p:style>
+          <p:txBody>
+            <a:bodyPr rtlCol="0" anchor="ctr"/>
+            <a:lstStyle/>
+            <a:p>
+              <a:pPr algn="ctr"/>
+              <a:endParaRPr lang="en-US">
+                <a:solidFill>
+                  <a:schemeClr val="bg1"/>
+                </a:solidFill>
+              </a:endParaRPr>
+            </a:p>
+          </p:txBody>
+        </p:sp>
+        <p:sp>
+          <p:nvSpPr>
+            <p:cNvPr id="75" name="Oval 74"/>
+            <p:cNvSpPr/>
+            <p:nvPr/>
+          </p:nvSpPr>
+          <p:spPr>
+            <a:xfrm>
+              <a:off x="10150768" y="1242383"/>
+              <a:ext cx="80026" cy="70897"/>
+            </a:xfrm>
+            <a:prstGeom prst="ellipse">
+              <a:avLst/>
+            </a:prstGeom>
+            <a:solidFill>
+              <a:schemeClr val="accent6"/>
+            </a:solidFill>
+            <a:ln>
+              <a:solidFill>
+                <a:schemeClr val="tx1"/>
+              </a:solidFill>
+            </a:ln>
+          </p:spPr>
+          <p:style>
+            <a:lnRef idx="2">
+              <a:schemeClr val="accent1">
+                <a:shade val="50000"/>
+              </a:schemeClr>
+            </a:lnRef>
+            <a:fillRef idx="1">
+              <a:schemeClr val="accent1"/>
+            </a:fillRef>
+            <a:effectRef idx="0">
+              <a:schemeClr val="accent1"/>
+            </a:effectRef>
+            <a:fontRef idx="minor">
+              <a:schemeClr val="lt1"/>
+            </a:fontRef>
+          </p:style>
+          <p:txBody>
+            <a:bodyPr rtlCol="0" anchor="ctr"/>
+            <a:lstStyle/>
+            <a:p>
+              <a:pPr algn="ctr"/>
+              <a:endParaRPr lang="en-US">
+                <a:solidFill>
+                  <a:schemeClr val="bg1"/>
+                </a:solidFill>
+              </a:endParaRPr>
+            </a:p>
+          </p:txBody>
+        </p:sp>
+        <p:sp>
+          <p:nvSpPr>
+            <p:cNvPr id="76" name="Oval 75"/>
+            <p:cNvSpPr/>
+            <p:nvPr/>
+          </p:nvSpPr>
+          <p:spPr>
+            <a:xfrm>
+              <a:off x="10148875" y="1044050"/>
+              <a:ext cx="80026" cy="70897"/>
+            </a:xfrm>
+            <a:prstGeom prst="ellipse">
+              <a:avLst/>
+            </a:prstGeom>
+            <a:solidFill>
+              <a:schemeClr val="accent6"/>
+            </a:solidFill>
+            <a:ln>
+              <a:solidFill>
+                <a:schemeClr val="tx1"/>
+              </a:solidFill>
+            </a:ln>
+          </p:spPr>
+          <p:style>
+            <a:lnRef idx="2">
+              <a:schemeClr val="accent1">
+                <a:shade val="50000"/>
+              </a:schemeClr>
+            </a:lnRef>
+            <a:fillRef idx="1">
+              <a:schemeClr val="accent1"/>
+            </a:fillRef>
+            <a:effectRef idx="0">
+              <a:schemeClr val="accent1"/>
+            </a:effectRef>
+            <a:fontRef idx="minor">
+              <a:schemeClr val="lt1"/>
+            </a:fontRef>
+          </p:style>
+          <p:txBody>
+            <a:bodyPr rtlCol="0" anchor="ctr"/>
+            <a:lstStyle/>
+            <a:p>
+              <a:pPr algn="ctr"/>
+              <a:endParaRPr lang="en-US">
+                <a:solidFill>
+                  <a:schemeClr val="bg1"/>
+                </a:solidFill>
+              </a:endParaRPr>
+            </a:p>
+          </p:txBody>
+        </p:sp>
+        <p:sp>
+          <p:nvSpPr>
+            <p:cNvPr id="77" name="Oval 76"/>
+            <p:cNvSpPr/>
+            <p:nvPr/>
+          </p:nvSpPr>
+          <p:spPr>
+            <a:xfrm>
+              <a:off x="10148875" y="954225"/>
+              <a:ext cx="80026" cy="70897"/>
+            </a:xfrm>
+            <a:prstGeom prst="ellipse">
+              <a:avLst/>
+            </a:prstGeom>
+            <a:solidFill>
+              <a:schemeClr val="accent6"/>
+            </a:solidFill>
+            <a:ln>
+              <a:solidFill>
+                <a:schemeClr val="tx1"/>
+              </a:solidFill>
+            </a:ln>
+          </p:spPr>
+          <p:style>
+            <a:lnRef idx="2">
+              <a:schemeClr val="accent1">
+                <a:shade val="50000"/>
+              </a:schemeClr>
+            </a:lnRef>
+            <a:fillRef idx="1">
+              <a:schemeClr val="accent1"/>
+            </a:fillRef>
+            <a:effectRef idx="0">
+              <a:schemeClr val="accent1"/>
+            </a:effectRef>
+            <a:fontRef idx="minor">
+              <a:schemeClr val="lt1"/>
+            </a:fontRef>
+          </p:style>
+          <p:txBody>
+            <a:bodyPr rtlCol="0" anchor="ctr"/>
+            <a:lstStyle/>
+            <a:p>
+              <a:pPr algn="ctr"/>
+              <a:endParaRPr lang="en-US">
+                <a:solidFill>
+                  <a:schemeClr val="bg1"/>
+                </a:solidFill>
+              </a:endParaRPr>
+            </a:p>
+          </p:txBody>
+        </p:sp>
+        <p:sp>
+          <p:nvSpPr>
+            <p:cNvPr id="87" name="Oval 86"/>
+            <p:cNvSpPr/>
+            <p:nvPr/>
+          </p:nvSpPr>
+          <p:spPr>
+            <a:xfrm>
+              <a:off x="10134571" y="793986"/>
+              <a:ext cx="102885" cy="105863"/>
+            </a:xfrm>
+            <a:prstGeom prst="ellipse">
+              <a:avLst/>
+            </a:prstGeom>
+            <a:solidFill>
+              <a:schemeClr val="accent6"/>
+            </a:solidFill>
+            <a:ln>
+              <a:solidFill>
+                <a:schemeClr val="tx1"/>
+              </a:solidFill>
+            </a:ln>
+          </p:spPr>
+          <p:style>
+            <a:lnRef idx="2">
+              <a:schemeClr val="accent1">
+                <a:shade val="50000"/>
+              </a:schemeClr>
+            </a:lnRef>
+            <a:fillRef idx="1">
+              <a:schemeClr val="accent1"/>
+            </a:fillRef>
+            <a:effectRef idx="0">
+              <a:schemeClr val="accent1"/>
+            </a:effectRef>
+            <a:fontRef idx="minor">
+              <a:schemeClr val="lt1"/>
+            </a:fontRef>
+          </p:style>
+          <p:txBody>
+            <a:bodyPr rtlCol="0" anchor="ctr"/>
+            <a:lstStyle/>
+            <a:p>
+              <a:pPr algn="ctr"/>
+              <a:endParaRPr lang="en-US">
+                <a:solidFill>
+                  <a:schemeClr val="bg1"/>
+                </a:solidFill>
+              </a:endParaRPr>
+            </a:p>
+          </p:txBody>
+        </p:sp>
+      </p:grpSp>
+      <p:sp>
+        <p:nvSpPr>
+          <p:cNvPr id="3" name="Rounded Rectangle 2"/>
+          <p:cNvSpPr/>
+          <p:nvPr/>
+        </p:nvSpPr>
+        <p:spPr>
+          <a:xfrm>
+            <a:off x="2518931" y="3650521"/>
+            <a:ext cx="5706677" cy="1557205"/>
+          </a:xfrm>
+          <a:prstGeom prst="roundRect">
+            <a:avLst/>
+          </a:prstGeom>
+          <a:noFill/>
+          <a:ln w="76200">
+            <a:solidFill>
+              <a:schemeClr val="accent6"/>
+            </a:solidFill>
+          </a:ln>
+        </p:spPr>
+        <p:style>
+          <a:lnRef idx="2">
+            <a:schemeClr val="accent1">
+              <a:shade val="50000"/>
+            </a:schemeClr>
+          </a:lnRef>
+          <a:fillRef idx="1">
+            <a:schemeClr val="accent1"/>
+          </a:fillRef>
+          <a:effectRef idx="0">
+            <a:schemeClr val="accent1"/>
+          </a:effectRef>
+          <a:fontRef idx="minor">
+            <a:schemeClr val="lt1"/>
+          </a:fontRef>
+        </p:style>
+        <p:txBody>
+          <a:bodyPr rtlCol="0" anchor="ctr"/>
+          <a:lstStyle/>
+          <a:p>
+            <a:pPr algn="ctr"/>
+            <a:endParaRPr lang="en-US"/>
+          </a:p>
+        </p:txBody>
+      </p:sp>
+      <p:sp>
+        <p:nvSpPr>
+          <p:cNvPr id="91" name="Rounded Rectangle 90"/>
+          <p:cNvSpPr/>
+          <p:nvPr/>
+        </p:nvSpPr>
+        <p:spPr>
+          <a:xfrm>
+            <a:off x="199530" y="3626145"/>
+            <a:ext cx="1865425" cy="812179"/>
+          </a:xfrm>
+          <a:prstGeom prst="roundRect">
+            <a:avLst/>
+          </a:prstGeom>
+          <a:noFill/>
+          <a:ln w="76200">
+            <a:solidFill>
+              <a:schemeClr val="accent4"/>
+            </a:solidFill>
+          </a:ln>
+        </p:spPr>
+        <p:style>
+          <a:lnRef idx="2">
+            <a:schemeClr val="accent1">
+              <a:shade val="50000"/>
+            </a:schemeClr>
+          </a:lnRef>
+          <a:fillRef idx="1">
+            <a:schemeClr val="accent1"/>
+          </a:fillRef>
+          <a:effectRef idx="0">
+            <a:schemeClr val="accent1"/>
+          </a:effectRef>
+          <a:fontRef idx="minor">
+            <a:schemeClr val="lt1"/>
+          </a:fontRef>
+        </p:style>
+        <p:txBody>
+          <a:bodyPr rtlCol="0" anchor="ctr"/>
+          <a:lstStyle/>
+          <a:p>
+            <a:pPr algn="ctr"/>
+            <a:endParaRPr lang="en-US"/>
+          </a:p>
+        </p:txBody>
+      </p:sp>
+      <p:sp>
+        <p:nvSpPr>
+          <p:cNvPr id="92" name="Rounded Rectangle 91"/>
+          <p:cNvSpPr/>
+          <p:nvPr/>
+        </p:nvSpPr>
+        <p:spPr>
+          <a:xfrm>
+            <a:off x="2755951" y="5898056"/>
+            <a:ext cx="2542903" cy="659614"/>
+          </a:xfrm>
+          <a:prstGeom prst="roundRect">
+            <a:avLst/>
+          </a:prstGeom>
+          <a:noFill/>
+          <a:ln w="76200">
+            <a:solidFill>
+              <a:schemeClr val="accent6"/>
+            </a:solidFill>
+          </a:ln>
+        </p:spPr>
+        <p:style>
+          <a:lnRef idx="2">
+            <a:schemeClr val="accent1">
+              <a:shade val="50000"/>
+            </a:schemeClr>
+          </a:lnRef>
+          <a:fillRef idx="1">
+            <a:schemeClr val="accent1"/>
+          </a:fillRef>
+          <a:effectRef idx="0">
+            <a:schemeClr val="accent1"/>
+          </a:effectRef>
+          <a:fontRef idx="minor">
+            <a:schemeClr val="lt1"/>
+          </a:fontRef>
+        </p:style>
+        <p:txBody>
+          <a:bodyPr rtlCol="0" anchor="ctr"/>
+          <a:lstStyle/>
+          <a:p>
+            <a:pPr algn="ctr"/>
+            <a:endParaRPr lang="en-US"/>
+          </a:p>
+        </p:txBody>
+      </p:sp>
+      <p:sp>
+        <p:nvSpPr>
+          <p:cNvPr id="93" name="TextBox 92"/>
+          <p:cNvSpPr txBox="1"/>
+          <p:nvPr/>
+        </p:nvSpPr>
+        <p:spPr>
+          <a:xfrm>
+            <a:off x="441373" y="4646183"/>
+            <a:ext cx="1331448" cy="338554"/>
+          </a:xfrm>
+          <a:prstGeom prst="rect">
+            <a:avLst/>
+          </a:prstGeom>
+          <a:solidFill>
+            <a:schemeClr val="bg1"/>
+          </a:solidFill>
+          <a:ln w="57150">
+            <a:solidFill>
+              <a:schemeClr val="accent6"/>
+            </a:solidFill>
+          </a:ln>
+        </p:spPr>
+        <p:txBody>
+          <a:bodyPr wrap="square" rtlCol="0">
+            <a:spAutoFit/>
+          </a:bodyPr>
+          <a:lstStyle/>
+          <a:p>
+            <a:r>
+              <a:rPr lang="en-US" sz="1600" dirty="0"/>
+              <a:t>Completed</a:t>
+            </a:r>
+          </a:p>
+        </p:txBody>
+      </p:sp>
+      <p:sp>
+        <p:nvSpPr>
+          <p:cNvPr id="94" name="TextBox 93"/>
+          <p:cNvSpPr txBox="1"/>
+          <p:nvPr/>
+        </p:nvSpPr>
+        <p:spPr>
+          <a:xfrm>
+            <a:off x="441372" y="5059577"/>
+            <a:ext cx="1331449" cy="584775"/>
+          </a:xfrm>
+          <a:prstGeom prst="rect">
+            <a:avLst/>
+          </a:prstGeom>
+          <a:noFill/>
+          <a:ln w="57150">
+            <a:solidFill>
+              <a:schemeClr val="accent4"/>
+            </a:solidFill>
+          </a:ln>
+        </p:spPr>
+        <p:txBody>
+          <a:bodyPr wrap="square" rtlCol="0">
+            <a:spAutoFit/>
+          </a:bodyPr>
+          <a:lstStyle/>
+          <a:p>
+            <a:r>
+              <a:rPr lang="en-US" sz="1600" dirty="0"/>
+              <a:t>Requires Refinement</a:t>
+            </a:r>
+          </a:p>
+        </p:txBody>
+      </p:sp>
+      <p:sp>
+        <p:nvSpPr>
+          <p:cNvPr id="95" name="TextBox 94"/>
+          <p:cNvSpPr txBox="1"/>
+          <p:nvPr/>
+        </p:nvSpPr>
+        <p:spPr>
+          <a:xfrm>
+            <a:off x="448749" y="5719192"/>
+            <a:ext cx="1315920" cy="584775"/>
+          </a:xfrm>
+          <a:prstGeom prst="rect">
+            <a:avLst/>
+          </a:prstGeom>
+          <a:noFill/>
+          <a:ln w="57150">
+            <a:solidFill>
+              <a:srgbClr val="C00000"/>
+            </a:solidFill>
+          </a:ln>
+        </p:spPr>
+        <p:txBody>
+          <a:bodyPr wrap="square" rtlCol="0">
+            <a:spAutoFit/>
+          </a:bodyPr>
+          <a:lstStyle/>
+          <a:p>
+            <a:r>
+              <a:rPr lang="en-US" sz="1600" dirty="0"/>
+              <a:t>Not yet Implemented</a:t>
+            </a:r>
+          </a:p>
+        </p:txBody>
+      </p:sp>
+      <p:sp>
+        <p:nvSpPr>
+          <p:cNvPr id="96" name="TextBox 95"/>
+          <p:cNvSpPr txBox="1"/>
+          <p:nvPr/>
+        </p:nvSpPr>
+        <p:spPr>
+          <a:xfrm>
+            <a:off x="4953638" y="5317365"/>
+            <a:ext cx="684763" cy="338554"/>
+          </a:xfrm>
+          <a:prstGeom prst="rect">
+            <a:avLst/>
+          </a:prstGeom>
+          <a:solidFill>
+            <a:schemeClr val="accent3">
+              <a:lumMod val="50000"/>
+            </a:schemeClr>
+          </a:solidFill>
+          <a:ln>
+            <a:solidFill>
+              <a:schemeClr val="tx1"/>
+            </a:solidFill>
+          </a:ln>
+        </p:spPr>
+        <p:txBody>
+          <a:bodyPr wrap="square" rtlCol="0">
+            <a:spAutoFit/>
+          </a:bodyPr>
+          <a:lstStyle/>
+          <a:p>
+            <a:r>
+              <a:rPr lang="en-US" sz="1600" dirty="0" err="1">
+                <a:solidFill>
+                  <a:schemeClr val="bg1"/>
+                </a:solidFill>
+              </a:rPr>
+              <a:t>Vicon</a:t>
+            </a:r>
+            <a:endParaRPr lang="en-US" sz="1600" dirty="0">
+              <a:solidFill>
+                <a:schemeClr val="bg1"/>
+              </a:solidFill>
+            </a:endParaRPr>
+          </a:p>
+        </p:txBody>
+      </p:sp>
+      <p:sp>
+        <p:nvSpPr>
+          <p:cNvPr id="97" name="Rounded Rectangle 96"/>
+          <p:cNvSpPr/>
+          <p:nvPr/>
+        </p:nvSpPr>
+        <p:spPr>
+          <a:xfrm>
+            <a:off x="2291061" y="3424666"/>
+            <a:ext cx="6148812" cy="2340408"/>
+          </a:xfrm>
+          <a:prstGeom prst="roundRect">
+            <a:avLst/>
+          </a:prstGeom>
+          <a:noFill/>
+          <a:ln w="76200">
+            <a:solidFill>
+              <a:schemeClr val="accent6"/>
+            </a:solidFill>
+          </a:ln>
+        </p:spPr>
+        <p:style>
+          <a:lnRef idx="2">
+            <a:schemeClr val="accent1">
+              <a:shade val="50000"/>
+            </a:schemeClr>
+          </a:lnRef>
+          <a:fillRef idx="1">
+            <a:schemeClr val="accent1"/>
+          </a:fillRef>
+          <a:effectRef idx="0">
+            <a:schemeClr val="accent1"/>
+          </a:effectRef>
+          <a:fontRef idx="minor">
+            <a:schemeClr val="lt1"/>
+          </a:fontRef>
+        </p:style>
+        <p:txBody>
+          <a:bodyPr rtlCol="0" anchor="ctr"/>
+          <a:lstStyle/>
+          <a:p>
+            <a:pPr algn="ctr"/>
+            <a:endParaRPr lang="en-US"/>
+          </a:p>
+        </p:txBody>
+      </p:sp>
+      <p:sp>
+        <p:nvSpPr>
+          <p:cNvPr id="98" name="TextBox 97"/>
+          <p:cNvSpPr txBox="1"/>
+          <p:nvPr/>
+        </p:nvSpPr>
+        <p:spPr>
+          <a:xfrm>
+            <a:off x="6773648" y="3809208"/>
+            <a:ext cx="1201890" cy="584775"/>
+          </a:xfrm>
+          <a:prstGeom prst="rect">
+            <a:avLst/>
+          </a:prstGeom>
+          <a:solidFill>
+            <a:schemeClr val="accent6">
+              <a:lumMod val="50000"/>
+            </a:schemeClr>
+          </a:solidFill>
+          <a:ln>
+            <a:solidFill>
+              <a:schemeClr val="tx1"/>
+            </a:solidFill>
+          </a:ln>
+        </p:spPr>
+        <p:txBody>
+          <a:bodyPr wrap="square" rtlCol="0">
+            <a:spAutoFit/>
+          </a:bodyPr>
+          <a:lstStyle/>
+          <a:p>
+            <a:r>
+              <a:rPr lang="en-US" sz="1600" dirty="0">
+                <a:solidFill>
+                  <a:schemeClr val="bg1"/>
+                </a:solidFill>
+              </a:rPr>
+              <a:t>Obtain joint of interest</a:t>
+            </a:r>
+          </a:p>
+        </p:txBody>
+      </p:sp>
+    </p:spTree>
+    <p:extLst>
+      <p:ext uri="{BB962C8B-B14F-4D97-AF65-F5344CB8AC3E}">
+        <p14:creationId xmlns:p14="http://schemas.microsoft.com/office/powerpoint/2010/main" val="1276121920"/>
+      </p:ext>
+    </p:extLst>
+  </p:cSld>
+  <p:clrMapOvr>
+    <a:masterClrMapping/>
+  </p:clrMapOvr>
+</p:sld>
+</file>
+
+<file path=ppt/slides/slide6.xml><?xml version="1.0" encoding="utf-8"?>
+<p:sld xmlns:a="http://schemas.openxmlformats.org/drawingml/2006/main" xmlns:r="http://schemas.openxmlformats.org/officeDocument/2006/relationships" xmlns:p="http://schemas.openxmlformats.org/presentationml/2006/main">
+  <p:cSld>
+    <p:spTree>
+      <p:nvGrpSpPr>
+        <p:cNvPr id="1" name=""/>
+        <p:cNvGrpSpPr/>
+        <p:nvPr/>
+      </p:nvGrpSpPr>
+      <p:grpSpPr>
+        <a:xfrm>
+          <a:off x="0" y="0"/>
+          <a:ext cx="0" cy="0"/>
+          <a:chOff x="0" y="0"/>
+          <a:chExt cx="0" cy="0"/>
+        </a:xfrm>
+      </p:grpSpPr>
+      <p:sp>
+        <p:nvSpPr>
+          <p:cNvPr id="2" name="Rectangle 1"/>
+          <p:cNvSpPr/>
+          <p:nvPr/>
+        </p:nvSpPr>
+        <p:spPr>
+          <a:xfrm>
+            <a:off x="2759184" y="483541"/>
+            <a:ext cx="1966823" cy="715993"/>
+          </a:xfrm>
+          <a:prstGeom prst="rect">
+            <a:avLst/>
+          </a:prstGeom>
+          <a:solidFill>
+            <a:schemeClr val="accent4">
+              <a:lumMod val="75000"/>
+            </a:schemeClr>
+          </a:solidFill>
+          <a:ln>
+            <a:solidFill>
+              <a:schemeClr val="tx1"/>
+            </a:solidFill>
+          </a:ln>
+        </p:spPr>
+        <p:style>
+          <a:lnRef idx="2">
+            <a:schemeClr val="accent1">
+              <a:shade val="50000"/>
+            </a:schemeClr>
+          </a:lnRef>
+          <a:fillRef idx="1">
+            <a:schemeClr val="accent1"/>
+          </a:fillRef>
+          <a:effectRef idx="0">
+            <a:schemeClr val="accent1"/>
+          </a:effectRef>
+          <a:fontRef idx="minor">
+            <a:schemeClr val="lt1"/>
+          </a:fontRef>
+        </p:style>
+        <p:txBody>
+          <a:bodyPr rtlCol="0" anchor="ctr"/>
+          <a:lstStyle/>
+          <a:p>
+            <a:pPr algn="ctr"/>
+            <a:r>
+              <a:rPr lang="en-US" dirty="0">
+                <a:solidFill>
+                  <a:schemeClr val="bg1"/>
+                </a:solidFill>
+              </a:rPr>
+              <a:t>Standby</a:t>
+            </a:r>
+            <a:endParaRPr lang="en-US" dirty="0">
+              <a:solidFill>
+                <a:schemeClr val="tx1"/>
+              </a:solidFill>
+            </a:endParaRPr>
+          </a:p>
+        </p:txBody>
+      </p:sp>
+      <p:sp>
+        <p:nvSpPr>
+          <p:cNvPr id="3" name="Rectangle 2"/>
+          <p:cNvSpPr/>
+          <p:nvPr/>
+        </p:nvSpPr>
+        <p:spPr>
+          <a:xfrm>
+            <a:off x="5217713" y="492168"/>
+            <a:ext cx="2044460" cy="707366"/>
+          </a:xfrm>
+          <a:prstGeom prst="rect">
+            <a:avLst/>
+          </a:prstGeom>
+          <a:solidFill>
+            <a:schemeClr val="accent4">
+              <a:lumMod val="75000"/>
+            </a:schemeClr>
+          </a:solidFill>
+          <a:ln>
+            <a:solidFill>
+              <a:schemeClr val="tx1"/>
+            </a:solidFill>
+          </a:ln>
+        </p:spPr>
+        <p:style>
+          <a:lnRef idx="2">
+            <a:schemeClr val="accent1">
+              <a:shade val="50000"/>
+            </a:schemeClr>
+          </a:lnRef>
+          <a:fillRef idx="1">
+            <a:schemeClr val="accent1"/>
+          </a:fillRef>
+          <a:effectRef idx="0">
+            <a:schemeClr val="accent1"/>
+          </a:effectRef>
+          <a:fontRef idx="minor">
+            <a:schemeClr val="lt1"/>
+          </a:fontRef>
+        </p:style>
+        <p:txBody>
+          <a:bodyPr rtlCol="0" anchor="ctr"/>
+          <a:lstStyle/>
+          <a:p>
+            <a:pPr algn="ctr"/>
+            <a:r>
+              <a:rPr lang="en-US" dirty="0">
+                <a:solidFill>
+                  <a:schemeClr val="bg1"/>
+                </a:solidFill>
+              </a:rPr>
+              <a:t>Tracked Body?</a:t>
+            </a:r>
+          </a:p>
+        </p:txBody>
+      </p:sp>
+      <p:cxnSp>
+        <p:nvCxnSpPr>
+          <p:cNvPr id="5" name="Straight Arrow Connector 4"/>
+          <p:cNvCxnSpPr>
+            <a:endCxn id="3" idx="1"/>
+          </p:cNvCxnSpPr>
+          <p:nvPr/>
+        </p:nvCxnSpPr>
+        <p:spPr>
+          <a:xfrm flipV="1">
+            <a:off x="4764825" y="845851"/>
+            <a:ext cx="452888" cy="4314"/>
+          </a:xfrm>
+          <a:prstGeom prst="straightConnector1">
+            <a:avLst/>
+          </a:prstGeom>
+          <a:ln>
+            <a:solidFill>
+              <a:schemeClr val="tx1"/>
+            </a:solidFill>
+            <a:tailEnd type="triangle"/>
+          </a:ln>
+        </p:spPr>
+        <p:style>
+          <a:lnRef idx="1">
+            <a:schemeClr val="accent1"/>
+          </a:lnRef>
+          <a:fillRef idx="0">
+            <a:schemeClr val="accent1"/>
+          </a:fillRef>
+          <a:effectRef idx="0">
+            <a:schemeClr val="accent1"/>
+          </a:effectRef>
+          <a:fontRef idx="minor">
+            <a:schemeClr val="tx1"/>
+          </a:fontRef>
+        </p:style>
+      </p:cxnSp>
+      <p:sp>
+        <p:nvSpPr>
+          <p:cNvPr id="31" name="Rectangle 30"/>
+          <p:cNvSpPr/>
+          <p:nvPr/>
+        </p:nvSpPr>
+        <p:spPr>
+          <a:xfrm>
+            <a:off x="274775" y="483540"/>
+            <a:ext cx="2122099" cy="715993"/>
+          </a:xfrm>
+          <a:prstGeom prst="rect">
+            <a:avLst/>
+          </a:prstGeom>
+          <a:solidFill>
+            <a:schemeClr val="accent1">
+              <a:lumMod val="50000"/>
+            </a:schemeClr>
+          </a:solidFill>
+          <a:ln>
+            <a:solidFill>
+              <a:schemeClr val="tx1"/>
+            </a:solidFill>
+          </a:ln>
+        </p:spPr>
+        <p:style>
+          <a:lnRef idx="2">
+            <a:schemeClr val="accent1">
+              <a:shade val="50000"/>
+            </a:schemeClr>
+          </a:lnRef>
+          <a:fillRef idx="1">
+            <a:schemeClr val="accent1"/>
+          </a:fillRef>
+          <a:effectRef idx="0">
+            <a:schemeClr val="accent1"/>
+          </a:effectRef>
+          <a:fontRef idx="minor">
+            <a:schemeClr val="lt1"/>
+          </a:fontRef>
+        </p:style>
+        <p:txBody>
+          <a:bodyPr rtlCol="0" anchor="ctr"/>
+          <a:lstStyle/>
+          <a:p>
+            <a:pPr algn="ctr"/>
+            <a:r>
+              <a:rPr lang="en-US" dirty="0">
+                <a:solidFill>
+                  <a:schemeClr val="bg1"/>
+                </a:solidFill>
+              </a:rPr>
+              <a:t>Render Initial View</a:t>
+            </a:r>
+          </a:p>
+        </p:txBody>
+      </p:sp>
+      <p:cxnSp>
+        <p:nvCxnSpPr>
+          <p:cNvPr id="33" name="Straight Arrow Connector 32"/>
+          <p:cNvCxnSpPr>
+            <a:stCxn id="31" idx="3"/>
+            <a:endCxn id="2" idx="1"/>
+          </p:cNvCxnSpPr>
+          <p:nvPr/>
+        </p:nvCxnSpPr>
+        <p:spPr>
+          <a:xfrm>
+            <a:off x="2396874" y="841537"/>
+            <a:ext cx="362310" cy="1"/>
+          </a:xfrm>
+          <a:prstGeom prst="straightConnector1">
+            <a:avLst/>
+          </a:prstGeom>
+          <a:ln>
+            <a:solidFill>
+              <a:schemeClr val="tx1"/>
+            </a:solidFill>
+            <a:tailEnd type="triangle"/>
+          </a:ln>
+        </p:spPr>
+        <p:style>
+          <a:lnRef idx="1">
+            <a:schemeClr val="accent1"/>
+          </a:lnRef>
+          <a:fillRef idx="0">
+            <a:schemeClr val="accent1"/>
+          </a:fillRef>
+          <a:effectRef idx="0">
+            <a:schemeClr val="accent1"/>
+          </a:effectRef>
+          <a:fontRef idx="minor">
+            <a:schemeClr val="tx1"/>
+          </a:fontRef>
+        </p:style>
+      </p:cxnSp>
+      <p:cxnSp>
+        <p:nvCxnSpPr>
+          <p:cNvPr id="54" name="Straight Arrow Connector 53"/>
+          <p:cNvCxnSpPr>
+            <a:stCxn id="9" idx="3"/>
+            <a:endCxn id="58" idx="0"/>
+          </p:cNvCxnSpPr>
+          <p:nvPr/>
+        </p:nvCxnSpPr>
+        <p:spPr>
+          <a:xfrm>
+            <a:off x="5071844" y="3258875"/>
+            <a:ext cx="1195486" cy="488722"/>
+          </a:xfrm>
+          <a:prstGeom prst="straightConnector1">
+            <a:avLst/>
+          </a:prstGeom>
+          <a:ln>
+            <a:solidFill>
+              <a:schemeClr val="tx1"/>
+            </a:solidFill>
+            <a:tailEnd type="triangle"/>
+          </a:ln>
+        </p:spPr>
+        <p:style>
+          <a:lnRef idx="1">
+            <a:schemeClr val="accent1"/>
+          </a:lnRef>
+          <a:fillRef idx="0">
+            <a:schemeClr val="accent1"/>
+          </a:fillRef>
+          <a:effectRef idx="0">
+            <a:schemeClr val="accent1"/>
+          </a:effectRef>
+          <a:fontRef idx="minor">
+            <a:schemeClr val="tx1"/>
+          </a:fontRef>
+        </p:style>
+      </p:cxnSp>
+      <p:sp>
+        <p:nvSpPr>
+          <p:cNvPr id="58" name="Rectangle 57"/>
+          <p:cNvSpPr/>
+          <p:nvPr/>
+        </p:nvSpPr>
+        <p:spPr>
+          <a:xfrm>
+            <a:off x="5587391" y="3747597"/>
+            <a:ext cx="1359877" cy="715993"/>
+          </a:xfrm>
+          <a:prstGeom prst="rect">
+            <a:avLst/>
+          </a:prstGeom>
+          <a:solidFill>
+            <a:srgbClr val="C00000"/>
+          </a:solidFill>
+          <a:ln>
+            <a:solidFill>
+              <a:schemeClr val="tx1"/>
+            </a:solidFill>
+          </a:ln>
+        </p:spPr>
+        <p:style>
+          <a:lnRef idx="2">
+            <a:schemeClr val="accent1">
+              <a:shade val="50000"/>
+            </a:schemeClr>
+          </a:lnRef>
+          <a:fillRef idx="1">
+            <a:schemeClr val="accent1"/>
+          </a:fillRef>
+          <a:effectRef idx="0">
+            <a:schemeClr val="accent1"/>
+          </a:effectRef>
+          <a:fontRef idx="minor">
+            <a:schemeClr val="lt1"/>
+          </a:fontRef>
+        </p:style>
+        <p:txBody>
+          <a:bodyPr rtlCol="0" anchor="ctr"/>
+          <a:lstStyle/>
+          <a:p>
+            <a:pPr algn="ctr"/>
+            <a:r>
+              <a:rPr lang="en-US" dirty="0">
+                <a:solidFill>
+                  <a:schemeClr val="bg1"/>
+                </a:solidFill>
+              </a:rPr>
+              <a:t>Error? </a:t>
+            </a:r>
+          </a:p>
+        </p:txBody>
+      </p:sp>
+      <p:sp>
+        <p:nvSpPr>
+          <p:cNvPr id="59" name="Rectangle 58"/>
+          <p:cNvSpPr/>
+          <p:nvPr/>
+        </p:nvSpPr>
+        <p:spPr>
+          <a:xfrm>
+            <a:off x="8968751" y="4746355"/>
+            <a:ext cx="1966823" cy="590025"/>
+          </a:xfrm>
+          <a:prstGeom prst="rect">
+            <a:avLst/>
+          </a:prstGeom>
+          <a:solidFill>
+            <a:schemeClr val="accent4">
+              <a:lumMod val="75000"/>
+            </a:schemeClr>
+          </a:solidFill>
+          <a:ln>
+            <a:solidFill>
+              <a:schemeClr val="tx1"/>
+            </a:solidFill>
+          </a:ln>
+        </p:spPr>
+        <p:style>
+          <a:lnRef idx="2">
+            <a:schemeClr val="accent1">
+              <a:shade val="50000"/>
+            </a:schemeClr>
+          </a:lnRef>
+          <a:fillRef idx="1">
+            <a:schemeClr val="accent1"/>
+          </a:fillRef>
+          <a:effectRef idx="0">
+            <a:schemeClr val="accent1"/>
+          </a:effectRef>
+          <a:fontRef idx="minor">
+            <a:schemeClr val="lt1"/>
+          </a:fontRef>
+        </p:style>
+        <p:txBody>
+          <a:bodyPr rtlCol="0" anchor="ctr"/>
+          <a:lstStyle/>
+          <a:p>
+            <a:pPr algn="ctr"/>
+            <a:r>
+              <a:rPr lang="en-US" dirty="0">
+                <a:solidFill>
+                  <a:schemeClr val="bg1"/>
+                </a:solidFill>
+              </a:rPr>
+              <a:t>Go back to standby</a:t>
+            </a:r>
+          </a:p>
+        </p:txBody>
+      </p:sp>
+      <p:cxnSp>
+        <p:nvCxnSpPr>
+          <p:cNvPr id="79" name="Straight Arrow Connector 78"/>
+          <p:cNvCxnSpPr>
+            <a:stCxn id="58" idx="2"/>
+            <a:endCxn id="26" idx="0"/>
+          </p:cNvCxnSpPr>
+          <p:nvPr/>
+        </p:nvCxnSpPr>
+        <p:spPr>
+          <a:xfrm>
+            <a:off x="6267330" y="4463590"/>
+            <a:ext cx="0" cy="150110"/>
+          </a:xfrm>
+          <a:prstGeom prst="straightConnector1">
+            <a:avLst/>
+          </a:prstGeom>
+          <a:ln>
+            <a:solidFill>
+              <a:schemeClr val="tx1"/>
+            </a:solidFill>
+            <a:tailEnd type="triangle"/>
+          </a:ln>
+        </p:spPr>
+        <p:style>
+          <a:lnRef idx="1">
+            <a:schemeClr val="accent1"/>
+          </a:lnRef>
+          <a:fillRef idx="0">
+            <a:schemeClr val="accent1"/>
+          </a:fillRef>
+          <a:effectRef idx="0">
+            <a:schemeClr val="accent1"/>
+          </a:effectRef>
+          <a:fontRef idx="minor">
+            <a:schemeClr val="tx1"/>
+          </a:fontRef>
+        </p:style>
+      </p:cxnSp>
+      <p:sp>
+        <p:nvSpPr>
+          <p:cNvPr id="26" name="Rectangle 25"/>
+          <p:cNvSpPr/>
+          <p:nvPr/>
+        </p:nvSpPr>
+        <p:spPr>
+          <a:xfrm>
+            <a:off x="5587391" y="4613700"/>
+            <a:ext cx="1359877" cy="863903"/>
+          </a:xfrm>
+          <a:prstGeom prst="rect">
+            <a:avLst/>
+          </a:prstGeom>
+          <a:solidFill>
+            <a:srgbClr val="C00000"/>
+          </a:solidFill>
+          <a:ln>
+            <a:solidFill>
+              <a:schemeClr val="tx1"/>
+            </a:solidFill>
+          </a:ln>
+        </p:spPr>
+        <p:style>
+          <a:lnRef idx="2">
+            <a:schemeClr val="accent1">
+              <a:shade val="50000"/>
+            </a:schemeClr>
+          </a:lnRef>
+          <a:fillRef idx="1">
+            <a:schemeClr val="accent1"/>
+          </a:fillRef>
+          <a:effectRef idx="0">
+            <a:schemeClr val="accent1"/>
+          </a:effectRef>
+          <a:fontRef idx="minor">
+            <a:schemeClr val="lt1"/>
+          </a:fontRef>
+        </p:style>
+        <p:txBody>
+          <a:bodyPr rtlCol="0" anchor="ctr"/>
+          <a:lstStyle/>
+          <a:p>
+            <a:pPr algn="ctr"/>
+            <a:r>
+              <a:rPr lang="en-US" dirty="0">
+                <a:solidFill>
+                  <a:schemeClr val="bg1"/>
+                </a:solidFill>
+              </a:rPr>
+              <a:t>Update Error Message</a:t>
+            </a:r>
+          </a:p>
+        </p:txBody>
+      </p:sp>
+      <p:cxnSp>
+        <p:nvCxnSpPr>
+          <p:cNvPr id="22" name="Straight Arrow Connector 21"/>
+          <p:cNvCxnSpPr>
+            <a:stCxn id="41" idx="2"/>
+            <a:endCxn id="10" idx="1"/>
+          </p:cNvCxnSpPr>
+          <p:nvPr/>
+        </p:nvCxnSpPr>
+        <p:spPr>
+          <a:xfrm flipH="1">
+            <a:off x="5071844" y="2192423"/>
+            <a:ext cx="1168099" cy="247849"/>
+          </a:xfrm>
+          <a:prstGeom prst="straightConnector1">
+            <a:avLst/>
+          </a:prstGeom>
+          <a:ln>
+            <a:solidFill>
+              <a:schemeClr val="tx1"/>
+            </a:solidFill>
+            <a:tailEnd type="triangle"/>
+          </a:ln>
+        </p:spPr>
+        <p:style>
+          <a:lnRef idx="1">
+            <a:schemeClr val="accent1"/>
+          </a:lnRef>
+          <a:fillRef idx="0">
+            <a:schemeClr val="accent1"/>
+          </a:fillRef>
+          <a:effectRef idx="0">
+            <a:schemeClr val="accent1"/>
+          </a:effectRef>
+          <a:fontRef idx="minor">
+            <a:schemeClr val="tx1"/>
+          </a:fontRef>
+        </p:style>
+      </p:cxnSp>
+      <p:grpSp>
+        <p:nvGrpSpPr>
+          <p:cNvPr id="11" name="Group 10"/>
+          <p:cNvGrpSpPr/>
+          <p:nvPr/>
+        </p:nvGrpSpPr>
+        <p:grpSpPr>
+          <a:xfrm>
+            <a:off x="4353387" y="2440272"/>
+            <a:ext cx="1436914" cy="818603"/>
+            <a:chOff x="2865120" y="3405053"/>
+            <a:chExt cx="1436914" cy="818603"/>
+          </a:xfrm>
+          <a:solidFill>
+            <a:srgbClr val="7030A0"/>
+          </a:solidFill>
+        </p:grpSpPr>
+        <p:sp>
+          <p:nvSpPr>
+            <p:cNvPr id="9" name="Flowchart: Magnetic Disk 8"/>
+            <p:cNvSpPr/>
+            <p:nvPr/>
+          </p:nvSpPr>
+          <p:spPr>
+            <a:xfrm>
+              <a:off x="2865120" y="3431493"/>
+              <a:ext cx="1436914" cy="792163"/>
+            </a:xfrm>
+            <a:prstGeom prst="flowChartMagneticDisk">
+              <a:avLst/>
+            </a:prstGeom>
+            <a:grpFill/>
+            <a:ln>
+              <a:solidFill>
+                <a:schemeClr val="tx1"/>
+              </a:solidFill>
+            </a:ln>
+          </p:spPr>
+          <p:style>
+            <a:lnRef idx="2">
+              <a:schemeClr val="accent1">
+                <a:shade val="50000"/>
+              </a:schemeClr>
+            </a:lnRef>
+            <a:fillRef idx="1">
+              <a:schemeClr val="accent1"/>
+            </a:fillRef>
+            <a:effectRef idx="0">
+              <a:schemeClr val="accent1"/>
+            </a:effectRef>
+            <a:fontRef idx="minor">
+              <a:schemeClr val="lt1"/>
+            </a:fontRef>
+          </p:style>
+          <p:txBody>
+            <a:bodyPr rtlCol="0" anchor="ctr"/>
+            <a:lstStyle/>
+            <a:p>
+              <a:pPr algn="ctr"/>
+              <a:endParaRPr lang="en-US"/>
+            </a:p>
+          </p:txBody>
+        </p:sp>
+        <p:sp>
+          <p:nvSpPr>
+            <p:cNvPr id="10" name="Can 9"/>
+            <p:cNvSpPr/>
+            <p:nvPr/>
+          </p:nvSpPr>
+          <p:spPr>
+            <a:xfrm>
+              <a:off x="2865120" y="3405053"/>
+              <a:ext cx="1436914" cy="339633"/>
+            </a:xfrm>
+            <a:prstGeom prst="can">
+              <a:avLst/>
+            </a:prstGeom>
+            <a:grpFill/>
+            <a:ln>
+              <a:solidFill>
+                <a:schemeClr val="tx1"/>
+              </a:solidFill>
+            </a:ln>
+          </p:spPr>
+          <p:style>
+            <a:lnRef idx="2">
+              <a:schemeClr val="accent1">
+                <a:shade val="50000"/>
+              </a:schemeClr>
+            </a:lnRef>
+            <a:fillRef idx="1">
+              <a:schemeClr val="accent1"/>
+            </a:fillRef>
+            <a:effectRef idx="0">
+              <a:schemeClr val="accent1"/>
+            </a:effectRef>
+            <a:fontRef idx="minor">
+              <a:schemeClr val="lt1"/>
+            </a:fontRef>
+          </p:style>
+          <p:txBody>
+            <a:bodyPr rtlCol="0" anchor="ctr"/>
+            <a:lstStyle/>
+            <a:p>
+              <a:pPr algn="ctr"/>
+              <a:endParaRPr lang="en-US"/>
+            </a:p>
+          </p:txBody>
+        </p:sp>
+        <p:sp>
+          <p:nvSpPr>
+            <p:cNvPr id="27" name="Can 26"/>
+            <p:cNvSpPr/>
+            <p:nvPr/>
+          </p:nvSpPr>
+          <p:spPr>
+            <a:xfrm>
+              <a:off x="2865120" y="3405053"/>
+              <a:ext cx="1436914" cy="165777"/>
+            </a:xfrm>
+            <a:prstGeom prst="can">
+              <a:avLst/>
+            </a:prstGeom>
+            <a:grpFill/>
+            <a:ln>
+              <a:solidFill>
+                <a:schemeClr val="tx1"/>
+              </a:solidFill>
+            </a:ln>
+          </p:spPr>
+          <p:style>
+            <a:lnRef idx="2">
+              <a:schemeClr val="accent1">
+                <a:shade val="50000"/>
+              </a:schemeClr>
+            </a:lnRef>
+            <a:fillRef idx="1">
+              <a:schemeClr val="accent1"/>
+            </a:fillRef>
+            <a:effectRef idx="0">
+              <a:schemeClr val="accent1"/>
+            </a:effectRef>
+            <a:fontRef idx="minor">
+              <a:schemeClr val="lt1"/>
+            </a:fontRef>
+          </p:style>
+          <p:txBody>
+            <a:bodyPr rtlCol="0" anchor="ctr"/>
+            <a:lstStyle/>
+            <a:p>
+              <a:pPr algn="ctr"/>
+              <a:endParaRPr lang="en-US"/>
+            </a:p>
+          </p:txBody>
+        </p:sp>
+      </p:grpSp>
+      <p:sp>
+        <p:nvSpPr>
+          <p:cNvPr id="32" name="Rectangle 31"/>
+          <p:cNvSpPr/>
+          <p:nvPr/>
+        </p:nvSpPr>
+        <p:spPr>
+          <a:xfrm>
+            <a:off x="6689585" y="2440272"/>
+            <a:ext cx="1420162" cy="818603"/>
+          </a:xfrm>
+          <a:prstGeom prst="rect">
+            <a:avLst/>
+          </a:prstGeom>
+          <a:solidFill>
+            <a:srgbClr val="7030A0"/>
+          </a:solidFill>
+          <a:ln>
+            <a:solidFill>
+              <a:schemeClr val="tx1"/>
+            </a:solidFill>
+          </a:ln>
+        </p:spPr>
+        <p:style>
+          <a:lnRef idx="2">
+            <a:schemeClr val="accent1">
+              <a:shade val="50000"/>
+            </a:schemeClr>
+          </a:lnRef>
+          <a:fillRef idx="1">
+            <a:schemeClr val="accent1"/>
+          </a:fillRef>
+          <a:effectRef idx="0">
+            <a:schemeClr val="accent1"/>
+          </a:effectRef>
+          <a:fontRef idx="minor">
+            <a:schemeClr val="lt1"/>
+          </a:fontRef>
+        </p:style>
+        <p:txBody>
+          <a:bodyPr rtlCol="0" anchor="ctr"/>
+          <a:lstStyle/>
+          <a:p>
+            <a:pPr algn="ctr"/>
+            <a:r>
+              <a:rPr lang="en-US" dirty="0">
+                <a:solidFill>
+                  <a:schemeClr val="bg1"/>
+                </a:solidFill>
+              </a:rPr>
+              <a:t>Compute Sagittal &amp; Flex Angle</a:t>
+            </a:r>
+          </a:p>
+        </p:txBody>
+      </p:sp>
+      <p:cxnSp>
+        <p:nvCxnSpPr>
+          <p:cNvPr id="34" name="Straight Arrow Connector 33"/>
+          <p:cNvCxnSpPr>
+            <a:stCxn id="41" idx="2"/>
+            <a:endCxn id="32" idx="0"/>
+          </p:cNvCxnSpPr>
+          <p:nvPr/>
+        </p:nvCxnSpPr>
+        <p:spPr>
+          <a:xfrm>
+            <a:off x="6239943" y="2192423"/>
+            <a:ext cx="1159723" cy="247849"/>
+          </a:xfrm>
+          <a:prstGeom prst="straightConnector1">
+            <a:avLst/>
+          </a:prstGeom>
+          <a:ln>
+            <a:solidFill>
+              <a:schemeClr val="tx1"/>
+            </a:solidFill>
+            <a:tailEnd type="triangle"/>
+          </a:ln>
+        </p:spPr>
+        <p:style>
+          <a:lnRef idx="1">
+            <a:schemeClr val="accent1"/>
+          </a:lnRef>
+          <a:fillRef idx="0">
+            <a:schemeClr val="accent1"/>
+          </a:fillRef>
+          <a:effectRef idx="0">
+            <a:schemeClr val="accent1"/>
+          </a:effectRef>
+          <a:fontRef idx="minor">
+            <a:schemeClr val="tx1"/>
+          </a:fontRef>
+        </p:style>
+      </p:cxnSp>
+      <p:cxnSp>
+        <p:nvCxnSpPr>
+          <p:cNvPr id="44" name="Straight Arrow Connector 43"/>
+          <p:cNvCxnSpPr>
+            <a:stCxn id="32" idx="2"/>
+            <a:endCxn id="58" idx="0"/>
+          </p:cNvCxnSpPr>
+          <p:nvPr/>
+        </p:nvCxnSpPr>
+        <p:spPr>
+          <a:xfrm flipH="1">
+            <a:off x="6267330" y="3258875"/>
+            <a:ext cx="1132336" cy="488722"/>
+          </a:xfrm>
+          <a:prstGeom prst="straightConnector1">
+            <a:avLst/>
+          </a:prstGeom>
+          <a:ln>
+            <a:solidFill>
+              <a:schemeClr val="tx1"/>
+            </a:solidFill>
+            <a:tailEnd type="triangle"/>
+          </a:ln>
+        </p:spPr>
+        <p:style>
+          <a:lnRef idx="1">
+            <a:schemeClr val="accent1"/>
+          </a:lnRef>
+          <a:fillRef idx="0">
+            <a:schemeClr val="accent1"/>
+          </a:fillRef>
+          <a:effectRef idx="0">
+            <a:schemeClr val="accent1"/>
+          </a:effectRef>
+          <a:fontRef idx="minor">
+            <a:schemeClr val="tx1"/>
+          </a:fontRef>
+        </p:style>
+      </p:cxnSp>
+      <p:sp>
+        <p:nvSpPr>
+          <p:cNvPr id="38" name="TextBox 37"/>
+          <p:cNvSpPr txBox="1"/>
+          <p:nvPr/>
+        </p:nvSpPr>
+        <p:spPr>
+          <a:xfrm>
+            <a:off x="4547602" y="2674100"/>
+            <a:ext cx="1112969" cy="646331"/>
+          </a:xfrm>
+          <a:prstGeom prst="rect">
+            <a:avLst/>
+          </a:prstGeom>
+          <a:noFill/>
+        </p:spPr>
+        <p:txBody>
+          <a:bodyPr wrap="square" rtlCol="0">
+            <a:spAutoFit/>
+          </a:bodyPr>
+          <a:lstStyle/>
+          <a:p>
+            <a:r>
+              <a:rPr lang="en-US" dirty="0">
+                <a:solidFill>
+                  <a:schemeClr val="bg1"/>
+                </a:solidFill>
+              </a:rPr>
+              <a:t>Gesture Database</a:t>
+            </a:r>
+          </a:p>
+        </p:txBody>
+      </p:sp>
+      <p:sp>
+        <p:nvSpPr>
+          <p:cNvPr id="52" name="Rectangle 51"/>
+          <p:cNvSpPr/>
+          <p:nvPr/>
+        </p:nvSpPr>
+        <p:spPr>
+          <a:xfrm>
+            <a:off x="7429808" y="3751460"/>
+            <a:ext cx="1359877" cy="712130"/>
+          </a:xfrm>
+          <a:prstGeom prst="rect">
+            <a:avLst/>
+          </a:prstGeom>
+          <a:solidFill>
+            <a:schemeClr val="accent6">
+              <a:lumMod val="50000"/>
+            </a:schemeClr>
+          </a:solidFill>
+          <a:ln>
+            <a:solidFill>
+              <a:schemeClr val="tx1"/>
+            </a:solidFill>
+          </a:ln>
+        </p:spPr>
+        <p:style>
+          <a:lnRef idx="2">
+            <a:schemeClr val="accent1">
+              <a:shade val="50000"/>
+            </a:schemeClr>
+          </a:lnRef>
+          <a:fillRef idx="1">
+            <a:schemeClr val="accent1"/>
+          </a:fillRef>
+          <a:effectRef idx="0">
+            <a:schemeClr val="accent1"/>
+          </a:effectRef>
+          <a:fontRef idx="minor">
+            <a:schemeClr val="lt1"/>
+          </a:fontRef>
+        </p:style>
+        <p:txBody>
+          <a:bodyPr rtlCol="0" anchor="ctr"/>
+          <a:lstStyle/>
+          <a:p>
+            <a:pPr algn="ctr"/>
+            <a:r>
+              <a:rPr lang="en-US" dirty="0">
+                <a:solidFill>
+                  <a:schemeClr val="bg1"/>
+                </a:solidFill>
+              </a:rPr>
+              <a:t>No</a:t>
+            </a:r>
+          </a:p>
+        </p:txBody>
+      </p:sp>
+      <p:cxnSp>
+        <p:nvCxnSpPr>
+          <p:cNvPr id="53" name="Straight Arrow Connector 52"/>
+          <p:cNvCxnSpPr>
+            <a:stCxn id="58" idx="3"/>
+            <a:endCxn id="52" idx="1"/>
+          </p:cNvCxnSpPr>
+          <p:nvPr/>
+        </p:nvCxnSpPr>
+        <p:spPr>
+          <a:xfrm>
+            <a:off x="6947268" y="4105594"/>
+            <a:ext cx="482540" cy="1931"/>
+          </a:xfrm>
+          <a:prstGeom prst="straightConnector1">
+            <a:avLst/>
+          </a:prstGeom>
+          <a:ln>
+            <a:solidFill>
+              <a:schemeClr val="tx1"/>
+            </a:solidFill>
+            <a:tailEnd type="triangle"/>
+          </a:ln>
+        </p:spPr>
+        <p:style>
+          <a:lnRef idx="1">
+            <a:schemeClr val="accent1"/>
+          </a:lnRef>
+          <a:fillRef idx="0">
+            <a:schemeClr val="accent1"/>
+          </a:fillRef>
+          <a:effectRef idx="0">
+            <a:schemeClr val="accent1"/>
+          </a:effectRef>
+          <a:fontRef idx="minor">
+            <a:schemeClr val="tx1"/>
+          </a:fontRef>
+        </p:style>
+      </p:cxnSp>
+      <p:sp>
+        <p:nvSpPr>
+          <p:cNvPr id="56" name="Rectangle 55"/>
+          <p:cNvSpPr/>
+          <p:nvPr/>
+        </p:nvSpPr>
+        <p:spPr>
+          <a:xfrm>
+            <a:off x="9272225" y="3747596"/>
+            <a:ext cx="1359877" cy="715993"/>
+          </a:xfrm>
+          <a:prstGeom prst="rect">
+            <a:avLst/>
+          </a:prstGeom>
+          <a:solidFill>
+            <a:schemeClr val="accent6">
+              <a:lumMod val="50000"/>
+            </a:schemeClr>
+          </a:solidFill>
+          <a:ln>
+            <a:solidFill>
+              <a:schemeClr val="tx1"/>
+            </a:solidFill>
+          </a:ln>
+        </p:spPr>
+        <p:style>
+          <a:lnRef idx="2">
+            <a:schemeClr val="accent1">
+              <a:shade val="50000"/>
+            </a:schemeClr>
+          </a:lnRef>
+          <a:fillRef idx="1">
+            <a:schemeClr val="accent1"/>
+          </a:fillRef>
+          <a:effectRef idx="0">
+            <a:schemeClr val="accent1"/>
+          </a:effectRef>
+          <a:fontRef idx="minor">
+            <a:schemeClr val="lt1"/>
+          </a:fontRef>
+        </p:style>
+        <p:txBody>
+          <a:bodyPr rtlCol="0" anchor="ctr"/>
+          <a:lstStyle/>
+          <a:p>
+            <a:pPr algn="ctr"/>
+            <a:r>
+              <a:rPr lang="en-US" dirty="0">
+                <a:solidFill>
+                  <a:schemeClr val="bg1"/>
+                </a:solidFill>
+              </a:rPr>
+              <a:t>Update Message</a:t>
+            </a:r>
+          </a:p>
+        </p:txBody>
+      </p:sp>
+      <p:cxnSp>
+        <p:nvCxnSpPr>
+          <p:cNvPr id="60" name="Straight Arrow Connector 59"/>
+          <p:cNvCxnSpPr>
+            <a:stCxn id="52" idx="3"/>
+            <a:endCxn id="56" idx="1"/>
+          </p:cNvCxnSpPr>
+          <p:nvPr/>
+        </p:nvCxnSpPr>
+        <p:spPr>
+          <a:xfrm flipV="1">
+            <a:off x="8789685" y="4105593"/>
+            <a:ext cx="482540" cy="1932"/>
+          </a:xfrm>
+          <a:prstGeom prst="straightConnector1">
+            <a:avLst/>
+          </a:prstGeom>
+          <a:ln>
+            <a:solidFill>
+              <a:schemeClr val="tx1"/>
+            </a:solidFill>
+            <a:tailEnd type="triangle"/>
+          </a:ln>
+        </p:spPr>
+        <p:style>
+          <a:lnRef idx="1">
+            <a:schemeClr val="accent1"/>
+          </a:lnRef>
+          <a:fillRef idx="0">
+            <a:schemeClr val="accent1"/>
+          </a:fillRef>
+          <a:effectRef idx="0">
+            <a:schemeClr val="accent1"/>
+          </a:effectRef>
+          <a:fontRef idx="minor">
+            <a:schemeClr val="tx1"/>
+          </a:fontRef>
+        </p:style>
+      </p:cxnSp>
+      <p:cxnSp>
+        <p:nvCxnSpPr>
+          <p:cNvPr id="61" name="Straight Arrow Connector 60"/>
+          <p:cNvCxnSpPr>
+            <a:stCxn id="56" idx="2"/>
+            <a:endCxn id="59" idx="0"/>
+          </p:cNvCxnSpPr>
+          <p:nvPr/>
+        </p:nvCxnSpPr>
+        <p:spPr>
+          <a:xfrm flipH="1">
+            <a:off x="9952163" y="4463589"/>
+            <a:ext cx="1" cy="282766"/>
+          </a:xfrm>
+          <a:prstGeom prst="straightConnector1">
+            <a:avLst/>
+          </a:prstGeom>
+          <a:ln>
+            <a:solidFill>
+              <a:schemeClr val="tx1"/>
+            </a:solidFill>
+            <a:tailEnd type="triangle"/>
+          </a:ln>
+        </p:spPr>
+        <p:style>
+          <a:lnRef idx="1">
+            <a:schemeClr val="accent1"/>
+          </a:lnRef>
+          <a:fillRef idx="0">
+            <a:schemeClr val="accent1"/>
+          </a:fillRef>
+          <a:effectRef idx="0">
+            <a:schemeClr val="accent1"/>
+          </a:effectRef>
+          <a:fontRef idx="minor">
+            <a:schemeClr val="tx1"/>
+          </a:fontRef>
+        </p:style>
+      </p:cxnSp>
+      <p:cxnSp>
+        <p:nvCxnSpPr>
+          <p:cNvPr id="63" name="Straight Arrow Connector 62"/>
+          <p:cNvCxnSpPr>
+            <a:stCxn id="26" idx="3"/>
+            <a:endCxn id="59" idx="1"/>
+          </p:cNvCxnSpPr>
+          <p:nvPr/>
+        </p:nvCxnSpPr>
+        <p:spPr>
+          <a:xfrm flipV="1">
+            <a:off x="6947268" y="5041368"/>
+            <a:ext cx="2021483" cy="4284"/>
+          </a:xfrm>
+          <a:prstGeom prst="straightConnector1">
+            <a:avLst/>
+          </a:prstGeom>
+          <a:ln>
+            <a:tailEnd type="triangle"/>
+          </a:ln>
+        </p:spPr>
+        <p:style>
+          <a:lnRef idx="1">
+            <a:schemeClr val="accent1"/>
+          </a:lnRef>
+          <a:fillRef idx="0">
+            <a:schemeClr val="accent1"/>
+          </a:fillRef>
+          <a:effectRef idx="0">
+            <a:schemeClr val="accent1"/>
+          </a:effectRef>
+          <a:fontRef idx="minor">
+            <a:schemeClr val="tx1"/>
+          </a:fontRef>
+        </p:style>
+      </p:cxnSp>
+      <p:sp>
+        <p:nvSpPr>
+          <p:cNvPr id="41" name="Rectangle 40"/>
+          <p:cNvSpPr/>
+          <p:nvPr/>
+        </p:nvSpPr>
+        <p:spPr>
+          <a:xfrm>
+            <a:off x="5560004" y="1480293"/>
+            <a:ext cx="1359877" cy="712130"/>
+          </a:xfrm>
+          <a:prstGeom prst="rect">
+            <a:avLst/>
+          </a:prstGeom>
+          <a:solidFill>
+            <a:schemeClr val="accent6">
+              <a:lumMod val="50000"/>
+            </a:schemeClr>
+          </a:solidFill>
+          <a:ln>
+            <a:solidFill>
+              <a:schemeClr val="tx1"/>
+            </a:solidFill>
+          </a:ln>
+        </p:spPr>
+        <p:style>
+          <a:lnRef idx="2">
+            <a:schemeClr val="accent1">
+              <a:shade val="50000"/>
+            </a:schemeClr>
+          </a:lnRef>
+          <a:fillRef idx="1">
+            <a:schemeClr val="accent1"/>
+          </a:fillRef>
+          <a:effectRef idx="0">
+            <a:schemeClr val="accent1"/>
+          </a:effectRef>
+          <a:fontRef idx="minor">
+            <a:schemeClr val="lt1"/>
+          </a:fontRef>
+        </p:style>
+        <p:txBody>
+          <a:bodyPr rtlCol="0" anchor="ctr"/>
+          <a:lstStyle/>
+          <a:p>
+            <a:pPr algn="ctr"/>
+            <a:r>
+              <a:rPr lang="en-US" dirty="0">
+                <a:solidFill>
+                  <a:schemeClr val="bg1"/>
+                </a:solidFill>
+              </a:rPr>
+              <a:t>Yes</a:t>
+            </a:r>
+          </a:p>
+        </p:txBody>
+      </p:sp>
+      <p:sp>
+        <p:nvSpPr>
+          <p:cNvPr id="48" name="Rectangle 47"/>
+          <p:cNvSpPr/>
+          <p:nvPr/>
+        </p:nvSpPr>
+        <p:spPr>
+          <a:xfrm>
+            <a:off x="9272225" y="483540"/>
+            <a:ext cx="1359877" cy="712130"/>
+          </a:xfrm>
+          <a:prstGeom prst="rect">
+            <a:avLst/>
+          </a:prstGeom>
+          <a:solidFill>
+            <a:srgbClr val="C00000"/>
+          </a:solidFill>
+          <a:ln>
+            <a:solidFill>
+              <a:schemeClr val="tx1"/>
+            </a:solidFill>
+          </a:ln>
+        </p:spPr>
+        <p:style>
+          <a:lnRef idx="2">
+            <a:schemeClr val="accent1">
+              <a:shade val="50000"/>
+            </a:schemeClr>
+          </a:lnRef>
+          <a:fillRef idx="1">
+            <a:schemeClr val="accent1"/>
+          </a:fillRef>
+          <a:effectRef idx="0">
+            <a:schemeClr val="accent1"/>
+          </a:effectRef>
+          <a:fontRef idx="minor">
+            <a:schemeClr val="lt1"/>
+          </a:fontRef>
+        </p:style>
+        <p:txBody>
+          <a:bodyPr rtlCol="0" anchor="ctr"/>
+          <a:lstStyle/>
+          <a:p>
+            <a:pPr algn="ctr"/>
+            <a:r>
+              <a:rPr lang="en-US" dirty="0">
+                <a:solidFill>
+                  <a:schemeClr val="bg1"/>
+                </a:solidFill>
+              </a:rPr>
+              <a:t>No</a:t>
+            </a:r>
+          </a:p>
+        </p:txBody>
+      </p:sp>
+      <p:cxnSp>
+        <p:nvCxnSpPr>
+          <p:cNvPr id="49" name="Straight Arrow Connector 48"/>
+          <p:cNvCxnSpPr>
+            <a:stCxn id="3" idx="3"/>
+            <a:endCxn id="48" idx="1"/>
+          </p:cNvCxnSpPr>
+          <p:nvPr/>
+        </p:nvCxnSpPr>
+        <p:spPr>
+          <a:xfrm flipV="1">
+            <a:off x="7262173" y="839605"/>
+            <a:ext cx="2010052" cy="6246"/>
+          </a:xfrm>
+          <a:prstGeom prst="straightConnector1">
+            <a:avLst/>
+          </a:prstGeom>
+          <a:ln>
+            <a:solidFill>
+              <a:schemeClr val="tx1"/>
+            </a:solidFill>
+            <a:tailEnd type="triangle"/>
+          </a:ln>
+        </p:spPr>
+        <p:style>
+          <a:lnRef idx="1">
+            <a:schemeClr val="accent1"/>
+          </a:lnRef>
+          <a:fillRef idx="0">
+            <a:schemeClr val="accent1"/>
+          </a:fillRef>
+          <a:effectRef idx="0">
+            <a:schemeClr val="accent1"/>
+          </a:effectRef>
+          <a:fontRef idx="minor">
+            <a:schemeClr val="tx1"/>
+          </a:fontRef>
+        </p:style>
+      </p:cxnSp>
+      <p:cxnSp>
+        <p:nvCxnSpPr>
+          <p:cNvPr id="57" name="Straight Arrow Connector 56"/>
+          <p:cNvCxnSpPr>
+            <a:stCxn id="3" idx="2"/>
+            <a:endCxn id="41" idx="0"/>
+          </p:cNvCxnSpPr>
+          <p:nvPr/>
+        </p:nvCxnSpPr>
+        <p:spPr>
+          <a:xfrm>
+            <a:off x="6239943" y="1199534"/>
+            <a:ext cx="0" cy="280759"/>
+          </a:xfrm>
+          <a:prstGeom prst="straightConnector1">
+            <a:avLst/>
+          </a:prstGeom>
+          <a:ln>
+            <a:solidFill>
+              <a:schemeClr val="tx1"/>
+            </a:solidFill>
+            <a:tailEnd type="triangle"/>
+          </a:ln>
+        </p:spPr>
+        <p:style>
+          <a:lnRef idx="1">
+            <a:schemeClr val="accent1"/>
+          </a:lnRef>
+          <a:fillRef idx="0">
+            <a:schemeClr val="accent1"/>
+          </a:fillRef>
+          <a:effectRef idx="0">
+            <a:schemeClr val="accent1"/>
+          </a:effectRef>
+          <a:fontRef idx="minor">
+            <a:schemeClr val="tx1"/>
+          </a:fontRef>
+        </p:style>
+      </p:cxnSp>
+      <p:cxnSp>
+        <p:nvCxnSpPr>
+          <p:cNvPr id="23" name="Straight Connector 22"/>
+          <p:cNvCxnSpPr>
+            <a:stCxn id="48" idx="3"/>
+          </p:cNvCxnSpPr>
+          <p:nvPr/>
+        </p:nvCxnSpPr>
+        <p:spPr>
+          <a:xfrm>
+            <a:off x="10632102" y="839605"/>
+            <a:ext cx="819669" cy="0"/>
+          </a:xfrm>
+          <a:prstGeom prst="line">
+            <a:avLst/>
+          </a:prstGeom>
+          <a:ln>
+            <a:solidFill>
+              <a:schemeClr val="tx1"/>
+            </a:solidFill>
+          </a:ln>
+        </p:spPr>
+        <p:style>
+          <a:lnRef idx="1">
+            <a:schemeClr val="accent1"/>
+          </a:lnRef>
+          <a:fillRef idx="0">
+            <a:schemeClr val="accent1"/>
+          </a:fillRef>
+          <a:effectRef idx="0">
+            <a:schemeClr val="accent1"/>
+          </a:effectRef>
+          <a:fontRef idx="minor">
+            <a:schemeClr val="tx1"/>
+          </a:fontRef>
+        </p:style>
+      </p:cxnSp>
+      <p:cxnSp>
+        <p:nvCxnSpPr>
+          <p:cNvPr id="25" name="Straight Connector 24"/>
+          <p:cNvCxnSpPr/>
+          <p:nvPr/>
+        </p:nvCxnSpPr>
+        <p:spPr>
+          <a:xfrm>
+            <a:off x="11451771" y="845851"/>
+            <a:ext cx="0" cy="4199801"/>
+          </a:xfrm>
+          <a:prstGeom prst="line">
+            <a:avLst/>
+          </a:prstGeom>
+          <a:ln>
+            <a:solidFill>
+              <a:schemeClr val="tx1"/>
+            </a:solidFill>
+          </a:ln>
+        </p:spPr>
+        <p:style>
+          <a:lnRef idx="1">
+            <a:schemeClr val="accent1"/>
+          </a:lnRef>
+          <a:fillRef idx="0">
+            <a:schemeClr val="accent1"/>
+          </a:fillRef>
+          <a:effectRef idx="0">
+            <a:schemeClr val="accent1"/>
+          </a:effectRef>
+          <a:fontRef idx="minor">
+            <a:schemeClr val="tx1"/>
+          </a:fontRef>
+        </p:style>
+      </p:cxnSp>
+      <p:cxnSp>
+        <p:nvCxnSpPr>
+          <p:cNvPr id="29" name="Straight Arrow Connector 28"/>
+          <p:cNvCxnSpPr>
+            <a:endCxn id="59" idx="3"/>
+          </p:cNvCxnSpPr>
+          <p:nvPr/>
+        </p:nvCxnSpPr>
+        <p:spPr>
+          <a:xfrm flipH="1">
+            <a:off x="10935574" y="5041367"/>
+            <a:ext cx="516197" cy="1"/>
+          </a:xfrm>
+          <a:prstGeom prst="straightConnector1">
+            <a:avLst/>
+          </a:prstGeom>
+          <a:ln>
+            <a:solidFill>
+              <a:schemeClr val="tx1"/>
+            </a:solidFill>
+            <a:tailEnd type="triangle"/>
+          </a:ln>
+        </p:spPr>
+        <p:style>
+          <a:lnRef idx="1">
+            <a:schemeClr val="accent1"/>
+          </a:lnRef>
+          <a:fillRef idx="0">
+            <a:schemeClr val="accent1"/>
+          </a:fillRef>
+          <a:effectRef idx="0">
+            <a:schemeClr val="accent1"/>
+          </a:effectRef>
+          <a:fontRef idx="minor">
+            <a:schemeClr val="tx1"/>
+          </a:fontRef>
+        </p:style>
+      </p:cxnSp>
+      <p:sp>
+        <p:nvSpPr>
+          <p:cNvPr id="50" name="Rounded Rectangle 49"/>
+          <p:cNvSpPr/>
+          <p:nvPr/>
+        </p:nvSpPr>
+        <p:spPr>
+          <a:xfrm>
+            <a:off x="148045" y="352815"/>
+            <a:ext cx="7281763" cy="966719"/>
+          </a:xfrm>
+          <a:prstGeom prst="roundRect">
+            <a:avLst/>
+          </a:prstGeom>
+          <a:noFill/>
+          <a:ln w="76200">
+            <a:solidFill>
+              <a:schemeClr val="accent6"/>
+            </a:solidFill>
+          </a:ln>
+        </p:spPr>
+        <p:style>
+          <a:lnRef idx="2">
+            <a:schemeClr val="accent1">
+              <a:shade val="50000"/>
+            </a:schemeClr>
+          </a:lnRef>
+          <a:fillRef idx="1">
+            <a:schemeClr val="accent1"/>
+          </a:fillRef>
+          <a:effectRef idx="0">
+            <a:schemeClr val="accent1"/>
+          </a:effectRef>
+          <a:fontRef idx="minor">
+            <a:schemeClr val="lt1"/>
+          </a:fontRef>
+        </p:style>
+        <p:txBody>
+          <a:bodyPr rtlCol="0" anchor="ctr"/>
+          <a:lstStyle/>
+          <a:p>
+            <a:pPr algn="ctr"/>
+            <a:endParaRPr lang="en-US"/>
+          </a:p>
+        </p:txBody>
+      </p:sp>
+      <p:sp>
+        <p:nvSpPr>
+          <p:cNvPr id="51" name="Rounded Rectangle 50"/>
+          <p:cNvSpPr/>
+          <p:nvPr/>
+        </p:nvSpPr>
+        <p:spPr>
+          <a:xfrm>
+            <a:off x="4211778" y="2337607"/>
+            <a:ext cx="4035239" cy="1025677"/>
+          </a:xfrm>
+          <a:prstGeom prst="roundRect">
+            <a:avLst/>
+          </a:prstGeom>
+          <a:noFill/>
+          <a:ln w="76200">
+            <a:solidFill>
+              <a:schemeClr val="accent4"/>
+            </a:solidFill>
+          </a:ln>
+        </p:spPr>
+        <p:style>
+          <a:lnRef idx="2">
+            <a:schemeClr val="accent1">
+              <a:shade val="50000"/>
+            </a:schemeClr>
+          </a:lnRef>
+          <a:fillRef idx="1">
+            <a:schemeClr val="accent1"/>
+          </a:fillRef>
+          <a:effectRef idx="0">
+            <a:schemeClr val="accent1"/>
+          </a:effectRef>
+          <a:fontRef idx="minor">
+            <a:schemeClr val="lt1"/>
+          </a:fontRef>
+        </p:style>
+        <p:txBody>
+          <a:bodyPr rtlCol="0" anchor="ctr"/>
+          <a:lstStyle/>
+          <a:p>
+            <a:pPr algn="ctr"/>
+            <a:endParaRPr lang="en-US"/>
+          </a:p>
+        </p:txBody>
+      </p:sp>
+      <p:cxnSp>
+        <p:nvCxnSpPr>
+          <p:cNvPr id="72" name="Straight Arrow Connector 71"/>
+          <p:cNvCxnSpPr>
+            <a:stCxn id="26" idx="3"/>
+            <a:endCxn id="59" idx="1"/>
+          </p:cNvCxnSpPr>
+          <p:nvPr/>
+        </p:nvCxnSpPr>
+        <p:spPr>
+          <a:xfrm flipV="1">
+            <a:off x="6947268" y="5041368"/>
+            <a:ext cx="2021483" cy="4284"/>
+          </a:xfrm>
+          <a:prstGeom prst="straightConnector1">
+            <a:avLst/>
+          </a:prstGeom>
+          <a:ln>
+            <a:solidFill>
+              <a:schemeClr val="tx1"/>
+            </a:solidFill>
+            <a:tailEnd type="triangle"/>
+          </a:ln>
+        </p:spPr>
+        <p:style>
+          <a:lnRef idx="1">
+            <a:schemeClr val="accent1"/>
+          </a:lnRef>
+          <a:fillRef idx="0">
+            <a:schemeClr val="accent1"/>
+          </a:fillRef>
+          <a:effectRef idx="0">
+            <a:schemeClr val="accent1"/>
+          </a:effectRef>
+          <a:fontRef idx="minor">
+            <a:schemeClr val="tx1"/>
+          </a:fontRef>
+        </p:style>
+      </p:cxnSp>
+      <p:sp>
+        <p:nvSpPr>
+          <p:cNvPr id="81" name="Rounded Rectangle 80"/>
+          <p:cNvSpPr/>
+          <p:nvPr/>
+        </p:nvSpPr>
+        <p:spPr>
+          <a:xfrm>
+            <a:off x="5271840" y="3598508"/>
+            <a:ext cx="5875131" cy="1958914"/>
+          </a:xfrm>
+          <a:prstGeom prst="roundRect">
+            <a:avLst/>
+          </a:prstGeom>
+          <a:noFill/>
+          <a:ln w="76200">
+            <a:solidFill>
+              <a:schemeClr val="accent6"/>
+            </a:solidFill>
+          </a:ln>
+        </p:spPr>
+        <p:style>
+          <a:lnRef idx="2">
+            <a:schemeClr val="accent1">
+              <a:shade val="50000"/>
+            </a:schemeClr>
+          </a:lnRef>
+          <a:fillRef idx="1">
+            <a:schemeClr val="accent1"/>
+          </a:fillRef>
+          <a:effectRef idx="0">
+            <a:schemeClr val="accent1"/>
+          </a:effectRef>
+          <a:fontRef idx="minor">
+            <a:schemeClr val="lt1"/>
+          </a:fontRef>
+        </p:style>
+        <p:txBody>
+          <a:bodyPr rtlCol="0" anchor="ctr"/>
+          <a:lstStyle/>
+          <a:p>
+            <a:pPr algn="ctr"/>
+            <a:endParaRPr lang="en-US"/>
+          </a:p>
+        </p:txBody>
+      </p:sp>
+      <p:sp>
+        <p:nvSpPr>
+          <p:cNvPr id="64" name="TextBox 63"/>
+          <p:cNvSpPr txBox="1"/>
+          <p:nvPr/>
+        </p:nvSpPr>
+        <p:spPr>
+          <a:xfrm>
+            <a:off x="1676681" y="1677530"/>
+            <a:ext cx="1331448" cy="338554"/>
+          </a:xfrm>
+          <a:prstGeom prst="rect">
+            <a:avLst/>
+          </a:prstGeom>
+          <a:solidFill>
+            <a:schemeClr val="bg1"/>
+          </a:solidFill>
+          <a:ln w="57150">
+            <a:solidFill>
+              <a:schemeClr val="accent6"/>
+            </a:solidFill>
+          </a:ln>
+        </p:spPr>
+        <p:txBody>
+          <a:bodyPr wrap="square" rtlCol="0">
+            <a:spAutoFit/>
+          </a:bodyPr>
+          <a:lstStyle/>
+          <a:p>
+            <a:r>
+              <a:rPr lang="en-US" sz="1600" dirty="0"/>
+              <a:t>Completed</a:t>
+            </a:r>
+          </a:p>
+        </p:txBody>
+      </p:sp>
+      <p:sp>
+        <p:nvSpPr>
+          <p:cNvPr id="74" name="TextBox 73"/>
+          <p:cNvSpPr txBox="1"/>
+          <p:nvPr/>
+        </p:nvSpPr>
+        <p:spPr>
+          <a:xfrm>
+            <a:off x="1676680" y="2090924"/>
+            <a:ext cx="1331449" cy="584775"/>
+          </a:xfrm>
+          <a:prstGeom prst="rect">
+            <a:avLst/>
+          </a:prstGeom>
+          <a:noFill/>
+          <a:ln w="57150">
+            <a:solidFill>
+              <a:schemeClr val="accent4"/>
+            </a:solidFill>
+          </a:ln>
+        </p:spPr>
+        <p:txBody>
+          <a:bodyPr wrap="square" rtlCol="0">
+            <a:spAutoFit/>
+          </a:bodyPr>
+          <a:lstStyle/>
+          <a:p>
+            <a:r>
+              <a:rPr lang="en-US" sz="1600" dirty="0"/>
+              <a:t>Requires Refinement</a:t>
+            </a:r>
+          </a:p>
+        </p:txBody>
+      </p:sp>
+      <p:sp>
+        <p:nvSpPr>
+          <p:cNvPr id="78" name="TextBox 77"/>
+          <p:cNvSpPr txBox="1"/>
+          <p:nvPr/>
+        </p:nvSpPr>
+        <p:spPr>
+          <a:xfrm>
+            <a:off x="1684057" y="2750539"/>
+            <a:ext cx="1315920" cy="584775"/>
+          </a:xfrm>
+          <a:prstGeom prst="rect">
+            <a:avLst/>
+          </a:prstGeom>
+          <a:noFill/>
+          <a:ln w="57150">
+            <a:solidFill>
+              <a:srgbClr val="C00000"/>
+            </a:solidFill>
+          </a:ln>
+        </p:spPr>
+        <p:txBody>
+          <a:bodyPr wrap="square" rtlCol="0">
+            <a:spAutoFit/>
+          </a:bodyPr>
+          <a:lstStyle/>
+          <a:p>
+            <a:r>
+              <a:rPr lang="en-US" sz="1600" dirty="0"/>
+              <a:t>Not yet Implemented</a:t>
+            </a:r>
+          </a:p>
+        </p:txBody>
+      </p:sp>
+    </p:spTree>
+    <p:extLst>
+      <p:ext uri="{BB962C8B-B14F-4D97-AF65-F5344CB8AC3E}">
+        <p14:creationId xmlns:p14="http://schemas.microsoft.com/office/powerpoint/2010/main" val="3413820388"/>
       </p:ext>
     </p:extLst>
   </p:cSld>
